--- a/Projet libre Presentation.pptx
+++ b/Projet libre Presentation.pptx
@@ -7,10 +7,11 @@
   <p:sldIdLst>
     <p:sldId id="256" r:id="rId2"/>
     <p:sldId id="260" r:id="rId3"/>
-    <p:sldId id="257" r:id="rId4"/>
-    <p:sldId id="259" r:id="rId5"/>
-    <p:sldId id="258" r:id="rId6"/>
-    <p:sldId id="261" r:id="rId7"/>
+    <p:sldId id="262" r:id="rId4"/>
+    <p:sldId id="257" r:id="rId5"/>
+    <p:sldId id="259" r:id="rId6"/>
+    <p:sldId id="258" r:id="rId7"/>
+    <p:sldId id="261" r:id="rId8"/>
   </p:sldIdLst>
   <p:sldSz cx="12192000" cy="6858000"/>
   <p:notesSz cx="6858000" cy="9144000"/>
@@ -109,6 +110,11 @@
       </a:defRPr>
     </a:lvl9pPr>
   </p:defaultTextStyle>
+  <p:extLst>
+    <p:ext uri="{EFAFB233-063F-42B5-8137-9DF3F51BA10A}">
+      <p15:sldGuideLst xmlns:p15="http://schemas.microsoft.com/office/powerpoint/2012/main"/>
+    </p:ext>
+  </p:extLst>
 </p:presentation>
 </file>
 
@@ -2480,10 +2486,10 @@
         <a:lstStyle/>
         <a:p>
           <a:r>
-            <a:rPr lang="fr-FR"/>
-            <a:t>Le but du projet</a:t>
+            <a:rPr lang="fr-FR" dirty="0"/>
+            <a:t>Problématique</a:t>
           </a:r>
-          <a:endParaRPr lang="en-US"/>
+          <a:endParaRPr lang="en-US" dirty="0"/>
         </a:p>
       </dgm:t>
     </dgm:pt>
@@ -2499,7 +2505,7 @@
       </dgm:t>
     </dgm:pt>
     <dgm:pt modelId="{4C34B73E-33C3-4D69-A6FA-52F972EB2C52}" type="sibTrans" cxnId="{41C890DF-B8D1-4E77-AE13-A8818AB8F3A7}">
-      <dgm:prSet phldrT="01"/>
+      <dgm:prSet phldrT="01" phldr="0"/>
       <dgm:spPr/>
       <dgm:t>
         <a:bodyPr/>
@@ -2521,7 +2527,7 @@
         <a:p>
           <a:r>
             <a:rPr lang="fr-FR" dirty="0"/>
-            <a:t>Ambitions</a:t>
+            <a:t>Le but du projet</a:t>
           </a:r>
           <a:endParaRPr lang="en-US" dirty="0"/>
         </a:p>
@@ -2539,7 +2545,7 @@
       </dgm:t>
     </dgm:pt>
     <dgm:pt modelId="{224BE7DB-F22C-4891-94DE-74F7C2FDAAEA}" type="sibTrans" cxnId="{E37D4B30-6781-4580-9E1B-5190CB28C9D0}">
-      <dgm:prSet phldrT="02"/>
+      <dgm:prSet phldrT="02" phldr="0"/>
       <dgm:spPr/>
       <dgm:t>
         <a:bodyPr/>
@@ -2560,10 +2566,10 @@
         <a:lstStyle/>
         <a:p>
           <a:r>
-            <a:rPr lang="fr-FR"/>
-            <a:t>Les technologies utilisées</a:t>
+            <a:rPr lang="fr-FR" dirty="0"/>
+            <a:t>Ambitions</a:t>
           </a:r>
-          <a:endParaRPr lang="en-US"/>
+          <a:endParaRPr lang="en-US" dirty="0"/>
         </a:p>
       </dgm:t>
     </dgm:pt>
@@ -2579,7 +2585,7 @@
       </dgm:t>
     </dgm:pt>
     <dgm:pt modelId="{9B5FCC2E-4EA7-45B7-A292-A5197B5377FA}" type="sibTrans" cxnId="{AC918617-3D3F-4E31-8780-7D814FDF5858}">
-      <dgm:prSet phldrT="03"/>
+      <dgm:prSet phldrT="03" phldr="0"/>
       <dgm:spPr/>
       <dgm:t>
         <a:bodyPr/>
@@ -2588,6 +2594,46 @@
           <a:r>
             <a:rPr lang="en-US"/>
             <a:t>03</a:t>
+          </a:r>
+        </a:p>
+      </dgm:t>
+    </dgm:pt>
+    <dgm:pt modelId="{B64E5391-2BE1-4304-8551-982B03D9F5E7}">
+      <dgm:prSet/>
+      <dgm:spPr/>
+      <dgm:t>
+        <a:bodyPr/>
+        <a:lstStyle/>
+        <a:p>
+          <a:r>
+            <a:rPr lang="fr-FR" dirty="0"/>
+            <a:t>Les technologies utilisées</a:t>
+          </a:r>
+          <a:endParaRPr lang="en-US" dirty="0"/>
+        </a:p>
+      </dgm:t>
+    </dgm:pt>
+    <dgm:pt modelId="{659C1F4A-F080-423C-85B8-3BC6D4745148}" type="parTrans" cxnId="{C17E1BB1-43E0-4BF7-B184-7798D04896EA}">
+      <dgm:prSet/>
+      <dgm:spPr/>
+      <dgm:t>
+        <a:bodyPr/>
+        <a:lstStyle/>
+        <a:p>
+          <a:endParaRPr lang="en-US"/>
+        </a:p>
+      </dgm:t>
+    </dgm:pt>
+    <dgm:pt modelId="{92A205B9-B310-4E22-924C-5573025D082B}" type="sibTrans" cxnId="{C17E1BB1-43E0-4BF7-B184-7798D04896EA}">
+      <dgm:prSet phldrT="04" phldr="0"/>
+      <dgm:spPr/>
+      <dgm:t>
+        <a:bodyPr/>
+        <a:lstStyle/>
+        <a:p>
+          <a:r>
+            <a:rPr lang="en-US"/>
+            <a:t>04</a:t>
           </a:r>
         </a:p>
       </dgm:t>
@@ -2610,11 +2656,11 @@
       <dgm:spPr/>
     </dgm:pt>
     <dgm:pt modelId="{E53E286A-28F2-4A33-BAAA-223852175E67}" type="pres">
-      <dgm:prSet presAssocID="{A2CF2E8E-779D-46FA-9386-1A51EDE2C26D}" presName="bgRect" presStyleLbl="alignNode1" presStyleIdx="0" presStyleCnt="3"/>
+      <dgm:prSet presAssocID="{A2CF2E8E-779D-46FA-9386-1A51EDE2C26D}" presName="bgRect" presStyleLbl="alignNode1" presStyleIdx="0" presStyleCnt="4"/>
       <dgm:spPr/>
     </dgm:pt>
     <dgm:pt modelId="{3B0FEE3E-099D-4B88-8EE1-FE13D2C9092B}" type="pres">
-      <dgm:prSet presAssocID="{4C34B73E-33C3-4D69-A6FA-52F972EB2C52}" presName="sibTransNodeRect" presStyleLbl="alignNode1" presStyleIdx="0" presStyleCnt="3">
+      <dgm:prSet presAssocID="{4C34B73E-33C3-4D69-A6FA-52F972EB2C52}" presName="sibTransNodeRect" presStyleLbl="alignNode1" presStyleIdx="0" presStyleCnt="4">
         <dgm:presLayoutVars>
           <dgm:chMax val="0"/>
           <dgm:bulletEnabled val="1"/>
@@ -2623,7 +2669,7 @@
       <dgm:spPr/>
     </dgm:pt>
     <dgm:pt modelId="{65F325A8-0813-4676-A15D-C74BFDF22B0D}" type="pres">
-      <dgm:prSet presAssocID="{A2CF2E8E-779D-46FA-9386-1A51EDE2C26D}" presName="nodeRect" presStyleLbl="alignNode1" presStyleIdx="0" presStyleCnt="3">
+      <dgm:prSet presAssocID="{A2CF2E8E-779D-46FA-9386-1A51EDE2C26D}" presName="nodeRect" presStyleLbl="alignNode1" presStyleIdx="0" presStyleCnt="4">
         <dgm:presLayoutVars>
           <dgm:bulletEnabled val="1"/>
         </dgm:presLayoutVars>
@@ -2643,11 +2689,11 @@
       <dgm:spPr/>
     </dgm:pt>
     <dgm:pt modelId="{3E7AC014-DB64-4168-AAC0-AB37F5790A23}" type="pres">
-      <dgm:prSet presAssocID="{062A0D43-5645-404E-BB8C-791C76577F22}" presName="bgRect" presStyleLbl="alignNode1" presStyleIdx="1" presStyleCnt="3"/>
+      <dgm:prSet presAssocID="{062A0D43-5645-404E-BB8C-791C76577F22}" presName="bgRect" presStyleLbl="alignNode1" presStyleIdx="1" presStyleCnt="4"/>
       <dgm:spPr/>
     </dgm:pt>
     <dgm:pt modelId="{203AFCAB-4B8E-45A1-A1D8-926F83AE248F}" type="pres">
-      <dgm:prSet presAssocID="{224BE7DB-F22C-4891-94DE-74F7C2FDAAEA}" presName="sibTransNodeRect" presStyleLbl="alignNode1" presStyleIdx="1" presStyleCnt="3">
+      <dgm:prSet presAssocID="{224BE7DB-F22C-4891-94DE-74F7C2FDAAEA}" presName="sibTransNodeRect" presStyleLbl="alignNode1" presStyleIdx="1" presStyleCnt="4">
         <dgm:presLayoutVars>
           <dgm:chMax val="0"/>
           <dgm:bulletEnabled val="1"/>
@@ -2656,7 +2702,7 @@
       <dgm:spPr/>
     </dgm:pt>
     <dgm:pt modelId="{CF5F0BDE-73D8-442A-AF3B-07C748D8091D}" type="pres">
-      <dgm:prSet presAssocID="{062A0D43-5645-404E-BB8C-791C76577F22}" presName="nodeRect" presStyleLbl="alignNode1" presStyleIdx="1" presStyleCnt="3">
+      <dgm:prSet presAssocID="{062A0D43-5645-404E-BB8C-791C76577F22}" presName="nodeRect" presStyleLbl="alignNode1" presStyleIdx="1" presStyleCnt="4">
         <dgm:presLayoutVars>
           <dgm:bulletEnabled val="1"/>
         </dgm:presLayoutVars>
@@ -2676,11 +2722,11 @@
       <dgm:spPr/>
     </dgm:pt>
     <dgm:pt modelId="{626149EB-77BA-4063-A274-74BD7F34B7A0}" type="pres">
-      <dgm:prSet presAssocID="{D257C16C-8A4E-4BCE-BB66-4C356F27C9D3}" presName="bgRect" presStyleLbl="alignNode1" presStyleIdx="2" presStyleCnt="3"/>
+      <dgm:prSet presAssocID="{D257C16C-8A4E-4BCE-BB66-4C356F27C9D3}" presName="bgRect" presStyleLbl="alignNode1" presStyleIdx="2" presStyleCnt="4"/>
       <dgm:spPr/>
     </dgm:pt>
     <dgm:pt modelId="{57142F99-74A4-4A37-9513-598DA6C5EA84}" type="pres">
-      <dgm:prSet presAssocID="{9B5FCC2E-4EA7-45B7-A292-A5197B5377FA}" presName="sibTransNodeRect" presStyleLbl="alignNode1" presStyleIdx="2" presStyleCnt="3">
+      <dgm:prSet presAssocID="{9B5FCC2E-4EA7-45B7-A292-A5197B5377FA}" presName="sibTransNodeRect" presStyleLbl="alignNode1" presStyleIdx="2" presStyleCnt="4">
         <dgm:presLayoutVars>
           <dgm:chMax val="0"/>
           <dgm:bulletEnabled val="1"/>
@@ -2689,7 +2735,40 @@
       <dgm:spPr/>
     </dgm:pt>
     <dgm:pt modelId="{9CB12BC8-F1C9-4274-A0DD-40B7ED0A9A20}" type="pres">
-      <dgm:prSet presAssocID="{D257C16C-8A4E-4BCE-BB66-4C356F27C9D3}" presName="nodeRect" presStyleLbl="alignNode1" presStyleIdx="2" presStyleCnt="3">
+      <dgm:prSet presAssocID="{D257C16C-8A4E-4BCE-BB66-4C356F27C9D3}" presName="nodeRect" presStyleLbl="alignNode1" presStyleIdx="2" presStyleCnt="4">
+        <dgm:presLayoutVars>
+          <dgm:bulletEnabled val="1"/>
+        </dgm:presLayoutVars>
+      </dgm:prSet>
+      <dgm:spPr/>
+    </dgm:pt>
+    <dgm:pt modelId="{FC30B948-23DE-4D67-ADE9-EB7CCC1BB131}" type="pres">
+      <dgm:prSet presAssocID="{9B5FCC2E-4EA7-45B7-A292-A5197B5377FA}" presName="sibTrans" presStyleCnt="0"/>
+      <dgm:spPr/>
+    </dgm:pt>
+    <dgm:pt modelId="{81AD6A2A-F668-4A58-B2EA-96511F7DFCD0}" type="pres">
+      <dgm:prSet presAssocID="{B64E5391-2BE1-4304-8551-982B03D9F5E7}" presName="compositeNode" presStyleCnt="0">
+        <dgm:presLayoutVars>
+          <dgm:bulletEnabled val="1"/>
+        </dgm:presLayoutVars>
+      </dgm:prSet>
+      <dgm:spPr/>
+    </dgm:pt>
+    <dgm:pt modelId="{9C7609BC-E57D-4D65-858A-E7E930A1AB94}" type="pres">
+      <dgm:prSet presAssocID="{B64E5391-2BE1-4304-8551-982B03D9F5E7}" presName="bgRect" presStyleLbl="alignNode1" presStyleIdx="3" presStyleCnt="4"/>
+      <dgm:spPr/>
+    </dgm:pt>
+    <dgm:pt modelId="{67462B6B-DC1F-40DC-8F64-647B76ED03D4}" type="pres">
+      <dgm:prSet presAssocID="{92A205B9-B310-4E22-924C-5573025D082B}" presName="sibTransNodeRect" presStyleLbl="alignNode1" presStyleIdx="3" presStyleCnt="4">
+        <dgm:presLayoutVars>
+          <dgm:chMax val="0"/>
+          <dgm:bulletEnabled val="1"/>
+        </dgm:presLayoutVars>
+      </dgm:prSet>
+      <dgm:spPr/>
+    </dgm:pt>
+    <dgm:pt modelId="{19C2F03B-1A5F-4D76-93C6-A61214D2999C}" type="pres">
+      <dgm:prSet presAssocID="{B64E5391-2BE1-4304-8551-982B03D9F5E7}" presName="nodeRect" presStyleLbl="alignNode1" presStyleIdx="3" presStyleCnt="4">
         <dgm:presLayoutVars>
           <dgm:bulletEnabled val="1"/>
         </dgm:presLayoutVars>
@@ -2698,13 +2777,17 @@
     </dgm:pt>
   </dgm:ptLst>
   <dgm:cxnLst>
+    <dgm:cxn modelId="{69728912-07CC-4C28-AD08-1D2E6B75026B}" type="presOf" srcId="{B64E5391-2BE1-4304-8551-982B03D9F5E7}" destId="{19C2F03B-1A5F-4D76-93C6-A61214D2999C}" srcOrd="1" destOrd="0" presId="urn:microsoft.com/office/officeart/2016/7/layout/LinearBlockProcessNumbered"/>
     <dgm:cxn modelId="{AC918617-3D3F-4E31-8780-7D814FDF5858}" srcId="{0D58D528-188C-4E8E-B87B-3BB27A7FF838}" destId="{D257C16C-8A4E-4BCE-BB66-4C356F27C9D3}" srcOrd="2" destOrd="0" parTransId="{4C8AEA13-B47F-41E6-AF7B-A9C99D87730B}" sibTransId="{9B5FCC2E-4EA7-45B7-A292-A5197B5377FA}"/>
     <dgm:cxn modelId="{E8DAF529-31C2-4881-A30A-CF64AFC041AB}" type="presOf" srcId="{A2CF2E8E-779D-46FA-9386-1A51EDE2C26D}" destId="{E53E286A-28F2-4A33-BAAA-223852175E67}" srcOrd="0" destOrd="0" presId="urn:microsoft.com/office/officeart/2016/7/layout/LinearBlockProcessNumbered"/>
     <dgm:cxn modelId="{E37D4B30-6781-4580-9E1B-5190CB28C9D0}" srcId="{0D58D528-188C-4E8E-B87B-3BB27A7FF838}" destId="{062A0D43-5645-404E-BB8C-791C76577F22}" srcOrd="1" destOrd="0" parTransId="{10C8F86C-2727-4840-A36A-4917D3172FB6}" sibTransId="{224BE7DB-F22C-4891-94DE-74F7C2FDAAEA}"/>
     <dgm:cxn modelId="{75AE5E3C-1272-4CBB-9FCF-C32ED2A4863C}" type="presOf" srcId="{A2CF2E8E-779D-46FA-9386-1A51EDE2C26D}" destId="{65F325A8-0813-4676-A15D-C74BFDF22B0D}" srcOrd="1" destOrd="0" presId="urn:microsoft.com/office/officeart/2016/7/layout/LinearBlockProcessNumbered"/>
     <dgm:cxn modelId="{99FEE65C-F853-4A19-8AEE-944850615334}" type="presOf" srcId="{0D58D528-188C-4E8E-B87B-3BB27A7FF838}" destId="{592296A0-5C07-4D00-9375-9660B9EB6E7F}" srcOrd="0" destOrd="0" presId="urn:microsoft.com/office/officeart/2016/7/layout/LinearBlockProcessNumbered"/>
+    <dgm:cxn modelId="{DD674270-3A20-4103-8720-AFE5B02A7FB8}" type="presOf" srcId="{92A205B9-B310-4E22-924C-5573025D082B}" destId="{67462B6B-DC1F-40DC-8F64-647B76ED03D4}" srcOrd="0" destOrd="0" presId="urn:microsoft.com/office/officeart/2016/7/layout/LinearBlockProcessNumbered"/>
     <dgm:cxn modelId="{36F36386-CD94-4375-940E-D3CF8C0A831C}" type="presOf" srcId="{9B5FCC2E-4EA7-45B7-A292-A5197B5377FA}" destId="{57142F99-74A4-4A37-9513-598DA6C5EA84}" srcOrd="0" destOrd="0" presId="urn:microsoft.com/office/officeart/2016/7/layout/LinearBlockProcessNumbered"/>
+    <dgm:cxn modelId="{C17E1BB1-43E0-4BF7-B184-7798D04896EA}" srcId="{0D58D528-188C-4E8E-B87B-3BB27A7FF838}" destId="{B64E5391-2BE1-4304-8551-982B03D9F5E7}" srcOrd="3" destOrd="0" parTransId="{659C1F4A-F080-423C-85B8-3BC6D4745148}" sibTransId="{92A205B9-B310-4E22-924C-5573025D082B}"/>
     <dgm:cxn modelId="{7C9294BC-A497-48E2-82E5-719EEBA9F202}" type="presOf" srcId="{224BE7DB-F22C-4891-94DE-74F7C2FDAAEA}" destId="{203AFCAB-4B8E-45A1-A1D8-926F83AE248F}" srcOrd="0" destOrd="0" presId="urn:microsoft.com/office/officeart/2016/7/layout/LinearBlockProcessNumbered"/>
+    <dgm:cxn modelId="{F7AD2BBF-DD08-415E-B004-A134FFA11619}" type="presOf" srcId="{B64E5391-2BE1-4304-8551-982B03D9F5E7}" destId="{9C7609BC-E57D-4D65-858A-E7E930A1AB94}" srcOrd="0" destOrd="0" presId="urn:microsoft.com/office/officeart/2016/7/layout/LinearBlockProcessNumbered"/>
     <dgm:cxn modelId="{3F5CA6CD-2C18-4437-9A64-D9AF5C4DDF61}" type="presOf" srcId="{D257C16C-8A4E-4BCE-BB66-4C356F27C9D3}" destId="{626149EB-77BA-4063-A274-74BD7F34B7A0}" srcOrd="0" destOrd="0" presId="urn:microsoft.com/office/officeart/2016/7/layout/LinearBlockProcessNumbered"/>
     <dgm:cxn modelId="{766ABAD7-9564-43DE-A6B4-C2D143BB56FF}" type="presOf" srcId="{062A0D43-5645-404E-BB8C-791C76577F22}" destId="{3E7AC014-DB64-4168-AAC0-AB37F5790A23}" srcOrd="0" destOrd="0" presId="urn:microsoft.com/office/officeart/2016/7/layout/LinearBlockProcessNumbered"/>
     <dgm:cxn modelId="{1779B2DA-401B-4F6E-97F4-D5091EB14031}" type="presOf" srcId="{D257C16C-8A4E-4BCE-BB66-4C356F27C9D3}" destId="{9CB12BC8-F1C9-4274-A0DD-40B7ED0A9A20}" srcOrd="1" destOrd="0" presId="urn:microsoft.com/office/officeart/2016/7/layout/LinearBlockProcessNumbered"/>
@@ -2725,6 +2808,11 @@
     <dgm:cxn modelId="{4121AC9A-5EDD-4844-B657-217F87924F4C}" type="presParOf" srcId="{03C3C43E-89A1-4C1B-BFDE-8FAE5373428B}" destId="{626149EB-77BA-4063-A274-74BD7F34B7A0}" srcOrd="0" destOrd="0" presId="urn:microsoft.com/office/officeart/2016/7/layout/LinearBlockProcessNumbered"/>
     <dgm:cxn modelId="{1DB4D05B-5A1D-4465-AA4E-6740CB47EC5E}" type="presParOf" srcId="{03C3C43E-89A1-4C1B-BFDE-8FAE5373428B}" destId="{57142F99-74A4-4A37-9513-598DA6C5EA84}" srcOrd="1" destOrd="0" presId="urn:microsoft.com/office/officeart/2016/7/layout/LinearBlockProcessNumbered"/>
     <dgm:cxn modelId="{F3C9F5C1-6C76-4FBB-A1A3-463B9A04D427}" type="presParOf" srcId="{03C3C43E-89A1-4C1B-BFDE-8FAE5373428B}" destId="{9CB12BC8-F1C9-4274-A0DD-40B7ED0A9A20}" srcOrd="2" destOrd="0" presId="urn:microsoft.com/office/officeart/2016/7/layout/LinearBlockProcessNumbered"/>
+    <dgm:cxn modelId="{F5284CB1-B768-4671-8408-9B5C108C2BC0}" type="presParOf" srcId="{592296A0-5C07-4D00-9375-9660B9EB6E7F}" destId="{FC30B948-23DE-4D67-ADE9-EB7CCC1BB131}" srcOrd="5" destOrd="0" presId="urn:microsoft.com/office/officeart/2016/7/layout/LinearBlockProcessNumbered"/>
+    <dgm:cxn modelId="{3D39065D-A50B-4A65-842F-5C7F63D7CBF5}" type="presParOf" srcId="{592296A0-5C07-4D00-9375-9660B9EB6E7F}" destId="{81AD6A2A-F668-4A58-B2EA-96511F7DFCD0}" srcOrd="6" destOrd="0" presId="urn:microsoft.com/office/officeart/2016/7/layout/LinearBlockProcessNumbered"/>
+    <dgm:cxn modelId="{89A00412-C8F8-44FC-A351-8C69A14C4328}" type="presParOf" srcId="{81AD6A2A-F668-4A58-B2EA-96511F7DFCD0}" destId="{9C7609BC-E57D-4D65-858A-E7E930A1AB94}" srcOrd="0" destOrd="0" presId="urn:microsoft.com/office/officeart/2016/7/layout/LinearBlockProcessNumbered"/>
+    <dgm:cxn modelId="{FBE6C6E6-A746-4B36-940A-1BFE331C0503}" type="presParOf" srcId="{81AD6A2A-F668-4A58-B2EA-96511F7DFCD0}" destId="{67462B6B-DC1F-40DC-8F64-647B76ED03D4}" srcOrd="1" destOrd="0" presId="urn:microsoft.com/office/officeart/2016/7/layout/LinearBlockProcessNumbered"/>
+    <dgm:cxn modelId="{3CA0300A-1A0B-4903-B075-63E039FB4F69}" type="presParOf" srcId="{81AD6A2A-F668-4A58-B2EA-96511F7DFCD0}" destId="{19C2F03B-1A5F-4D76-93C6-A61214D2999C}" srcOrd="2" destOrd="0" presId="urn:microsoft.com/office/officeart/2016/7/layout/LinearBlockProcessNumbered"/>
   </dgm:cxnLst>
   <dgm:bg/>
   <dgm:whole/>
@@ -3330,8 +3418,8 @@
       </dsp:nvSpPr>
       <dsp:spPr>
         <a:xfrm>
-          <a:off x="770" y="0"/>
-          <a:ext cx="3122549" cy="3603615"/>
+          <a:off x="192" y="405333"/>
+          <a:ext cx="2327456" cy="2792947"/>
         </a:xfrm>
         <a:prstGeom prst="rect">
           <a:avLst/>
@@ -3372,12 +3460,12 @@
         </a:fontRef>
       </dsp:style>
       <dsp:txBody>
-        <a:bodyPr spcFirstLastPara="0" vert="horz" wrap="square" lIns="308439" tIns="0" rIns="308439" bIns="330200" numCol="1" spcCol="1270" anchor="t" anchorCtr="0">
+        <a:bodyPr spcFirstLastPara="0" vert="horz" wrap="square" lIns="229901" tIns="0" rIns="229901" bIns="330200" numCol="1" spcCol="1270" anchor="t" anchorCtr="0">
           <a:noAutofit/>
         </a:bodyPr>
         <a:lstStyle/>
         <a:p>
-          <a:pPr marL="0" lvl="0" indent="0" algn="l" defTabSz="1155700">
+          <a:pPr marL="0" lvl="0" indent="0" algn="l" defTabSz="977900">
             <a:lnSpc>
               <a:spcPct val="90000"/>
             </a:lnSpc>
@@ -3390,15 +3478,15 @@
             <a:buNone/>
           </a:pPr>
           <a:r>
-            <a:rPr lang="fr-FR" sz="2600" kern="1200"/>
-            <a:t>Le but du projet</a:t>
+            <a:rPr lang="fr-FR" sz="2200" kern="1200" dirty="0"/>
+            <a:t>Problématique</a:t>
           </a:r>
-          <a:endParaRPr lang="en-US" sz="2600" kern="1200"/>
+          <a:endParaRPr lang="en-US" sz="2200" kern="1200" dirty="0"/>
         </a:p>
       </dsp:txBody>
       <dsp:txXfrm>
-        <a:off x="770" y="1441446"/>
-        <a:ext cx="3122549" cy="2162169"/>
+        <a:off x="192" y="1522512"/>
+        <a:ext cx="2327456" cy="1675768"/>
       </dsp:txXfrm>
     </dsp:sp>
     <dsp:sp modelId="{3B0FEE3E-099D-4B88-8EE1-FE13D2C9092B}">
@@ -3408,8 +3496,8 @@
       </dsp:nvSpPr>
       <dsp:spPr>
         <a:xfrm>
-          <a:off x="770" y="0"/>
-          <a:ext cx="3122549" cy="1441446"/>
+          <a:off x="192" y="405333"/>
+          <a:ext cx="2327456" cy="1117178"/>
         </a:xfrm>
         <a:prstGeom prst="rect">
           <a:avLst/>
@@ -3437,12 +3525,12 @@
         </a:fontRef>
       </dsp:style>
       <dsp:txBody>
-        <a:bodyPr spcFirstLastPara="0" vert="horz" wrap="square" lIns="308439" tIns="165100" rIns="308439" bIns="165100" numCol="1" spcCol="1270" anchor="ctr" anchorCtr="0">
+        <a:bodyPr spcFirstLastPara="0" vert="horz" wrap="square" lIns="229901" tIns="165100" rIns="229901" bIns="165100" numCol="1" spcCol="1270" anchor="ctr" anchorCtr="0">
           <a:noAutofit/>
         </a:bodyPr>
         <a:lstStyle/>
         <a:p>
-          <a:pPr marL="0" lvl="0" indent="0" algn="l" defTabSz="2933700">
+          <a:pPr marL="0" lvl="0" indent="0" algn="l" defTabSz="2622550">
             <a:lnSpc>
               <a:spcPct val="90000"/>
             </a:lnSpc>
@@ -3455,14 +3543,14 @@
             <a:buNone/>
           </a:pPr>
           <a:r>
-            <a:rPr lang="en-US" sz="6600" kern="1200"/>
+            <a:rPr lang="en-US" sz="5900" kern="1200"/>
             <a:t>01</a:t>
           </a:r>
         </a:p>
       </dsp:txBody>
       <dsp:txXfrm>
-        <a:off x="770" y="0"/>
-        <a:ext cx="3122549" cy="1441446"/>
+        <a:off x="192" y="405333"/>
+        <a:ext cx="2327456" cy="1117178"/>
       </dsp:txXfrm>
     </dsp:sp>
     <dsp:sp modelId="{3E7AC014-DB64-4168-AAC0-AB37F5790A23}">
@@ -3472,26 +3560,26 @@
       </dsp:nvSpPr>
       <dsp:spPr>
         <a:xfrm>
-          <a:off x="3373124" y="0"/>
-          <a:ext cx="3122549" cy="3603615"/>
+          <a:off x="2513845" y="405333"/>
+          <a:ext cx="2327456" cy="2792947"/>
         </a:xfrm>
         <a:prstGeom prst="rect">
           <a:avLst/>
         </a:prstGeom>
         <a:solidFill>
           <a:schemeClr val="accent2">
-            <a:hueOff val="-6335275"/>
-            <a:satOff val="-15101"/>
-            <a:lumOff val="-6961"/>
+            <a:hueOff val="-4223517"/>
+            <a:satOff val="-10068"/>
+            <a:lumOff val="-4641"/>
             <a:alphaOff val="0"/>
           </a:schemeClr>
         </a:solidFill>
         <a:ln w="15875" cap="flat" cmpd="sng" algn="ctr">
           <a:solidFill>
             <a:schemeClr val="accent2">
-              <a:hueOff val="-6335275"/>
-              <a:satOff val="-15101"/>
-              <a:lumOff val="-6961"/>
+              <a:hueOff val="-4223517"/>
+              <a:satOff val="-10068"/>
+              <a:lumOff val="-4641"/>
               <a:alphaOff val="0"/>
             </a:schemeClr>
           </a:solidFill>
@@ -3514,12 +3602,12 @@
         </a:fontRef>
       </dsp:style>
       <dsp:txBody>
-        <a:bodyPr spcFirstLastPara="0" vert="horz" wrap="square" lIns="308439" tIns="0" rIns="308439" bIns="330200" numCol="1" spcCol="1270" anchor="t" anchorCtr="0">
+        <a:bodyPr spcFirstLastPara="0" vert="horz" wrap="square" lIns="229901" tIns="0" rIns="229901" bIns="330200" numCol="1" spcCol="1270" anchor="t" anchorCtr="0">
           <a:noAutofit/>
         </a:bodyPr>
         <a:lstStyle/>
         <a:p>
-          <a:pPr marL="0" lvl="0" indent="0" algn="l" defTabSz="1155700">
+          <a:pPr marL="0" lvl="0" indent="0" algn="l" defTabSz="977900">
             <a:lnSpc>
               <a:spcPct val="90000"/>
             </a:lnSpc>
@@ -3532,15 +3620,15 @@
             <a:buNone/>
           </a:pPr>
           <a:r>
-            <a:rPr lang="fr-FR" sz="2600" kern="1200" dirty="0"/>
-            <a:t>Ambitions</a:t>
+            <a:rPr lang="fr-FR" sz="2200" kern="1200" dirty="0"/>
+            <a:t>Le but du projet</a:t>
           </a:r>
-          <a:endParaRPr lang="en-US" sz="2600" kern="1200" dirty="0"/>
+          <a:endParaRPr lang="en-US" sz="2200" kern="1200" dirty="0"/>
         </a:p>
       </dsp:txBody>
       <dsp:txXfrm>
-        <a:off x="3373124" y="1441446"/>
-        <a:ext cx="3122549" cy="2162169"/>
+        <a:off x="2513845" y="1522512"/>
+        <a:ext cx="2327456" cy="1675768"/>
       </dsp:txXfrm>
     </dsp:sp>
     <dsp:sp modelId="{203AFCAB-4B8E-45A1-A1D8-926F83AE248F}">
@@ -3550,8 +3638,8 @@
       </dsp:nvSpPr>
       <dsp:spPr>
         <a:xfrm>
-          <a:off x="3373124" y="0"/>
-          <a:ext cx="3122549" cy="1441446"/>
+          <a:off x="2513845" y="405333"/>
+          <a:ext cx="2327456" cy="1117178"/>
         </a:xfrm>
         <a:prstGeom prst="rect">
           <a:avLst/>
@@ -3579,12 +3667,12 @@
         </a:fontRef>
       </dsp:style>
       <dsp:txBody>
-        <a:bodyPr spcFirstLastPara="0" vert="horz" wrap="square" lIns="308439" tIns="165100" rIns="308439" bIns="165100" numCol="1" spcCol="1270" anchor="ctr" anchorCtr="0">
+        <a:bodyPr spcFirstLastPara="0" vert="horz" wrap="square" lIns="229901" tIns="165100" rIns="229901" bIns="165100" numCol="1" spcCol="1270" anchor="ctr" anchorCtr="0">
           <a:noAutofit/>
         </a:bodyPr>
         <a:lstStyle/>
         <a:p>
-          <a:pPr marL="0" lvl="0" indent="0" algn="l" defTabSz="2933700">
+          <a:pPr marL="0" lvl="0" indent="0" algn="l" defTabSz="2622550">
             <a:lnSpc>
               <a:spcPct val="90000"/>
             </a:lnSpc>
@@ -3597,14 +3685,14 @@
             <a:buNone/>
           </a:pPr>
           <a:r>
-            <a:rPr lang="en-US" sz="6600" kern="1200"/>
+            <a:rPr lang="en-US" sz="5900" kern="1200"/>
             <a:t>02</a:t>
           </a:r>
         </a:p>
       </dsp:txBody>
       <dsp:txXfrm>
-        <a:off x="3373124" y="0"/>
-        <a:ext cx="3122549" cy="1441446"/>
+        <a:off x="2513845" y="405333"/>
+        <a:ext cx="2327456" cy="1117178"/>
       </dsp:txXfrm>
     </dsp:sp>
     <dsp:sp modelId="{626149EB-77BA-4063-A274-74BD7F34B7A0}">
@@ -3614,8 +3702,150 @@
       </dsp:nvSpPr>
       <dsp:spPr>
         <a:xfrm>
-          <a:off x="6745478" y="0"/>
-          <a:ext cx="3122549" cy="3603615"/>
+          <a:off x="5027497" y="405333"/>
+          <a:ext cx="2327456" cy="2792947"/>
+        </a:xfrm>
+        <a:prstGeom prst="rect">
+          <a:avLst/>
+        </a:prstGeom>
+        <a:solidFill>
+          <a:schemeClr val="accent2">
+            <a:hueOff val="-8447033"/>
+            <a:satOff val="-20135"/>
+            <a:lumOff val="-9281"/>
+            <a:alphaOff val="0"/>
+          </a:schemeClr>
+        </a:solidFill>
+        <a:ln w="15875" cap="flat" cmpd="sng" algn="ctr">
+          <a:solidFill>
+            <a:schemeClr val="accent2">
+              <a:hueOff val="-8447033"/>
+              <a:satOff val="-20135"/>
+              <a:lumOff val="-9281"/>
+              <a:alphaOff val="0"/>
+            </a:schemeClr>
+          </a:solidFill>
+          <a:prstDash val="solid"/>
+        </a:ln>
+        <a:effectLst/>
+      </dsp:spPr>
+      <dsp:style>
+        <a:lnRef idx="2">
+          <a:scrgbClr r="0" g="0" b="0"/>
+        </a:lnRef>
+        <a:fillRef idx="1">
+          <a:scrgbClr r="0" g="0" b="0"/>
+        </a:fillRef>
+        <a:effectRef idx="0">
+          <a:scrgbClr r="0" g="0" b="0"/>
+        </a:effectRef>
+        <a:fontRef idx="minor">
+          <a:schemeClr val="lt1"/>
+        </a:fontRef>
+      </dsp:style>
+      <dsp:txBody>
+        <a:bodyPr spcFirstLastPara="0" vert="horz" wrap="square" lIns="229901" tIns="0" rIns="229901" bIns="330200" numCol="1" spcCol="1270" anchor="t" anchorCtr="0">
+          <a:noAutofit/>
+        </a:bodyPr>
+        <a:lstStyle/>
+        <a:p>
+          <a:pPr marL="0" lvl="0" indent="0" algn="l" defTabSz="977900">
+            <a:lnSpc>
+              <a:spcPct val="90000"/>
+            </a:lnSpc>
+            <a:spcBef>
+              <a:spcPct val="0"/>
+            </a:spcBef>
+            <a:spcAft>
+              <a:spcPct val="35000"/>
+            </a:spcAft>
+            <a:buNone/>
+          </a:pPr>
+          <a:r>
+            <a:rPr lang="fr-FR" sz="2200" kern="1200" dirty="0"/>
+            <a:t>Ambitions</a:t>
+          </a:r>
+          <a:endParaRPr lang="en-US" sz="2200" kern="1200" dirty="0"/>
+        </a:p>
+      </dsp:txBody>
+      <dsp:txXfrm>
+        <a:off x="5027497" y="1522512"/>
+        <a:ext cx="2327456" cy="1675768"/>
+      </dsp:txXfrm>
+    </dsp:sp>
+    <dsp:sp modelId="{57142F99-74A4-4A37-9513-598DA6C5EA84}">
+      <dsp:nvSpPr>
+        <dsp:cNvPr id="0" name=""/>
+        <dsp:cNvSpPr/>
+      </dsp:nvSpPr>
+      <dsp:spPr>
+        <a:xfrm>
+          <a:off x="5027497" y="405333"/>
+          <a:ext cx="2327456" cy="1117178"/>
+        </a:xfrm>
+        <a:prstGeom prst="rect">
+          <a:avLst/>
+        </a:prstGeom>
+        <a:noFill/>
+        <a:ln w="15875" cap="flat" cmpd="sng" algn="ctr">
+          <a:noFill/>
+          <a:prstDash val="solid"/>
+        </a:ln>
+        <a:effectLst/>
+        <a:sp3d/>
+      </dsp:spPr>
+      <dsp:style>
+        <a:lnRef idx="2">
+          <a:scrgbClr r="0" g="0" b="0"/>
+        </a:lnRef>
+        <a:fillRef idx="1">
+          <a:scrgbClr r="0" g="0" b="0"/>
+        </a:fillRef>
+        <a:effectRef idx="0">
+          <a:scrgbClr r="0" g="0" b="0"/>
+        </a:effectRef>
+        <a:fontRef idx="minor">
+          <a:schemeClr val="lt1"/>
+        </a:fontRef>
+      </dsp:style>
+      <dsp:txBody>
+        <a:bodyPr spcFirstLastPara="0" vert="horz" wrap="square" lIns="229901" tIns="165100" rIns="229901" bIns="165100" numCol="1" spcCol="1270" anchor="ctr" anchorCtr="0">
+          <a:noAutofit/>
+        </a:bodyPr>
+        <a:lstStyle/>
+        <a:p>
+          <a:pPr marL="0" lvl="0" indent="0" algn="l" defTabSz="2622550">
+            <a:lnSpc>
+              <a:spcPct val="90000"/>
+            </a:lnSpc>
+            <a:spcBef>
+              <a:spcPct val="0"/>
+            </a:spcBef>
+            <a:spcAft>
+              <a:spcPct val="35000"/>
+            </a:spcAft>
+            <a:buNone/>
+          </a:pPr>
+          <a:r>
+            <a:rPr lang="en-US" sz="5900" kern="1200"/>
+            <a:t>03</a:t>
+          </a:r>
+        </a:p>
+      </dsp:txBody>
+      <dsp:txXfrm>
+        <a:off x="5027497" y="405333"/>
+        <a:ext cx="2327456" cy="1117178"/>
+      </dsp:txXfrm>
+    </dsp:sp>
+    <dsp:sp modelId="{9C7609BC-E57D-4D65-858A-E7E930A1AB94}">
+      <dsp:nvSpPr>
+        <dsp:cNvPr id="0" name=""/>
+        <dsp:cNvSpPr/>
+      </dsp:nvSpPr>
+      <dsp:spPr>
+        <a:xfrm>
+          <a:off x="7541150" y="405333"/>
+          <a:ext cx="2327456" cy="2792947"/>
         </a:xfrm>
         <a:prstGeom prst="rect">
           <a:avLst/>
@@ -3656,12 +3886,12 @@
         </a:fontRef>
       </dsp:style>
       <dsp:txBody>
-        <a:bodyPr spcFirstLastPara="0" vert="horz" wrap="square" lIns="308439" tIns="0" rIns="308439" bIns="330200" numCol="1" spcCol="1270" anchor="t" anchorCtr="0">
+        <a:bodyPr spcFirstLastPara="0" vert="horz" wrap="square" lIns="229901" tIns="0" rIns="229901" bIns="330200" numCol="1" spcCol="1270" anchor="t" anchorCtr="0">
           <a:noAutofit/>
         </a:bodyPr>
         <a:lstStyle/>
         <a:p>
-          <a:pPr marL="0" lvl="0" indent="0" algn="l" defTabSz="1155700">
+          <a:pPr marL="0" lvl="0" indent="0" algn="l" defTabSz="977900">
             <a:lnSpc>
               <a:spcPct val="90000"/>
             </a:lnSpc>
@@ -3674,26 +3904,26 @@
             <a:buNone/>
           </a:pPr>
           <a:r>
-            <a:rPr lang="fr-FR" sz="2600" kern="1200"/>
+            <a:rPr lang="fr-FR" sz="2200" kern="1200" dirty="0"/>
             <a:t>Les technologies utilisées</a:t>
           </a:r>
-          <a:endParaRPr lang="en-US" sz="2600" kern="1200"/>
+          <a:endParaRPr lang="en-US" sz="2200" kern="1200" dirty="0"/>
         </a:p>
       </dsp:txBody>
       <dsp:txXfrm>
-        <a:off x="6745478" y="1441446"/>
-        <a:ext cx="3122549" cy="2162169"/>
+        <a:off x="7541150" y="1522512"/>
+        <a:ext cx="2327456" cy="1675768"/>
       </dsp:txXfrm>
     </dsp:sp>
-    <dsp:sp modelId="{57142F99-74A4-4A37-9513-598DA6C5EA84}">
+    <dsp:sp modelId="{67462B6B-DC1F-40DC-8F64-647B76ED03D4}">
       <dsp:nvSpPr>
         <dsp:cNvPr id="0" name=""/>
         <dsp:cNvSpPr/>
       </dsp:nvSpPr>
       <dsp:spPr>
         <a:xfrm>
-          <a:off x="6745478" y="0"/>
-          <a:ext cx="3122549" cy="1441446"/>
+          <a:off x="7541150" y="405333"/>
+          <a:ext cx="2327456" cy="1117178"/>
         </a:xfrm>
         <a:prstGeom prst="rect">
           <a:avLst/>
@@ -3721,12 +3951,12 @@
         </a:fontRef>
       </dsp:style>
       <dsp:txBody>
-        <a:bodyPr spcFirstLastPara="0" vert="horz" wrap="square" lIns="308439" tIns="165100" rIns="308439" bIns="165100" numCol="1" spcCol="1270" anchor="ctr" anchorCtr="0">
+        <a:bodyPr spcFirstLastPara="0" vert="horz" wrap="square" lIns="229901" tIns="165100" rIns="229901" bIns="165100" numCol="1" spcCol="1270" anchor="ctr" anchorCtr="0">
           <a:noAutofit/>
         </a:bodyPr>
         <a:lstStyle/>
         <a:p>
-          <a:pPr marL="0" lvl="0" indent="0" algn="l" defTabSz="2933700">
+          <a:pPr marL="0" lvl="0" indent="0" algn="l" defTabSz="2622550">
             <a:lnSpc>
               <a:spcPct val="90000"/>
             </a:lnSpc>
@@ -3739,14 +3969,14 @@
             <a:buNone/>
           </a:pPr>
           <a:r>
-            <a:rPr lang="en-US" sz="6600" kern="1200"/>
-            <a:t>03</a:t>
+            <a:rPr lang="en-US" sz="5900" kern="1200"/>
+            <a:t>04</a:t>
           </a:r>
         </a:p>
       </dsp:txBody>
       <dsp:txXfrm>
-        <a:off x="6745478" y="0"/>
-        <a:ext cx="3122549" cy="1441446"/>
+        <a:off x="7541150" y="405333"/>
+        <a:ext cx="2327456" cy="1117178"/>
       </dsp:txXfrm>
     </dsp:sp>
   </dsp:spTree>
@@ -13597,7 +13827,7 @@
             <p:ph idx="1"/>
             <p:extLst>
               <p:ext uri="{D42A27DB-BD31-4B8C-83A1-F6EECF244321}">
-                <p14:modId xmlns:p14="http://schemas.microsoft.com/office/powerpoint/2010/main" val="1783565418"/>
+                <p14:modId xmlns:p14="http://schemas.microsoft.com/office/powerpoint/2010/main" val="693714076"/>
               </p:ext>
             </p:extLst>
           </p:nvPr>
@@ -13626,6 +13856,110 @@
 </file>
 
 <file path=ppt/slides/slide3.xml><?xml version="1.0" encoding="utf-8"?>
+<p:sld xmlns:a="http://schemas.openxmlformats.org/drawingml/2006/main" xmlns:r="http://schemas.openxmlformats.org/officeDocument/2006/relationships" xmlns:p="http://schemas.openxmlformats.org/presentationml/2006/main">
+  <p:cSld>
+    <p:spTree>
+      <p:nvGrpSpPr>
+        <p:cNvPr id="1" name=""/>
+        <p:cNvGrpSpPr/>
+        <p:nvPr/>
+      </p:nvGrpSpPr>
+      <p:grpSpPr>
+        <a:xfrm>
+          <a:off x="0" y="0"/>
+          <a:ext cx="0" cy="0"/>
+          <a:chOff x="0" y="0"/>
+          <a:chExt cx="0" cy="0"/>
+        </a:xfrm>
+      </p:grpSpPr>
+      <p:sp>
+        <p:nvSpPr>
+          <p:cNvPr id="2" name="Titre 1">
+            <a:extLst>
+              <a:ext uri="{FF2B5EF4-FFF2-40B4-BE49-F238E27FC236}">
+                <a16:creationId xmlns:a16="http://schemas.microsoft.com/office/drawing/2014/main" id="{127F70BC-8B5D-44D0-AEB6-65B55B04B5A4}"/>
+              </a:ext>
+            </a:extLst>
+          </p:cNvPr>
+          <p:cNvSpPr>
+            <a:spLocks noGrp="1"/>
+          </p:cNvSpPr>
+          <p:nvPr>
+            <p:ph type="title"/>
+          </p:nvPr>
+        </p:nvSpPr>
+        <p:spPr/>
+        <p:txBody>
+          <a:bodyPr/>
+          <a:lstStyle/>
+          <a:p>
+            <a:r>
+              <a:rPr lang="fr-FR" dirty="0"/>
+              <a:t>Problématique</a:t>
+            </a:r>
+            <a:endParaRPr lang="en-US" dirty="0"/>
+          </a:p>
+        </p:txBody>
+      </p:sp>
+      <p:sp>
+        <p:nvSpPr>
+          <p:cNvPr id="3" name="Espace réservé du contenu 2">
+            <a:extLst>
+              <a:ext uri="{FF2B5EF4-FFF2-40B4-BE49-F238E27FC236}">
+                <a16:creationId xmlns:a16="http://schemas.microsoft.com/office/drawing/2014/main" id="{319F8CD1-E303-4B78-A262-5101798FBF45}"/>
+              </a:ext>
+            </a:extLst>
+          </p:cNvPr>
+          <p:cNvSpPr>
+            <a:spLocks noGrp="1"/>
+          </p:cNvSpPr>
+          <p:nvPr>
+            <p:ph idx="1"/>
+          </p:nvPr>
+        </p:nvSpPr>
+        <p:spPr/>
+        <p:txBody>
+          <a:bodyPr/>
+          <a:lstStyle/>
+          <a:p>
+            <a:r>
+              <a:rPr lang="fr-FR" dirty="0"/>
+              <a:t>Difficulté a gérer les réclamations</a:t>
+            </a:r>
+          </a:p>
+          <a:p>
+            <a:r>
+              <a:rPr lang="fr-FR" dirty="0"/>
+              <a:t>Pas d’endroit concret ou les visualiser facilement</a:t>
+            </a:r>
+          </a:p>
+          <a:p>
+            <a:r>
+              <a:rPr lang="fr-FR" dirty="0"/>
+              <a:t>Centraliser commentaires et </a:t>
+            </a:r>
+            <a:r>
+              <a:rPr lang="fr-FR" dirty="0" err="1"/>
+              <a:t>reclamations</a:t>
+            </a:r>
+            <a:endParaRPr lang="en-US" dirty="0"/>
+          </a:p>
+        </p:txBody>
+      </p:sp>
+    </p:spTree>
+    <p:extLst>
+      <p:ext uri="{BB962C8B-B14F-4D97-AF65-F5344CB8AC3E}">
+        <p14:creationId xmlns:p14="http://schemas.microsoft.com/office/powerpoint/2010/main" val="395309210"/>
+      </p:ext>
+    </p:extLst>
+  </p:cSld>
+  <p:clrMapOvr>
+    <a:masterClrMapping/>
+  </p:clrMapOvr>
+</p:sld>
+</file>
+
+<file path=ppt/slides/slide4.xml><?xml version="1.0" encoding="utf-8"?>
 <p:sld xmlns:a="http://schemas.openxmlformats.org/drawingml/2006/main" xmlns:r="http://schemas.openxmlformats.org/officeDocument/2006/relationships" xmlns:p="http://schemas.openxmlformats.org/presentationml/2006/main">
   <p:cSld>
     <p:bg>
@@ -13734,7 +14068,7 @@
 </p:sld>
 </file>
 
-<file path=ppt/slides/slide4.xml><?xml version="1.0" encoding="utf-8"?>
+<file path=ppt/slides/slide5.xml><?xml version="1.0" encoding="utf-8"?>
 <p:sld xmlns:a="http://schemas.openxmlformats.org/drawingml/2006/main" xmlns:r="http://schemas.openxmlformats.org/officeDocument/2006/relationships" xmlns:p="http://schemas.openxmlformats.org/presentationml/2006/main">
   <p:cSld>
     <p:bg>
@@ -14080,7 +14414,7 @@
 </p:sld>
 </file>
 
-<file path=ppt/slides/slide5.xml><?xml version="1.0" encoding="utf-8"?>
+<file path=ppt/slides/slide6.xml><?xml version="1.0" encoding="utf-8"?>
 <p:sld xmlns:a="http://schemas.openxmlformats.org/drawingml/2006/main" xmlns:r="http://schemas.openxmlformats.org/officeDocument/2006/relationships" xmlns:p="http://schemas.openxmlformats.org/presentationml/2006/main">
   <p:cSld>
     <p:bg>
@@ -15416,7 +15750,7 @@
 </p:sld>
 </file>
 
-<file path=ppt/slides/slide6.xml><?xml version="1.0" encoding="utf-8"?>
+<file path=ppt/slides/slide7.xml><?xml version="1.0" encoding="utf-8"?>
 <p:sld xmlns:a="http://schemas.openxmlformats.org/drawingml/2006/main" xmlns:r="http://schemas.openxmlformats.org/officeDocument/2006/relationships" xmlns:p="http://schemas.openxmlformats.org/presentationml/2006/main">
   <p:cSld>
     <p:bg>

--- a/Projet libre Presentation.pptx
+++ b/Projet libre Presentation.pptx
@@ -901,6 +901,753 @@
 </file>
 
 <file path=ppt/diagrams/colors2.xml><?xml version="1.0" encoding="utf-8"?>
+<dgm:colorsDef xmlns:dgm="http://schemas.openxmlformats.org/drawingml/2006/diagram" xmlns:a="http://schemas.openxmlformats.org/drawingml/2006/main" uniqueId="urn:microsoft.com/office/officeart/2005/8/colors/accent1_2">
+  <dgm:title val=""/>
+  <dgm:desc val=""/>
+  <dgm:catLst>
+    <dgm:cat type="accent1" pri="11200"/>
+  </dgm:catLst>
+  <dgm:styleLbl name="node0">
+    <dgm:fillClrLst meth="repeat">
+      <a:schemeClr val="accent1"/>
+    </dgm:fillClrLst>
+    <dgm:linClrLst meth="repeat">
+      <a:schemeClr val="lt1"/>
+    </dgm:linClrLst>
+    <dgm:effectClrLst/>
+    <dgm:txLinClrLst/>
+    <dgm:txFillClrLst/>
+    <dgm:txEffectClrLst/>
+  </dgm:styleLbl>
+  <dgm:styleLbl name="alignNode1">
+    <dgm:fillClrLst meth="repeat">
+      <a:schemeClr val="accent1"/>
+    </dgm:fillClrLst>
+    <dgm:linClrLst meth="repeat">
+      <a:schemeClr val="accent1"/>
+    </dgm:linClrLst>
+    <dgm:effectClrLst/>
+    <dgm:txLinClrLst/>
+    <dgm:txFillClrLst/>
+    <dgm:txEffectClrLst/>
+  </dgm:styleLbl>
+  <dgm:styleLbl name="node1">
+    <dgm:fillClrLst meth="repeat">
+      <a:schemeClr val="accent1"/>
+    </dgm:fillClrLst>
+    <dgm:linClrLst meth="repeat">
+      <a:schemeClr val="lt1"/>
+    </dgm:linClrLst>
+    <dgm:effectClrLst/>
+    <dgm:txLinClrLst/>
+    <dgm:txFillClrLst/>
+    <dgm:txEffectClrLst/>
+  </dgm:styleLbl>
+  <dgm:styleLbl name="lnNode1">
+    <dgm:fillClrLst meth="repeat">
+      <a:schemeClr val="accent1"/>
+    </dgm:fillClrLst>
+    <dgm:linClrLst meth="repeat">
+      <a:schemeClr val="lt1"/>
+    </dgm:linClrLst>
+    <dgm:effectClrLst/>
+    <dgm:txLinClrLst/>
+    <dgm:txFillClrLst/>
+    <dgm:txEffectClrLst/>
+  </dgm:styleLbl>
+  <dgm:styleLbl name="vennNode1">
+    <dgm:fillClrLst meth="repeat">
+      <a:schemeClr val="accent1">
+        <a:alpha val="50000"/>
+      </a:schemeClr>
+    </dgm:fillClrLst>
+    <dgm:linClrLst meth="repeat">
+      <a:schemeClr val="lt1"/>
+    </dgm:linClrLst>
+    <dgm:effectClrLst/>
+    <dgm:txLinClrLst/>
+    <dgm:txFillClrLst/>
+    <dgm:txEffectClrLst/>
+  </dgm:styleLbl>
+  <dgm:styleLbl name="node2">
+    <dgm:fillClrLst meth="repeat">
+      <a:schemeClr val="accent1"/>
+    </dgm:fillClrLst>
+    <dgm:linClrLst meth="repeat">
+      <a:schemeClr val="lt1"/>
+    </dgm:linClrLst>
+    <dgm:effectClrLst/>
+    <dgm:txLinClrLst/>
+    <dgm:txFillClrLst/>
+    <dgm:txEffectClrLst/>
+  </dgm:styleLbl>
+  <dgm:styleLbl name="node3">
+    <dgm:fillClrLst meth="repeat">
+      <a:schemeClr val="accent1"/>
+    </dgm:fillClrLst>
+    <dgm:linClrLst meth="repeat">
+      <a:schemeClr val="lt1"/>
+    </dgm:linClrLst>
+    <dgm:effectClrLst/>
+    <dgm:txLinClrLst/>
+    <dgm:txFillClrLst/>
+    <dgm:txEffectClrLst/>
+  </dgm:styleLbl>
+  <dgm:styleLbl name="node4">
+    <dgm:fillClrLst meth="repeat">
+      <a:schemeClr val="accent1"/>
+    </dgm:fillClrLst>
+    <dgm:linClrLst meth="repeat">
+      <a:schemeClr val="lt1"/>
+    </dgm:linClrLst>
+    <dgm:effectClrLst/>
+    <dgm:txLinClrLst/>
+    <dgm:txFillClrLst/>
+    <dgm:txEffectClrLst/>
+  </dgm:styleLbl>
+  <dgm:styleLbl name="fgImgPlace1">
+    <dgm:fillClrLst meth="repeat">
+      <a:schemeClr val="accent1">
+        <a:tint val="50000"/>
+      </a:schemeClr>
+    </dgm:fillClrLst>
+    <dgm:linClrLst meth="repeat">
+      <a:schemeClr val="lt1"/>
+    </dgm:linClrLst>
+    <dgm:effectClrLst/>
+    <dgm:txLinClrLst/>
+    <dgm:txFillClrLst meth="repeat">
+      <a:schemeClr val="lt1"/>
+    </dgm:txFillClrLst>
+    <dgm:txEffectClrLst/>
+  </dgm:styleLbl>
+  <dgm:styleLbl name="alignImgPlace1">
+    <dgm:fillClrLst meth="repeat">
+      <a:schemeClr val="accent1">
+        <a:tint val="50000"/>
+      </a:schemeClr>
+    </dgm:fillClrLst>
+    <dgm:linClrLst meth="repeat">
+      <a:schemeClr val="lt1"/>
+    </dgm:linClrLst>
+    <dgm:effectClrLst/>
+    <dgm:txLinClrLst/>
+    <dgm:txFillClrLst meth="repeat">
+      <a:schemeClr val="lt1"/>
+    </dgm:txFillClrLst>
+    <dgm:txEffectClrLst/>
+  </dgm:styleLbl>
+  <dgm:styleLbl name="bgImgPlace1">
+    <dgm:fillClrLst meth="repeat">
+      <a:schemeClr val="accent1">
+        <a:tint val="50000"/>
+      </a:schemeClr>
+    </dgm:fillClrLst>
+    <dgm:linClrLst meth="repeat">
+      <a:schemeClr val="lt1"/>
+    </dgm:linClrLst>
+    <dgm:effectClrLst/>
+    <dgm:txLinClrLst/>
+    <dgm:txFillClrLst meth="repeat">
+      <a:schemeClr val="lt1"/>
+    </dgm:txFillClrLst>
+    <dgm:txEffectClrLst/>
+  </dgm:styleLbl>
+  <dgm:styleLbl name="sibTrans2D1">
+    <dgm:fillClrLst meth="repeat">
+      <a:schemeClr val="accent1">
+        <a:tint val="60000"/>
+      </a:schemeClr>
+    </dgm:fillClrLst>
+    <dgm:linClrLst meth="repeat">
+      <a:schemeClr val="accent1">
+        <a:tint val="60000"/>
+      </a:schemeClr>
+    </dgm:linClrLst>
+    <dgm:effectClrLst/>
+    <dgm:txLinClrLst/>
+    <dgm:txFillClrLst/>
+    <dgm:txEffectClrLst/>
+  </dgm:styleLbl>
+  <dgm:styleLbl name="fgSibTrans2D1">
+    <dgm:fillClrLst meth="repeat">
+      <a:schemeClr val="accent1">
+        <a:tint val="60000"/>
+      </a:schemeClr>
+    </dgm:fillClrLst>
+    <dgm:linClrLst meth="repeat">
+      <a:schemeClr val="accent1">
+        <a:tint val="60000"/>
+      </a:schemeClr>
+    </dgm:linClrLst>
+    <dgm:effectClrLst/>
+    <dgm:txLinClrLst/>
+    <dgm:txFillClrLst/>
+    <dgm:txEffectClrLst/>
+  </dgm:styleLbl>
+  <dgm:styleLbl name="bgSibTrans2D1">
+    <dgm:fillClrLst meth="repeat">
+      <a:schemeClr val="accent1">
+        <a:tint val="60000"/>
+      </a:schemeClr>
+    </dgm:fillClrLst>
+    <dgm:linClrLst meth="repeat">
+      <a:schemeClr val="accent1">
+        <a:tint val="60000"/>
+      </a:schemeClr>
+    </dgm:linClrLst>
+    <dgm:effectClrLst/>
+    <dgm:txLinClrLst/>
+    <dgm:txFillClrLst/>
+    <dgm:txEffectClrLst/>
+  </dgm:styleLbl>
+  <dgm:styleLbl name="sibTrans1D1">
+    <dgm:fillClrLst meth="repeat">
+      <a:schemeClr val="accent1"/>
+    </dgm:fillClrLst>
+    <dgm:linClrLst meth="repeat">
+      <a:schemeClr val="accent1"/>
+    </dgm:linClrLst>
+    <dgm:effectClrLst/>
+    <dgm:txLinClrLst/>
+    <dgm:txFillClrLst meth="repeat">
+      <a:schemeClr val="tx1"/>
+    </dgm:txFillClrLst>
+    <dgm:txEffectClrLst/>
+  </dgm:styleLbl>
+  <dgm:styleLbl name="callout">
+    <dgm:fillClrLst meth="repeat">
+      <a:schemeClr val="accent1"/>
+    </dgm:fillClrLst>
+    <dgm:linClrLst meth="repeat">
+      <a:schemeClr val="accent1">
+        <a:tint val="50000"/>
+      </a:schemeClr>
+    </dgm:linClrLst>
+    <dgm:effectClrLst/>
+    <dgm:txLinClrLst/>
+    <dgm:txFillClrLst meth="repeat">
+      <a:schemeClr val="tx1"/>
+    </dgm:txFillClrLst>
+    <dgm:txEffectClrLst/>
+  </dgm:styleLbl>
+  <dgm:styleLbl name="asst0">
+    <dgm:fillClrLst meth="repeat">
+      <a:schemeClr val="accent1"/>
+    </dgm:fillClrLst>
+    <dgm:linClrLst meth="repeat">
+      <a:schemeClr val="lt1"/>
+    </dgm:linClrLst>
+    <dgm:effectClrLst/>
+    <dgm:txLinClrLst/>
+    <dgm:txFillClrLst/>
+    <dgm:txEffectClrLst/>
+  </dgm:styleLbl>
+  <dgm:styleLbl name="asst1">
+    <dgm:fillClrLst meth="repeat">
+      <a:schemeClr val="accent1"/>
+    </dgm:fillClrLst>
+    <dgm:linClrLst meth="repeat">
+      <a:schemeClr val="lt1"/>
+    </dgm:linClrLst>
+    <dgm:effectClrLst/>
+    <dgm:txLinClrLst/>
+    <dgm:txFillClrLst/>
+    <dgm:txEffectClrLst/>
+  </dgm:styleLbl>
+  <dgm:styleLbl name="asst2">
+    <dgm:fillClrLst meth="repeat">
+      <a:schemeClr val="accent1"/>
+    </dgm:fillClrLst>
+    <dgm:linClrLst meth="repeat">
+      <a:schemeClr val="lt1"/>
+    </dgm:linClrLst>
+    <dgm:effectClrLst/>
+    <dgm:txLinClrLst/>
+    <dgm:txFillClrLst/>
+    <dgm:txEffectClrLst/>
+  </dgm:styleLbl>
+  <dgm:styleLbl name="asst3">
+    <dgm:fillClrLst meth="repeat">
+      <a:schemeClr val="accent1"/>
+    </dgm:fillClrLst>
+    <dgm:linClrLst meth="repeat">
+      <a:schemeClr val="lt1"/>
+    </dgm:linClrLst>
+    <dgm:effectClrLst/>
+    <dgm:txLinClrLst/>
+    <dgm:txFillClrLst/>
+    <dgm:txEffectClrLst/>
+  </dgm:styleLbl>
+  <dgm:styleLbl name="asst4">
+    <dgm:fillClrLst meth="repeat">
+      <a:schemeClr val="accent1"/>
+    </dgm:fillClrLst>
+    <dgm:linClrLst meth="repeat">
+      <a:schemeClr val="lt1"/>
+    </dgm:linClrLst>
+    <dgm:effectClrLst/>
+    <dgm:txLinClrLst/>
+    <dgm:txFillClrLst/>
+    <dgm:txEffectClrLst/>
+  </dgm:styleLbl>
+  <dgm:styleLbl name="parChTrans2D1">
+    <dgm:fillClrLst meth="repeat">
+      <a:schemeClr val="accent1">
+        <a:tint val="60000"/>
+      </a:schemeClr>
+    </dgm:fillClrLst>
+    <dgm:linClrLst meth="repeat">
+      <a:schemeClr val="accent1">
+        <a:tint val="60000"/>
+      </a:schemeClr>
+    </dgm:linClrLst>
+    <dgm:effectClrLst/>
+    <dgm:txLinClrLst/>
+    <dgm:txFillClrLst meth="repeat">
+      <a:schemeClr val="lt1"/>
+    </dgm:txFillClrLst>
+    <dgm:txEffectClrLst/>
+  </dgm:styleLbl>
+  <dgm:styleLbl name="parChTrans2D2">
+    <dgm:fillClrLst meth="repeat">
+      <a:schemeClr val="accent1"/>
+    </dgm:fillClrLst>
+    <dgm:linClrLst meth="repeat">
+      <a:schemeClr val="accent1"/>
+    </dgm:linClrLst>
+    <dgm:effectClrLst/>
+    <dgm:txLinClrLst/>
+    <dgm:txFillClrLst meth="repeat">
+      <a:schemeClr val="lt1"/>
+    </dgm:txFillClrLst>
+    <dgm:txEffectClrLst/>
+  </dgm:styleLbl>
+  <dgm:styleLbl name="parChTrans2D3">
+    <dgm:fillClrLst meth="repeat">
+      <a:schemeClr val="accent1"/>
+    </dgm:fillClrLst>
+    <dgm:linClrLst meth="repeat">
+      <a:schemeClr val="accent1"/>
+    </dgm:linClrLst>
+    <dgm:effectClrLst/>
+    <dgm:txLinClrLst/>
+    <dgm:txFillClrLst meth="repeat">
+      <a:schemeClr val="lt1"/>
+    </dgm:txFillClrLst>
+    <dgm:txEffectClrLst/>
+  </dgm:styleLbl>
+  <dgm:styleLbl name="parChTrans2D4">
+    <dgm:fillClrLst meth="repeat">
+      <a:schemeClr val="accent1"/>
+    </dgm:fillClrLst>
+    <dgm:linClrLst meth="repeat">
+      <a:schemeClr val="accent1"/>
+    </dgm:linClrLst>
+    <dgm:effectClrLst/>
+    <dgm:txLinClrLst/>
+    <dgm:txFillClrLst meth="repeat">
+      <a:schemeClr val="lt1"/>
+    </dgm:txFillClrLst>
+    <dgm:txEffectClrLst/>
+  </dgm:styleLbl>
+  <dgm:styleLbl name="parChTrans1D1">
+    <dgm:fillClrLst meth="repeat">
+      <a:schemeClr val="accent1"/>
+    </dgm:fillClrLst>
+    <dgm:linClrLst meth="repeat">
+      <a:schemeClr val="accent1">
+        <a:shade val="60000"/>
+      </a:schemeClr>
+    </dgm:linClrLst>
+    <dgm:effectClrLst/>
+    <dgm:txLinClrLst/>
+    <dgm:txFillClrLst meth="repeat">
+      <a:schemeClr val="tx1"/>
+    </dgm:txFillClrLst>
+    <dgm:txEffectClrLst/>
+  </dgm:styleLbl>
+  <dgm:styleLbl name="parChTrans1D2">
+    <dgm:fillClrLst meth="repeat">
+      <a:schemeClr val="accent1"/>
+    </dgm:fillClrLst>
+    <dgm:linClrLst meth="repeat">
+      <a:schemeClr val="accent1">
+        <a:shade val="60000"/>
+      </a:schemeClr>
+    </dgm:linClrLst>
+    <dgm:effectClrLst/>
+    <dgm:txLinClrLst/>
+    <dgm:txFillClrLst meth="repeat">
+      <a:schemeClr val="tx1"/>
+    </dgm:txFillClrLst>
+    <dgm:txEffectClrLst/>
+  </dgm:styleLbl>
+  <dgm:styleLbl name="parChTrans1D3">
+    <dgm:fillClrLst meth="repeat">
+      <a:schemeClr val="accent1"/>
+    </dgm:fillClrLst>
+    <dgm:linClrLst meth="repeat">
+      <a:schemeClr val="accent1">
+        <a:shade val="80000"/>
+      </a:schemeClr>
+    </dgm:linClrLst>
+    <dgm:effectClrLst/>
+    <dgm:txLinClrLst/>
+    <dgm:txFillClrLst meth="repeat">
+      <a:schemeClr val="tx1"/>
+    </dgm:txFillClrLst>
+    <dgm:txEffectClrLst/>
+  </dgm:styleLbl>
+  <dgm:styleLbl name="parChTrans1D4">
+    <dgm:fillClrLst meth="repeat">
+      <a:schemeClr val="accent1"/>
+    </dgm:fillClrLst>
+    <dgm:linClrLst meth="repeat">
+      <a:schemeClr val="accent1">
+        <a:shade val="80000"/>
+      </a:schemeClr>
+    </dgm:linClrLst>
+    <dgm:effectClrLst/>
+    <dgm:txLinClrLst/>
+    <dgm:txFillClrLst meth="repeat">
+      <a:schemeClr val="tx1"/>
+    </dgm:txFillClrLst>
+    <dgm:txEffectClrLst/>
+  </dgm:styleLbl>
+  <dgm:styleLbl name="fgAcc1">
+    <dgm:fillClrLst meth="repeat">
+      <a:schemeClr val="lt1">
+        <a:alpha val="90000"/>
+      </a:schemeClr>
+    </dgm:fillClrLst>
+    <dgm:linClrLst meth="repeat">
+      <a:schemeClr val="accent1"/>
+    </dgm:linClrLst>
+    <dgm:effectClrLst/>
+    <dgm:txLinClrLst/>
+    <dgm:txFillClrLst meth="repeat">
+      <a:schemeClr val="dk1"/>
+    </dgm:txFillClrLst>
+    <dgm:txEffectClrLst/>
+  </dgm:styleLbl>
+  <dgm:styleLbl name="conFgAcc1">
+    <dgm:fillClrLst meth="repeat">
+      <a:schemeClr val="lt1">
+        <a:alpha val="90000"/>
+      </a:schemeClr>
+    </dgm:fillClrLst>
+    <dgm:linClrLst meth="repeat">
+      <a:schemeClr val="accent1"/>
+    </dgm:linClrLst>
+    <dgm:effectClrLst/>
+    <dgm:txLinClrLst/>
+    <dgm:txFillClrLst meth="repeat">
+      <a:schemeClr val="dk1"/>
+    </dgm:txFillClrLst>
+    <dgm:txEffectClrLst/>
+  </dgm:styleLbl>
+  <dgm:styleLbl name="alignAcc1">
+    <dgm:fillClrLst meth="repeat">
+      <a:schemeClr val="lt1">
+        <a:alpha val="90000"/>
+      </a:schemeClr>
+    </dgm:fillClrLst>
+    <dgm:linClrLst meth="repeat">
+      <a:schemeClr val="accent1"/>
+    </dgm:linClrLst>
+    <dgm:effectClrLst/>
+    <dgm:txLinClrLst/>
+    <dgm:txFillClrLst meth="repeat">
+      <a:schemeClr val="dk1"/>
+    </dgm:txFillClrLst>
+    <dgm:txEffectClrLst/>
+  </dgm:styleLbl>
+  <dgm:styleLbl name="trAlignAcc1">
+    <dgm:fillClrLst meth="repeat">
+      <a:schemeClr val="lt1">
+        <a:alpha val="40000"/>
+      </a:schemeClr>
+    </dgm:fillClrLst>
+    <dgm:linClrLst meth="repeat">
+      <a:schemeClr val="accent1"/>
+    </dgm:linClrLst>
+    <dgm:effectClrLst/>
+    <dgm:txLinClrLst/>
+    <dgm:txFillClrLst meth="repeat">
+      <a:schemeClr val="dk1"/>
+    </dgm:txFillClrLst>
+    <dgm:txEffectClrLst/>
+  </dgm:styleLbl>
+  <dgm:styleLbl name="bgAcc1">
+    <dgm:fillClrLst meth="repeat">
+      <a:schemeClr val="lt1">
+        <a:alpha val="90000"/>
+      </a:schemeClr>
+    </dgm:fillClrLst>
+    <dgm:linClrLst meth="repeat">
+      <a:schemeClr val="accent1"/>
+    </dgm:linClrLst>
+    <dgm:effectClrLst/>
+    <dgm:txLinClrLst/>
+    <dgm:txFillClrLst meth="repeat">
+      <a:schemeClr val="dk1"/>
+    </dgm:txFillClrLst>
+    <dgm:txEffectClrLst/>
+  </dgm:styleLbl>
+  <dgm:styleLbl name="solidFgAcc1">
+    <dgm:fillClrLst meth="repeat">
+      <a:schemeClr val="lt1"/>
+    </dgm:fillClrLst>
+    <dgm:linClrLst meth="repeat">
+      <a:schemeClr val="accent1"/>
+    </dgm:linClrLst>
+    <dgm:effectClrLst/>
+    <dgm:txLinClrLst/>
+    <dgm:txFillClrLst meth="repeat">
+      <a:schemeClr val="dk1"/>
+    </dgm:txFillClrLst>
+    <dgm:txEffectClrLst/>
+  </dgm:styleLbl>
+  <dgm:styleLbl name="solidAlignAcc1">
+    <dgm:fillClrLst meth="repeat">
+      <a:schemeClr val="lt1"/>
+    </dgm:fillClrLst>
+    <dgm:linClrLst meth="repeat">
+      <a:schemeClr val="accent1"/>
+    </dgm:linClrLst>
+    <dgm:effectClrLst/>
+    <dgm:txLinClrLst/>
+    <dgm:txFillClrLst meth="repeat">
+      <a:schemeClr val="dk1"/>
+    </dgm:txFillClrLst>
+    <dgm:txEffectClrLst/>
+  </dgm:styleLbl>
+  <dgm:styleLbl name="solidBgAcc1">
+    <dgm:fillClrLst meth="repeat">
+      <a:schemeClr val="lt1"/>
+    </dgm:fillClrLst>
+    <dgm:linClrLst meth="repeat">
+      <a:schemeClr val="accent1"/>
+    </dgm:linClrLst>
+    <dgm:effectClrLst/>
+    <dgm:txLinClrLst/>
+    <dgm:txFillClrLst meth="repeat">
+      <a:schemeClr val="dk1"/>
+    </dgm:txFillClrLst>
+    <dgm:txEffectClrLst/>
+  </dgm:styleLbl>
+  <dgm:styleLbl name="fgAccFollowNode1">
+    <dgm:fillClrLst meth="repeat">
+      <a:schemeClr val="accent1">
+        <a:alpha val="90000"/>
+        <a:tint val="40000"/>
+      </a:schemeClr>
+    </dgm:fillClrLst>
+    <dgm:linClrLst meth="repeat">
+      <a:schemeClr val="accent1">
+        <a:alpha val="90000"/>
+        <a:tint val="40000"/>
+      </a:schemeClr>
+    </dgm:linClrLst>
+    <dgm:effectClrLst/>
+    <dgm:txLinClrLst/>
+    <dgm:txFillClrLst meth="repeat">
+      <a:schemeClr val="dk1"/>
+    </dgm:txFillClrLst>
+    <dgm:txEffectClrLst/>
+  </dgm:styleLbl>
+  <dgm:styleLbl name="alignAccFollowNode1">
+    <dgm:fillClrLst meth="repeat">
+      <a:schemeClr val="accent1">
+        <a:alpha val="90000"/>
+        <a:tint val="40000"/>
+      </a:schemeClr>
+    </dgm:fillClrLst>
+    <dgm:linClrLst meth="repeat">
+      <a:schemeClr val="accent1">
+        <a:alpha val="90000"/>
+        <a:tint val="40000"/>
+      </a:schemeClr>
+    </dgm:linClrLst>
+    <dgm:effectClrLst/>
+    <dgm:txLinClrLst/>
+    <dgm:txFillClrLst meth="repeat">
+      <a:schemeClr val="dk1"/>
+    </dgm:txFillClrLst>
+    <dgm:txEffectClrLst/>
+  </dgm:styleLbl>
+  <dgm:styleLbl name="bgAccFollowNode1">
+    <dgm:fillClrLst meth="repeat">
+      <a:schemeClr val="accent1">
+        <a:alpha val="90000"/>
+        <a:tint val="40000"/>
+      </a:schemeClr>
+    </dgm:fillClrLst>
+    <dgm:linClrLst meth="repeat">
+      <a:schemeClr val="accent1">
+        <a:alpha val="90000"/>
+        <a:tint val="40000"/>
+      </a:schemeClr>
+    </dgm:linClrLst>
+    <dgm:effectClrLst/>
+    <dgm:txLinClrLst/>
+    <dgm:txFillClrLst meth="repeat">
+      <a:schemeClr val="dk1"/>
+    </dgm:txFillClrLst>
+    <dgm:txEffectClrLst/>
+  </dgm:styleLbl>
+  <dgm:styleLbl name="fgAcc0">
+    <dgm:fillClrLst meth="repeat">
+      <a:schemeClr val="lt1">
+        <a:alpha val="90000"/>
+      </a:schemeClr>
+    </dgm:fillClrLst>
+    <dgm:linClrLst meth="repeat">
+      <a:schemeClr val="accent1"/>
+    </dgm:linClrLst>
+    <dgm:effectClrLst/>
+    <dgm:txLinClrLst/>
+    <dgm:txFillClrLst meth="repeat">
+      <a:schemeClr val="dk1"/>
+    </dgm:txFillClrLst>
+    <dgm:txEffectClrLst/>
+  </dgm:styleLbl>
+  <dgm:styleLbl name="fgAcc2">
+    <dgm:fillClrLst meth="repeat">
+      <a:schemeClr val="lt1">
+        <a:alpha val="90000"/>
+      </a:schemeClr>
+    </dgm:fillClrLst>
+    <dgm:linClrLst meth="repeat">
+      <a:schemeClr val="accent1"/>
+    </dgm:linClrLst>
+    <dgm:effectClrLst/>
+    <dgm:txLinClrLst/>
+    <dgm:txFillClrLst meth="repeat">
+      <a:schemeClr val="dk1"/>
+    </dgm:txFillClrLst>
+    <dgm:txEffectClrLst/>
+  </dgm:styleLbl>
+  <dgm:styleLbl name="fgAcc3">
+    <dgm:fillClrLst meth="repeat">
+      <a:schemeClr val="lt1">
+        <a:alpha val="90000"/>
+      </a:schemeClr>
+    </dgm:fillClrLst>
+    <dgm:linClrLst meth="repeat">
+      <a:schemeClr val="accent1"/>
+    </dgm:linClrLst>
+    <dgm:effectClrLst/>
+    <dgm:txLinClrLst/>
+    <dgm:txFillClrLst meth="repeat">
+      <a:schemeClr val="dk1"/>
+    </dgm:txFillClrLst>
+    <dgm:txEffectClrLst/>
+  </dgm:styleLbl>
+  <dgm:styleLbl name="fgAcc4">
+    <dgm:fillClrLst meth="repeat">
+      <a:schemeClr val="lt1">
+        <a:alpha val="90000"/>
+      </a:schemeClr>
+    </dgm:fillClrLst>
+    <dgm:linClrLst meth="repeat">
+      <a:schemeClr val="accent1"/>
+    </dgm:linClrLst>
+    <dgm:effectClrLst/>
+    <dgm:txLinClrLst/>
+    <dgm:txFillClrLst meth="repeat">
+      <a:schemeClr val="dk1"/>
+    </dgm:txFillClrLst>
+    <dgm:txEffectClrLst/>
+  </dgm:styleLbl>
+  <dgm:styleLbl name="bgShp">
+    <dgm:fillClrLst meth="repeat">
+      <a:schemeClr val="accent1">
+        <a:tint val="40000"/>
+      </a:schemeClr>
+    </dgm:fillClrLst>
+    <dgm:linClrLst meth="repeat">
+      <a:schemeClr val="accent1"/>
+    </dgm:linClrLst>
+    <dgm:effectClrLst/>
+    <dgm:txLinClrLst/>
+    <dgm:txFillClrLst meth="repeat">
+      <a:schemeClr val="dk1"/>
+    </dgm:txFillClrLst>
+    <dgm:txEffectClrLst/>
+  </dgm:styleLbl>
+  <dgm:styleLbl name="dkBgShp">
+    <dgm:fillClrLst meth="repeat">
+      <a:schemeClr val="accent1">
+        <a:shade val="80000"/>
+      </a:schemeClr>
+    </dgm:fillClrLst>
+    <dgm:linClrLst meth="repeat">
+      <a:schemeClr val="accent1"/>
+    </dgm:linClrLst>
+    <dgm:effectClrLst/>
+    <dgm:txLinClrLst/>
+    <dgm:txFillClrLst meth="repeat">
+      <a:schemeClr val="lt1"/>
+    </dgm:txFillClrLst>
+    <dgm:txEffectClrLst/>
+  </dgm:styleLbl>
+  <dgm:styleLbl name="trBgShp">
+    <dgm:fillClrLst meth="repeat">
+      <a:schemeClr val="accent1">
+        <a:tint val="50000"/>
+        <a:alpha val="40000"/>
+      </a:schemeClr>
+    </dgm:fillClrLst>
+    <dgm:linClrLst meth="repeat">
+      <a:schemeClr val="accent1"/>
+    </dgm:linClrLst>
+    <dgm:effectClrLst/>
+    <dgm:txLinClrLst/>
+    <dgm:txFillClrLst meth="repeat">
+      <a:schemeClr val="lt1"/>
+    </dgm:txFillClrLst>
+    <dgm:txEffectClrLst/>
+  </dgm:styleLbl>
+  <dgm:styleLbl name="fgShp">
+    <dgm:fillClrLst meth="repeat">
+      <a:schemeClr val="accent1">
+        <a:tint val="60000"/>
+      </a:schemeClr>
+    </dgm:fillClrLst>
+    <dgm:linClrLst meth="repeat">
+      <a:schemeClr val="lt1"/>
+    </dgm:linClrLst>
+    <dgm:effectClrLst/>
+    <dgm:txLinClrLst/>
+    <dgm:txFillClrLst meth="repeat">
+      <a:schemeClr val="dk1"/>
+    </dgm:txFillClrLst>
+    <dgm:txEffectClrLst/>
+  </dgm:styleLbl>
+  <dgm:styleLbl name="revTx">
+    <dgm:fillClrLst meth="repeat">
+      <a:schemeClr val="lt1">
+        <a:alpha val="0"/>
+      </a:schemeClr>
+    </dgm:fillClrLst>
+    <dgm:linClrLst meth="repeat">
+      <a:schemeClr val="dk1">
+        <a:alpha val="0"/>
+      </a:schemeClr>
+    </dgm:linClrLst>
+    <dgm:effectClrLst/>
+    <dgm:txLinClrLst/>
+    <dgm:txFillClrLst meth="repeat">
+      <a:schemeClr val="tx1"/>
+    </dgm:txFillClrLst>
+    <dgm:txEffectClrLst/>
+  </dgm:styleLbl>
+</dgm:colorsDef>
+</file>
+
+<file path=ppt/diagrams/colors3.xml><?xml version="1.0" encoding="utf-8"?>
 <dgm:colorsDef xmlns:dgm="http://schemas.openxmlformats.org/drawingml/2006/diagram" xmlns:a="http://schemas.openxmlformats.org/drawingml/2006/main" uniqueId="urn:microsoft.com/office/officeart/2005/8/colors/colorful2">
   <dgm:title val=""/>
   <dgm:desc val=""/>
@@ -1682,7 +2429,7 @@
 </dgm:colorsDef>
 </file>
 
-<file path=ppt/diagrams/colors3.xml><?xml version="1.0" encoding="utf-8"?>
+<file path=ppt/diagrams/colors4.xml><?xml version="1.0" encoding="utf-8"?>
 <dgm:colorsDef xmlns:dgm="http://schemas.openxmlformats.org/drawingml/2006/diagram" xmlns:a="http://schemas.openxmlformats.org/drawingml/2006/main" uniqueId="urn:microsoft.com/office/officeart/2005/8/colors/colorful2">
   <dgm:title val=""/>
   <dgm:desc val=""/>
@@ -2827,6 +3574,310 @@
 <file path=ppt/diagrams/data2.xml><?xml version="1.0" encoding="utf-8"?>
 <dgm:dataModel xmlns:dgm="http://schemas.openxmlformats.org/drawingml/2006/diagram" xmlns:a="http://schemas.openxmlformats.org/drawingml/2006/main">
   <dgm:ptLst>
+    <dgm:pt modelId="{94528E46-91C4-41A9-B58F-471612C46819}" type="doc">
+      <dgm:prSet loTypeId="urn:microsoft.com/office/officeart/2008/layout/AlternatingHexagons" loCatId="list" qsTypeId="urn:microsoft.com/office/officeart/2005/8/quickstyle/simple1" qsCatId="simple" csTypeId="urn:microsoft.com/office/officeart/2005/8/colors/accent1_2" csCatId="accent1"/>
+      <dgm:spPr/>
+      <dgm:t>
+        <a:bodyPr/>
+        <a:lstStyle/>
+        <a:p>
+          <a:endParaRPr lang="en-US"/>
+        </a:p>
+      </dgm:t>
+    </dgm:pt>
+    <dgm:pt modelId="{8F933936-1E81-4308-A3F6-18A8F247DCDB}">
+      <dgm:prSet/>
+      <dgm:spPr/>
+      <dgm:t>
+        <a:bodyPr/>
+        <a:lstStyle/>
+        <a:p>
+          <a:r>
+            <a:rPr lang="fr-FR"/>
+            <a:t>Difficulté a gérer les réclamations</a:t>
+          </a:r>
+          <a:endParaRPr lang="en-US"/>
+        </a:p>
+      </dgm:t>
+    </dgm:pt>
+    <dgm:pt modelId="{7D6D5EF5-D7F2-412A-9834-BF15C453DB44}" type="parTrans" cxnId="{F31B1FD2-C004-4D52-9F06-7E89BFBBB9AC}">
+      <dgm:prSet/>
+      <dgm:spPr/>
+      <dgm:t>
+        <a:bodyPr/>
+        <a:lstStyle/>
+        <a:p>
+          <a:endParaRPr lang="en-US"/>
+        </a:p>
+      </dgm:t>
+    </dgm:pt>
+    <dgm:pt modelId="{E1CD417A-1B6F-4649-95D9-CEDADF6BFC37}" type="sibTrans" cxnId="{F31B1FD2-C004-4D52-9F06-7E89BFBBB9AC}">
+      <dgm:prSet phldrT="01" phldr="0"/>
+      <dgm:spPr/>
+      <dgm:t>
+        <a:bodyPr/>
+        <a:lstStyle/>
+        <a:p>
+          <a:r>
+            <a:rPr lang="en-US"/>
+            <a:t>01</a:t>
+          </a:r>
+        </a:p>
+      </dgm:t>
+    </dgm:pt>
+    <dgm:pt modelId="{D1FAEA92-A285-45B6-8840-3EB044DCF86E}">
+      <dgm:prSet/>
+      <dgm:spPr/>
+      <dgm:t>
+        <a:bodyPr/>
+        <a:lstStyle/>
+        <a:p>
+          <a:r>
+            <a:rPr lang="fr-FR"/>
+            <a:t>Pas d’endroit concret ou les visualiser facilement</a:t>
+          </a:r>
+          <a:endParaRPr lang="en-US"/>
+        </a:p>
+      </dgm:t>
+    </dgm:pt>
+    <dgm:pt modelId="{27DE61E9-1C92-4931-8659-ED596812E0A1}" type="parTrans" cxnId="{E25E8C55-1934-4704-9AF0-5261F87B1CB7}">
+      <dgm:prSet/>
+      <dgm:spPr/>
+      <dgm:t>
+        <a:bodyPr/>
+        <a:lstStyle/>
+        <a:p>
+          <a:endParaRPr lang="en-US"/>
+        </a:p>
+      </dgm:t>
+    </dgm:pt>
+    <dgm:pt modelId="{D169744E-F71D-44F0-BB2B-A07EDB8A8E1B}" type="sibTrans" cxnId="{E25E8C55-1934-4704-9AF0-5261F87B1CB7}">
+      <dgm:prSet phldrT="02" phldr="0"/>
+      <dgm:spPr/>
+      <dgm:t>
+        <a:bodyPr/>
+        <a:lstStyle/>
+        <a:p>
+          <a:r>
+            <a:rPr lang="en-US"/>
+            <a:t>02</a:t>
+          </a:r>
+        </a:p>
+      </dgm:t>
+    </dgm:pt>
+    <dgm:pt modelId="{91E2FF7F-F3F7-4666-9B53-9A96726BE1E1}">
+      <dgm:prSet/>
+      <dgm:spPr/>
+      <dgm:t>
+        <a:bodyPr/>
+        <a:lstStyle/>
+        <a:p>
+          <a:r>
+            <a:rPr lang="fr-FR"/>
+            <a:t>Centraliser commentaires et réclamations</a:t>
+          </a:r>
+          <a:endParaRPr lang="en-US"/>
+        </a:p>
+      </dgm:t>
+    </dgm:pt>
+    <dgm:pt modelId="{E429C5C4-275C-4C5C-8EF7-1C5446F5E993}" type="parTrans" cxnId="{4F13BD01-BE4E-4A48-BFEE-0BF8D2C968BF}">
+      <dgm:prSet/>
+      <dgm:spPr/>
+      <dgm:t>
+        <a:bodyPr/>
+        <a:lstStyle/>
+        <a:p>
+          <a:endParaRPr lang="en-US"/>
+        </a:p>
+      </dgm:t>
+    </dgm:pt>
+    <dgm:pt modelId="{A3FCBF2F-37BE-47B0-AB39-20783BB678ED}" type="sibTrans" cxnId="{4F13BD01-BE4E-4A48-BFEE-0BF8D2C968BF}">
+      <dgm:prSet phldrT="03" phldr="0"/>
+      <dgm:spPr/>
+      <dgm:t>
+        <a:bodyPr/>
+        <a:lstStyle/>
+        <a:p>
+          <a:r>
+            <a:rPr lang="en-US"/>
+            <a:t>03</a:t>
+          </a:r>
+        </a:p>
+      </dgm:t>
+    </dgm:pt>
+    <dgm:pt modelId="{24AC4BD7-5C24-4A6C-9FF2-369390867F2A}" type="pres">
+      <dgm:prSet presAssocID="{94528E46-91C4-41A9-B58F-471612C46819}" presName="Name0" presStyleCnt="0">
+        <dgm:presLayoutVars>
+          <dgm:chMax/>
+          <dgm:chPref/>
+          <dgm:dir/>
+          <dgm:animLvl val="lvl"/>
+        </dgm:presLayoutVars>
+      </dgm:prSet>
+      <dgm:spPr/>
+    </dgm:pt>
+    <dgm:pt modelId="{D9579D31-4B5A-4964-A8E4-0D31143177D6}" type="pres">
+      <dgm:prSet presAssocID="{8F933936-1E81-4308-A3F6-18A8F247DCDB}" presName="composite" presStyleCnt="0"/>
+      <dgm:spPr/>
+    </dgm:pt>
+    <dgm:pt modelId="{A9AAC90C-C6B5-4AD0-9344-D9E722A79976}" type="pres">
+      <dgm:prSet presAssocID="{8F933936-1E81-4308-A3F6-18A8F247DCDB}" presName="Parent1" presStyleLbl="node1" presStyleIdx="0" presStyleCnt="6">
+        <dgm:presLayoutVars>
+          <dgm:chMax val="1"/>
+          <dgm:chPref val="1"/>
+          <dgm:bulletEnabled val="1"/>
+        </dgm:presLayoutVars>
+      </dgm:prSet>
+      <dgm:spPr/>
+    </dgm:pt>
+    <dgm:pt modelId="{692F510E-053D-43E9-885F-E1DADDA237C6}" type="pres">
+      <dgm:prSet presAssocID="{8F933936-1E81-4308-A3F6-18A8F247DCDB}" presName="Childtext1" presStyleLbl="revTx" presStyleIdx="0" presStyleCnt="3">
+        <dgm:presLayoutVars>
+          <dgm:chMax val="0"/>
+          <dgm:chPref val="0"/>
+          <dgm:bulletEnabled val="1"/>
+        </dgm:presLayoutVars>
+      </dgm:prSet>
+      <dgm:spPr/>
+    </dgm:pt>
+    <dgm:pt modelId="{148B6544-04EA-4FB8-BDB4-B68192BEC482}" type="pres">
+      <dgm:prSet presAssocID="{8F933936-1E81-4308-A3F6-18A8F247DCDB}" presName="BalanceSpacing" presStyleCnt="0"/>
+      <dgm:spPr/>
+    </dgm:pt>
+    <dgm:pt modelId="{5EB2B108-2ABE-458F-BB1E-A8BE5DF8DADD}" type="pres">
+      <dgm:prSet presAssocID="{8F933936-1E81-4308-A3F6-18A8F247DCDB}" presName="BalanceSpacing1" presStyleCnt="0"/>
+      <dgm:spPr/>
+    </dgm:pt>
+    <dgm:pt modelId="{79908860-FB9C-4942-B060-D9D8D7CABBC7}" type="pres">
+      <dgm:prSet presAssocID="{E1CD417A-1B6F-4649-95D9-CEDADF6BFC37}" presName="Accent1Text" presStyleLbl="node1" presStyleIdx="1" presStyleCnt="6"/>
+      <dgm:spPr/>
+    </dgm:pt>
+    <dgm:pt modelId="{CDDCBD96-73C9-4D9B-A326-CB1251FAF4C5}" type="pres">
+      <dgm:prSet presAssocID="{E1CD417A-1B6F-4649-95D9-CEDADF6BFC37}" presName="spaceBetweenRectangles" presStyleCnt="0"/>
+      <dgm:spPr/>
+    </dgm:pt>
+    <dgm:pt modelId="{A9B68956-7D81-467E-8E65-F43AE6C17E81}" type="pres">
+      <dgm:prSet presAssocID="{D1FAEA92-A285-45B6-8840-3EB044DCF86E}" presName="composite" presStyleCnt="0"/>
+      <dgm:spPr/>
+    </dgm:pt>
+    <dgm:pt modelId="{7ABEA845-8C51-4BD0-8BD6-F8B389B74015}" type="pres">
+      <dgm:prSet presAssocID="{D1FAEA92-A285-45B6-8840-3EB044DCF86E}" presName="Parent1" presStyleLbl="node1" presStyleIdx="2" presStyleCnt="6">
+        <dgm:presLayoutVars>
+          <dgm:chMax val="1"/>
+          <dgm:chPref val="1"/>
+          <dgm:bulletEnabled val="1"/>
+        </dgm:presLayoutVars>
+      </dgm:prSet>
+      <dgm:spPr/>
+    </dgm:pt>
+    <dgm:pt modelId="{934164D2-1400-4809-8D9C-6CD21796E5E8}" type="pres">
+      <dgm:prSet presAssocID="{D1FAEA92-A285-45B6-8840-3EB044DCF86E}" presName="Childtext1" presStyleLbl="revTx" presStyleIdx="1" presStyleCnt="3">
+        <dgm:presLayoutVars>
+          <dgm:chMax val="0"/>
+          <dgm:chPref val="0"/>
+          <dgm:bulletEnabled val="1"/>
+        </dgm:presLayoutVars>
+      </dgm:prSet>
+      <dgm:spPr/>
+    </dgm:pt>
+    <dgm:pt modelId="{2C573CC4-5B13-4878-AEBD-C54496349369}" type="pres">
+      <dgm:prSet presAssocID="{D1FAEA92-A285-45B6-8840-3EB044DCF86E}" presName="BalanceSpacing" presStyleCnt="0"/>
+      <dgm:spPr/>
+    </dgm:pt>
+    <dgm:pt modelId="{A3B7F681-36FB-47FA-88B5-AB1D984DDFEE}" type="pres">
+      <dgm:prSet presAssocID="{D1FAEA92-A285-45B6-8840-3EB044DCF86E}" presName="BalanceSpacing1" presStyleCnt="0"/>
+      <dgm:spPr/>
+    </dgm:pt>
+    <dgm:pt modelId="{2A984CC1-388A-4548-8DFC-6623B02B4C95}" type="pres">
+      <dgm:prSet presAssocID="{D169744E-F71D-44F0-BB2B-A07EDB8A8E1B}" presName="Accent1Text" presStyleLbl="node1" presStyleIdx="3" presStyleCnt="6"/>
+      <dgm:spPr/>
+    </dgm:pt>
+    <dgm:pt modelId="{18927168-81CD-4972-98AD-B3CD37F0120F}" type="pres">
+      <dgm:prSet presAssocID="{D169744E-F71D-44F0-BB2B-A07EDB8A8E1B}" presName="spaceBetweenRectangles" presStyleCnt="0"/>
+      <dgm:spPr/>
+    </dgm:pt>
+    <dgm:pt modelId="{E95E8502-22A9-4798-9B1E-64229F88CF48}" type="pres">
+      <dgm:prSet presAssocID="{91E2FF7F-F3F7-4666-9B53-9A96726BE1E1}" presName="composite" presStyleCnt="0"/>
+      <dgm:spPr/>
+    </dgm:pt>
+    <dgm:pt modelId="{FC85A97C-A954-4190-B804-D34567A35209}" type="pres">
+      <dgm:prSet presAssocID="{91E2FF7F-F3F7-4666-9B53-9A96726BE1E1}" presName="Parent1" presStyleLbl="node1" presStyleIdx="4" presStyleCnt="6">
+        <dgm:presLayoutVars>
+          <dgm:chMax val="1"/>
+          <dgm:chPref val="1"/>
+          <dgm:bulletEnabled val="1"/>
+        </dgm:presLayoutVars>
+      </dgm:prSet>
+      <dgm:spPr/>
+    </dgm:pt>
+    <dgm:pt modelId="{C87BBA4C-BF32-4499-83F6-60BCA36072CA}" type="pres">
+      <dgm:prSet presAssocID="{91E2FF7F-F3F7-4666-9B53-9A96726BE1E1}" presName="Childtext1" presStyleLbl="revTx" presStyleIdx="2" presStyleCnt="3">
+        <dgm:presLayoutVars>
+          <dgm:chMax val="0"/>
+          <dgm:chPref val="0"/>
+          <dgm:bulletEnabled val="1"/>
+        </dgm:presLayoutVars>
+      </dgm:prSet>
+      <dgm:spPr/>
+    </dgm:pt>
+    <dgm:pt modelId="{5FEB1BDF-3C9D-4ADE-A0F5-BBBFB12EC9DC}" type="pres">
+      <dgm:prSet presAssocID="{91E2FF7F-F3F7-4666-9B53-9A96726BE1E1}" presName="BalanceSpacing" presStyleCnt="0"/>
+      <dgm:spPr/>
+    </dgm:pt>
+    <dgm:pt modelId="{BE467125-D392-4581-8348-C4EF26C128F4}" type="pres">
+      <dgm:prSet presAssocID="{91E2FF7F-F3F7-4666-9B53-9A96726BE1E1}" presName="BalanceSpacing1" presStyleCnt="0"/>
+      <dgm:spPr/>
+    </dgm:pt>
+    <dgm:pt modelId="{3399DB17-8E72-4714-B973-127AEF83D307}" type="pres">
+      <dgm:prSet presAssocID="{A3FCBF2F-37BE-47B0-AB39-20783BB678ED}" presName="Accent1Text" presStyleLbl="node1" presStyleIdx="5" presStyleCnt="6"/>
+      <dgm:spPr/>
+    </dgm:pt>
+  </dgm:ptLst>
+  <dgm:cxnLst>
+    <dgm:cxn modelId="{4F13BD01-BE4E-4A48-BFEE-0BF8D2C968BF}" srcId="{94528E46-91C4-41A9-B58F-471612C46819}" destId="{91E2FF7F-F3F7-4666-9B53-9A96726BE1E1}" srcOrd="2" destOrd="0" parTransId="{E429C5C4-275C-4C5C-8EF7-1C5446F5E993}" sibTransId="{A3FCBF2F-37BE-47B0-AB39-20783BB678ED}"/>
+    <dgm:cxn modelId="{6E98CA3F-CF80-4AC8-9EF2-B05C42E4023C}" type="presOf" srcId="{94528E46-91C4-41A9-B58F-471612C46819}" destId="{24AC4BD7-5C24-4A6C-9FF2-369390867F2A}" srcOrd="0" destOrd="0" presId="urn:microsoft.com/office/officeart/2008/layout/AlternatingHexagons"/>
+    <dgm:cxn modelId="{E25E8C55-1934-4704-9AF0-5261F87B1CB7}" srcId="{94528E46-91C4-41A9-B58F-471612C46819}" destId="{D1FAEA92-A285-45B6-8840-3EB044DCF86E}" srcOrd="1" destOrd="0" parTransId="{27DE61E9-1C92-4931-8659-ED596812E0A1}" sibTransId="{D169744E-F71D-44F0-BB2B-A07EDB8A8E1B}"/>
+    <dgm:cxn modelId="{8E23D658-C67F-49E7-9506-823E41698527}" type="presOf" srcId="{A3FCBF2F-37BE-47B0-AB39-20783BB678ED}" destId="{3399DB17-8E72-4714-B973-127AEF83D307}" srcOrd="0" destOrd="0" presId="urn:microsoft.com/office/officeart/2008/layout/AlternatingHexagons"/>
+    <dgm:cxn modelId="{855392C0-2154-4E4D-8110-902A500E1BB9}" type="presOf" srcId="{E1CD417A-1B6F-4649-95D9-CEDADF6BFC37}" destId="{79908860-FB9C-4942-B060-D9D8D7CABBC7}" srcOrd="0" destOrd="0" presId="urn:microsoft.com/office/officeart/2008/layout/AlternatingHexagons"/>
+    <dgm:cxn modelId="{F31B1FD2-C004-4D52-9F06-7E89BFBBB9AC}" srcId="{94528E46-91C4-41A9-B58F-471612C46819}" destId="{8F933936-1E81-4308-A3F6-18A8F247DCDB}" srcOrd="0" destOrd="0" parTransId="{7D6D5EF5-D7F2-412A-9834-BF15C453DB44}" sibTransId="{E1CD417A-1B6F-4649-95D9-CEDADF6BFC37}"/>
+    <dgm:cxn modelId="{5A2100DD-F614-4036-8AD8-D75C861E7E62}" type="presOf" srcId="{D169744E-F71D-44F0-BB2B-A07EDB8A8E1B}" destId="{2A984CC1-388A-4548-8DFC-6623B02B4C95}" srcOrd="0" destOrd="0" presId="urn:microsoft.com/office/officeart/2008/layout/AlternatingHexagons"/>
+    <dgm:cxn modelId="{9636B0EC-87B5-45FD-ACC1-A7CED6BFC7BE}" type="presOf" srcId="{D1FAEA92-A285-45B6-8840-3EB044DCF86E}" destId="{7ABEA845-8C51-4BD0-8BD6-F8B389B74015}" srcOrd="0" destOrd="0" presId="urn:microsoft.com/office/officeart/2008/layout/AlternatingHexagons"/>
+    <dgm:cxn modelId="{BDB079F5-ACB5-4EEF-9B34-702A3D5A9CA8}" type="presOf" srcId="{91E2FF7F-F3F7-4666-9B53-9A96726BE1E1}" destId="{FC85A97C-A954-4190-B804-D34567A35209}" srcOrd="0" destOrd="0" presId="urn:microsoft.com/office/officeart/2008/layout/AlternatingHexagons"/>
+    <dgm:cxn modelId="{94D051F8-07B2-4E17-961D-829290C5DCDD}" type="presOf" srcId="{8F933936-1E81-4308-A3F6-18A8F247DCDB}" destId="{A9AAC90C-C6B5-4AD0-9344-D9E722A79976}" srcOrd="0" destOrd="0" presId="urn:microsoft.com/office/officeart/2008/layout/AlternatingHexagons"/>
+    <dgm:cxn modelId="{D64D3DE6-FDC0-4C87-85A9-D2F444F29E59}" type="presParOf" srcId="{24AC4BD7-5C24-4A6C-9FF2-369390867F2A}" destId="{D9579D31-4B5A-4964-A8E4-0D31143177D6}" srcOrd="0" destOrd="0" presId="urn:microsoft.com/office/officeart/2008/layout/AlternatingHexagons"/>
+    <dgm:cxn modelId="{1E373F55-6E6C-47CB-BA56-9935E88C6E13}" type="presParOf" srcId="{D9579D31-4B5A-4964-A8E4-0D31143177D6}" destId="{A9AAC90C-C6B5-4AD0-9344-D9E722A79976}" srcOrd="0" destOrd="0" presId="urn:microsoft.com/office/officeart/2008/layout/AlternatingHexagons"/>
+    <dgm:cxn modelId="{1093FEC0-C136-4C56-8D20-26685CEC9705}" type="presParOf" srcId="{D9579D31-4B5A-4964-A8E4-0D31143177D6}" destId="{692F510E-053D-43E9-885F-E1DADDA237C6}" srcOrd="1" destOrd="0" presId="urn:microsoft.com/office/officeart/2008/layout/AlternatingHexagons"/>
+    <dgm:cxn modelId="{D6C1AF50-0774-44CD-8E7C-4F788E4B7BC1}" type="presParOf" srcId="{D9579D31-4B5A-4964-A8E4-0D31143177D6}" destId="{148B6544-04EA-4FB8-BDB4-B68192BEC482}" srcOrd="2" destOrd="0" presId="urn:microsoft.com/office/officeart/2008/layout/AlternatingHexagons"/>
+    <dgm:cxn modelId="{DEEF9952-7A9C-4CC0-BF50-67EE9B881B24}" type="presParOf" srcId="{D9579D31-4B5A-4964-A8E4-0D31143177D6}" destId="{5EB2B108-2ABE-458F-BB1E-A8BE5DF8DADD}" srcOrd="3" destOrd="0" presId="urn:microsoft.com/office/officeart/2008/layout/AlternatingHexagons"/>
+    <dgm:cxn modelId="{A95354F3-793D-4D84-8679-056CA17E9B78}" type="presParOf" srcId="{D9579D31-4B5A-4964-A8E4-0D31143177D6}" destId="{79908860-FB9C-4942-B060-D9D8D7CABBC7}" srcOrd="4" destOrd="0" presId="urn:microsoft.com/office/officeart/2008/layout/AlternatingHexagons"/>
+    <dgm:cxn modelId="{E71A1C34-D14A-4B40-8550-DE7D4C1F9221}" type="presParOf" srcId="{24AC4BD7-5C24-4A6C-9FF2-369390867F2A}" destId="{CDDCBD96-73C9-4D9B-A326-CB1251FAF4C5}" srcOrd="1" destOrd="0" presId="urn:microsoft.com/office/officeart/2008/layout/AlternatingHexagons"/>
+    <dgm:cxn modelId="{5D2492B5-CCD5-4032-A8AD-DD9FF19E12B5}" type="presParOf" srcId="{24AC4BD7-5C24-4A6C-9FF2-369390867F2A}" destId="{A9B68956-7D81-467E-8E65-F43AE6C17E81}" srcOrd="2" destOrd="0" presId="urn:microsoft.com/office/officeart/2008/layout/AlternatingHexagons"/>
+    <dgm:cxn modelId="{AE88E7D3-C532-4B91-A2D4-F464EF53326E}" type="presParOf" srcId="{A9B68956-7D81-467E-8E65-F43AE6C17E81}" destId="{7ABEA845-8C51-4BD0-8BD6-F8B389B74015}" srcOrd="0" destOrd="0" presId="urn:microsoft.com/office/officeart/2008/layout/AlternatingHexagons"/>
+    <dgm:cxn modelId="{7810B0A4-E723-40E9-BE9B-11C9E09DF29D}" type="presParOf" srcId="{A9B68956-7D81-467E-8E65-F43AE6C17E81}" destId="{934164D2-1400-4809-8D9C-6CD21796E5E8}" srcOrd="1" destOrd="0" presId="urn:microsoft.com/office/officeart/2008/layout/AlternatingHexagons"/>
+    <dgm:cxn modelId="{69C2E5A4-2A2F-4540-BF7C-035CC8628E24}" type="presParOf" srcId="{A9B68956-7D81-467E-8E65-F43AE6C17E81}" destId="{2C573CC4-5B13-4878-AEBD-C54496349369}" srcOrd="2" destOrd="0" presId="urn:microsoft.com/office/officeart/2008/layout/AlternatingHexagons"/>
+    <dgm:cxn modelId="{83BD8694-16AE-4AFF-B1C5-DC382B63F97F}" type="presParOf" srcId="{A9B68956-7D81-467E-8E65-F43AE6C17E81}" destId="{A3B7F681-36FB-47FA-88B5-AB1D984DDFEE}" srcOrd="3" destOrd="0" presId="urn:microsoft.com/office/officeart/2008/layout/AlternatingHexagons"/>
+    <dgm:cxn modelId="{E0750D22-3A5A-4318-B0DF-B142233022A1}" type="presParOf" srcId="{A9B68956-7D81-467E-8E65-F43AE6C17E81}" destId="{2A984CC1-388A-4548-8DFC-6623B02B4C95}" srcOrd="4" destOrd="0" presId="urn:microsoft.com/office/officeart/2008/layout/AlternatingHexagons"/>
+    <dgm:cxn modelId="{525CA7FF-C4D2-4D39-BBA1-B429E900D3C4}" type="presParOf" srcId="{24AC4BD7-5C24-4A6C-9FF2-369390867F2A}" destId="{18927168-81CD-4972-98AD-B3CD37F0120F}" srcOrd="3" destOrd="0" presId="urn:microsoft.com/office/officeart/2008/layout/AlternatingHexagons"/>
+    <dgm:cxn modelId="{9A64961C-BC5E-4326-BAA7-58A766192A9E}" type="presParOf" srcId="{24AC4BD7-5C24-4A6C-9FF2-369390867F2A}" destId="{E95E8502-22A9-4798-9B1E-64229F88CF48}" srcOrd="4" destOrd="0" presId="urn:microsoft.com/office/officeart/2008/layout/AlternatingHexagons"/>
+    <dgm:cxn modelId="{DF43108D-440F-4DFA-A57C-10AF537E9FD4}" type="presParOf" srcId="{E95E8502-22A9-4798-9B1E-64229F88CF48}" destId="{FC85A97C-A954-4190-B804-D34567A35209}" srcOrd="0" destOrd="0" presId="urn:microsoft.com/office/officeart/2008/layout/AlternatingHexagons"/>
+    <dgm:cxn modelId="{F5D8104B-2A81-461F-B4A1-177D17F6A93A}" type="presParOf" srcId="{E95E8502-22A9-4798-9B1E-64229F88CF48}" destId="{C87BBA4C-BF32-4499-83F6-60BCA36072CA}" srcOrd="1" destOrd="0" presId="urn:microsoft.com/office/officeart/2008/layout/AlternatingHexagons"/>
+    <dgm:cxn modelId="{BCB55DDE-D65C-4299-A067-B4EF73B0B7BC}" type="presParOf" srcId="{E95E8502-22A9-4798-9B1E-64229F88CF48}" destId="{5FEB1BDF-3C9D-4ADE-A0F5-BBBFB12EC9DC}" srcOrd="2" destOrd="0" presId="urn:microsoft.com/office/officeart/2008/layout/AlternatingHexagons"/>
+    <dgm:cxn modelId="{63A32068-D94A-47B2-B56F-45B80BE543C5}" type="presParOf" srcId="{E95E8502-22A9-4798-9B1E-64229F88CF48}" destId="{BE467125-D392-4581-8348-C4EF26C128F4}" srcOrd="3" destOrd="0" presId="urn:microsoft.com/office/officeart/2008/layout/AlternatingHexagons"/>
+    <dgm:cxn modelId="{A2E9057C-4C40-464E-BC48-9549B30D95F1}" type="presParOf" srcId="{E95E8502-22A9-4798-9B1E-64229F88CF48}" destId="{3399DB17-8E72-4714-B973-127AEF83D307}" srcOrd="4" destOrd="0" presId="urn:microsoft.com/office/officeart/2008/layout/AlternatingHexagons"/>
+  </dgm:cxnLst>
+  <dgm:bg/>
+  <dgm:whole/>
+  <dgm:extLst>
+    <a:ext uri="http://schemas.microsoft.com/office/drawing/2008/diagram">
+      <dsp:dataModelExt xmlns:dsp="http://schemas.microsoft.com/office/drawing/2008/diagram" relId="rId8" minVer="http://schemas.openxmlformats.org/drawingml/2006/diagram"/>
+    </a:ext>
+  </dgm:extLst>
+</dgm:dataModel>
+</file>
+
+<file path=ppt/diagrams/data3.xml><?xml version="1.0" encoding="utf-8"?>
+<dgm:dataModel xmlns:dgm="http://schemas.openxmlformats.org/drawingml/2006/diagram" xmlns:a="http://schemas.openxmlformats.org/drawingml/2006/main">
+  <dgm:ptLst>
     <dgm:pt modelId="{10873D2B-C9FD-49C5-BC56-10ED29787AFE}" type="doc">
       <dgm:prSet loTypeId="urn:microsoft.com/office/officeart/2005/8/layout/hierarchy3" loCatId="hierarchy" qsTypeId="urn:microsoft.com/office/officeart/2005/8/quickstyle/simple2" qsCatId="simple" csTypeId="urn:microsoft.com/office/officeart/2005/8/colors/colorful2" csCatId="colorful" phldr="1"/>
       <dgm:spPr/>
@@ -3156,7 +4207,7 @@
 </dgm:dataModel>
 </file>
 
-<file path=ppt/diagrams/data3.xml><?xml version="1.0" encoding="utf-8"?>
+<file path=ppt/diagrams/data4.xml><?xml version="1.0" encoding="utf-8"?>
 <dgm:dataModel xmlns:dgm="http://schemas.openxmlformats.org/drawingml/2006/diagram" xmlns:a="http://schemas.openxmlformats.org/drawingml/2006/main">
   <dgm:ptLst>
     <dgm:pt modelId="{BA9CEAB5-C39F-4CD4-82E3-3426DDBA7B84}" type="doc">
@@ -3991,6 +5042,597 @@
       <dsp:cNvGrpSpPr/>
     </dsp:nvGrpSpPr>
     <dsp:grpSpPr/>
+    <dsp:sp modelId="{A9AAC90C-C6B5-4AD0-9344-D9E722A79976}">
+      <dsp:nvSpPr>
+        <dsp:cNvPr id="0" name=""/>
+        <dsp:cNvSpPr/>
+      </dsp:nvSpPr>
+      <dsp:spPr>
+        <a:xfrm rot="5400000">
+          <a:off x="2627153" y="1143902"/>
+          <a:ext cx="1725438" cy="1501131"/>
+        </a:xfrm>
+        <a:prstGeom prst="hexagon">
+          <a:avLst>
+            <a:gd name="adj" fmla="val 25000"/>
+            <a:gd name="vf" fmla="val 115470"/>
+          </a:avLst>
+        </a:prstGeom>
+        <a:solidFill>
+          <a:schemeClr val="accent1">
+            <a:hueOff val="0"/>
+            <a:satOff val="0"/>
+            <a:lumOff val="0"/>
+            <a:alphaOff val="0"/>
+          </a:schemeClr>
+        </a:solidFill>
+        <a:ln w="15875" cap="flat" cmpd="sng" algn="ctr">
+          <a:solidFill>
+            <a:schemeClr val="lt1">
+              <a:hueOff val="0"/>
+              <a:satOff val="0"/>
+              <a:lumOff val="0"/>
+              <a:alphaOff val="0"/>
+            </a:schemeClr>
+          </a:solidFill>
+          <a:prstDash val="solid"/>
+        </a:ln>
+        <a:effectLst/>
+      </dsp:spPr>
+      <dsp:style>
+        <a:lnRef idx="2">
+          <a:scrgbClr r="0" g="0" b="0"/>
+        </a:lnRef>
+        <a:fillRef idx="1">
+          <a:scrgbClr r="0" g="0" b="0"/>
+        </a:fillRef>
+        <a:effectRef idx="0">
+          <a:scrgbClr r="0" g="0" b="0"/>
+        </a:effectRef>
+        <a:fontRef idx="minor">
+          <a:schemeClr val="lt1"/>
+        </a:fontRef>
+      </dsp:style>
+      <dsp:txBody>
+        <a:bodyPr spcFirstLastPara="0" vert="horz" wrap="square" lIns="41910" tIns="41910" rIns="41910" bIns="41910" numCol="1" spcCol="1270" anchor="ctr" anchorCtr="0">
+          <a:noAutofit/>
+        </a:bodyPr>
+        <a:lstStyle/>
+        <a:p>
+          <a:pPr marL="0" lvl="0" indent="0" algn="ctr" defTabSz="488950">
+            <a:lnSpc>
+              <a:spcPct val="90000"/>
+            </a:lnSpc>
+            <a:spcBef>
+              <a:spcPct val="0"/>
+            </a:spcBef>
+            <a:spcAft>
+              <a:spcPct val="35000"/>
+            </a:spcAft>
+            <a:buNone/>
+          </a:pPr>
+          <a:r>
+            <a:rPr lang="fr-FR" sz="1100" kern="1200"/>
+            <a:t>Difficulté a gérer les réclamations</a:t>
+          </a:r>
+          <a:endParaRPr lang="en-US" sz="1100" kern="1200"/>
+        </a:p>
+      </dsp:txBody>
+      <dsp:txXfrm rot="-5400000">
+        <a:off x="2973232" y="1300630"/>
+        <a:ext cx="1033279" cy="1187676"/>
+      </dsp:txXfrm>
+    </dsp:sp>
+    <dsp:sp modelId="{692F510E-053D-43E9-885F-E1DADDA237C6}">
+      <dsp:nvSpPr>
+        <dsp:cNvPr id="0" name=""/>
+        <dsp:cNvSpPr/>
+      </dsp:nvSpPr>
+      <dsp:spPr>
+        <a:xfrm>
+          <a:off x="4285990" y="1376836"/>
+          <a:ext cx="1925589" cy="1035263"/>
+        </a:xfrm>
+        <a:prstGeom prst="rect">
+          <a:avLst/>
+        </a:prstGeom>
+        <a:noFill/>
+        <a:ln>
+          <a:noFill/>
+        </a:ln>
+        <a:effectLst/>
+      </dsp:spPr>
+      <dsp:style>
+        <a:lnRef idx="0">
+          <a:scrgbClr r="0" g="0" b="0"/>
+        </a:lnRef>
+        <a:fillRef idx="0">
+          <a:scrgbClr r="0" g="0" b="0"/>
+        </a:fillRef>
+        <a:effectRef idx="0">
+          <a:scrgbClr r="0" g="0" b="0"/>
+        </a:effectRef>
+        <a:fontRef idx="minor"/>
+      </dsp:style>
+    </dsp:sp>
+    <dsp:sp modelId="{79908860-FB9C-4942-B060-D9D8D7CABBC7}">
+      <dsp:nvSpPr>
+        <dsp:cNvPr id="0" name=""/>
+        <dsp:cNvSpPr/>
+      </dsp:nvSpPr>
+      <dsp:spPr>
+        <a:xfrm rot="5400000">
+          <a:off x="1005930" y="1143902"/>
+          <a:ext cx="1725438" cy="1501131"/>
+        </a:xfrm>
+        <a:prstGeom prst="hexagon">
+          <a:avLst>
+            <a:gd name="adj" fmla="val 25000"/>
+            <a:gd name="vf" fmla="val 115470"/>
+          </a:avLst>
+        </a:prstGeom>
+        <a:solidFill>
+          <a:schemeClr val="accent1">
+            <a:hueOff val="0"/>
+            <a:satOff val="0"/>
+            <a:lumOff val="0"/>
+            <a:alphaOff val="0"/>
+          </a:schemeClr>
+        </a:solidFill>
+        <a:ln w="15875" cap="flat" cmpd="sng" algn="ctr">
+          <a:solidFill>
+            <a:schemeClr val="lt1">
+              <a:hueOff val="0"/>
+              <a:satOff val="0"/>
+              <a:lumOff val="0"/>
+              <a:alphaOff val="0"/>
+            </a:schemeClr>
+          </a:solidFill>
+          <a:prstDash val="solid"/>
+        </a:ln>
+        <a:effectLst/>
+      </dsp:spPr>
+      <dsp:style>
+        <a:lnRef idx="2">
+          <a:scrgbClr r="0" g="0" b="0"/>
+        </a:lnRef>
+        <a:fillRef idx="1">
+          <a:scrgbClr r="0" g="0" b="0"/>
+        </a:fillRef>
+        <a:effectRef idx="0">
+          <a:scrgbClr r="0" g="0" b="0"/>
+        </a:effectRef>
+        <a:fontRef idx="minor">
+          <a:schemeClr val="lt1"/>
+        </a:fontRef>
+      </dsp:style>
+      <dsp:txBody>
+        <a:bodyPr spcFirstLastPara="0" vert="horz" wrap="square" lIns="0" tIns="0" rIns="0" bIns="0" numCol="1" spcCol="1270" anchor="ctr" anchorCtr="0">
+          <a:noAutofit/>
+        </a:bodyPr>
+        <a:lstStyle/>
+        <a:p>
+          <a:pPr marL="0" lvl="0" indent="0" algn="ctr" defTabSz="1600200">
+            <a:lnSpc>
+              <a:spcPct val="90000"/>
+            </a:lnSpc>
+            <a:spcBef>
+              <a:spcPct val="0"/>
+            </a:spcBef>
+            <a:spcAft>
+              <a:spcPct val="35000"/>
+            </a:spcAft>
+            <a:buNone/>
+          </a:pPr>
+          <a:r>
+            <a:rPr lang="en-US" sz="3600" kern="1200"/>
+            <a:t>01</a:t>
+          </a:r>
+        </a:p>
+      </dsp:txBody>
+      <dsp:txXfrm rot="-5400000">
+        <a:off x="1352009" y="1300630"/>
+        <a:ext cx="1033279" cy="1187676"/>
+      </dsp:txXfrm>
+    </dsp:sp>
+    <dsp:sp modelId="{7ABEA845-8C51-4BD0-8BD6-F8B389B74015}">
+      <dsp:nvSpPr>
+        <dsp:cNvPr id="0" name=""/>
+        <dsp:cNvSpPr/>
+      </dsp:nvSpPr>
+      <dsp:spPr>
+        <a:xfrm rot="5400000">
+          <a:off x="1813436" y="2608454"/>
+          <a:ext cx="1725438" cy="1501131"/>
+        </a:xfrm>
+        <a:prstGeom prst="hexagon">
+          <a:avLst>
+            <a:gd name="adj" fmla="val 25000"/>
+            <a:gd name="vf" fmla="val 115470"/>
+          </a:avLst>
+        </a:prstGeom>
+        <a:solidFill>
+          <a:schemeClr val="accent1">
+            <a:hueOff val="0"/>
+            <a:satOff val="0"/>
+            <a:lumOff val="0"/>
+            <a:alphaOff val="0"/>
+          </a:schemeClr>
+        </a:solidFill>
+        <a:ln w="15875" cap="flat" cmpd="sng" algn="ctr">
+          <a:solidFill>
+            <a:schemeClr val="lt1">
+              <a:hueOff val="0"/>
+              <a:satOff val="0"/>
+              <a:lumOff val="0"/>
+              <a:alphaOff val="0"/>
+            </a:schemeClr>
+          </a:solidFill>
+          <a:prstDash val="solid"/>
+        </a:ln>
+        <a:effectLst/>
+      </dsp:spPr>
+      <dsp:style>
+        <a:lnRef idx="2">
+          <a:scrgbClr r="0" g="0" b="0"/>
+        </a:lnRef>
+        <a:fillRef idx="1">
+          <a:scrgbClr r="0" g="0" b="0"/>
+        </a:fillRef>
+        <a:effectRef idx="0">
+          <a:scrgbClr r="0" g="0" b="0"/>
+        </a:effectRef>
+        <a:fontRef idx="minor">
+          <a:schemeClr val="lt1"/>
+        </a:fontRef>
+      </dsp:style>
+      <dsp:txBody>
+        <a:bodyPr spcFirstLastPara="0" vert="horz" wrap="square" lIns="41910" tIns="41910" rIns="41910" bIns="41910" numCol="1" spcCol="1270" anchor="ctr" anchorCtr="0">
+          <a:noAutofit/>
+        </a:bodyPr>
+        <a:lstStyle/>
+        <a:p>
+          <a:pPr marL="0" lvl="0" indent="0" algn="ctr" defTabSz="488950">
+            <a:lnSpc>
+              <a:spcPct val="90000"/>
+            </a:lnSpc>
+            <a:spcBef>
+              <a:spcPct val="0"/>
+            </a:spcBef>
+            <a:spcAft>
+              <a:spcPct val="35000"/>
+            </a:spcAft>
+            <a:buNone/>
+          </a:pPr>
+          <a:r>
+            <a:rPr lang="fr-FR" sz="1100" kern="1200"/>
+            <a:t>Pas d’endroit concret ou les visualiser facilement</a:t>
+          </a:r>
+          <a:endParaRPr lang="en-US" sz="1100" kern="1200"/>
+        </a:p>
+      </dsp:txBody>
+      <dsp:txXfrm rot="-5400000">
+        <a:off x="2159515" y="2765182"/>
+        <a:ext cx="1033279" cy="1187676"/>
+      </dsp:txXfrm>
+    </dsp:sp>
+    <dsp:sp modelId="{934164D2-1400-4809-8D9C-6CD21796E5E8}">
+      <dsp:nvSpPr>
+        <dsp:cNvPr id="0" name=""/>
+        <dsp:cNvSpPr/>
+      </dsp:nvSpPr>
+      <dsp:spPr>
+        <a:xfrm>
+          <a:off x="0" y="2841388"/>
+          <a:ext cx="1863474" cy="1035263"/>
+        </a:xfrm>
+        <a:prstGeom prst="rect">
+          <a:avLst/>
+        </a:prstGeom>
+        <a:noFill/>
+        <a:ln>
+          <a:noFill/>
+        </a:ln>
+        <a:effectLst/>
+      </dsp:spPr>
+      <dsp:style>
+        <a:lnRef idx="0">
+          <a:scrgbClr r="0" g="0" b="0"/>
+        </a:lnRef>
+        <a:fillRef idx="0">
+          <a:scrgbClr r="0" g="0" b="0"/>
+        </a:fillRef>
+        <a:effectRef idx="0">
+          <a:scrgbClr r="0" g="0" b="0"/>
+        </a:effectRef>
+        <a:fontRef idx="minor"/>
+      </dsp:style>
+    </dsp:sp>
+    <dsp:sp modelId="{2A984CC1-388A-4548-8DFC-6623B02B4C95}">
+      <dsp:nvSpPr>
+        <dsp:cNvPr id="0" name=""/>
+        <dsp:cNvSpPr/>
+      </dsp:nvSpPr>
+      <dsp:spPr>
+        <a:xfrm rot="5400000">
+          <a:off x="3434658" y="2608454"/>
+          <a:ext cx="1725438" cy="1501131"/>
+        </a:xfrm>
+        <a:prstGeom prst="hexagon">
+          <a:avLst>
+            <a:gd name="adj" fmla="val 25000"/>
+            <a:gd name="vf" fmla="val 115470"/>
+          </a:avLst>
+        </a:prstGeom>
+        <a:solidFill>
+          <a:schemeClr val="accent1">
+            <a:hueOff val="0"/>
+            <a:satOff val="0"/>
+            <a:lumOff val="0"/>
+            <a:alphaOff val="0"/>
+          </a:schemeClr>
+        </a:solidFill>
+        <a:ln w="15875" cap="flat" cmpd="sng" algn="ctr">
+          <a:solidFill>
+            <a:schemeClr val="lt1">
+              <a:hueOff val="0"/>
+              <a:satOff val="0"/>
+              <a:lumOff val="0"/>
+              <a:alphaOff val="0"/>
+            </a:schemeClr>
+          </a:solidFill>
+          <a:prstDash val="solid"/>
+        </a:ln>
+        <a:effectLst/>
+      </dsp:spPr>
+      <dsp:style>
+        <a:lnRef idx="2">
+          <a:scrgbClr r="0" g="0" b="0"/>
+        </a:lnRef>
+        <a:fillRef idx="1">
+          <a:scrgbClr r="0" g="0" b="0"/>
+        </a:fillRef>
+        <a:effectRef idx="0">
+          <a:scrgbClr r="0" g="0" b="0"/>
+        </a:effectRef>
+        <a:fontRef idx="minor">
+          <a:schemeClr val="lt1"/>
+        </a:fontRef>
+      </dsp:style>
+      <dsp:txBody>
+        <a:bodyPr spcFirstLastPara="0" vert="horz" wrap="square" lIns="0" tIns="0" rIns="0" bIns="0" numCol="1" spcCol="1270" anchor="ctr" anchorCtr="0">
+          <a:noAutofit/>
+        </a:bodyPr>
+        <a:lstStyle/>
+        <a:p>
+          <a:pPr marL="0" lvl="0" indent="0" algn="ctr" defTabSz="1600200">
+            <a:lnSpc>
+              <a:spcPct val="90000"/>
+            </a:lnSpc>
+            <a:spcBef>
+              <a:spcPct val="0"/>
+            </a:spcBef>
+            <a:spcAft>
+              <a:spcPct val="35000"/>
+            </a:spcAft>
+            <a:buNone/>
+          </a:pPr>
+          <a:r>
+            <a:rPr lang="en-US" sz="3600" kern="1200"/>
+            <a:t>02</a:t>
+          </a:r>
+        </a:p>
+      </dsp:txBody>
+      <dsp:txXfrm rot="-5400000">
+        <a:off x="3780737" y="2765182"/>
+        <a:ext cx="1033279" cy="1187676"/>
+      </dsp:txXfrm>
+    </dsp:sp>
+    <dsp:sp modelId="{FC85A97C-A954-4190-B804-D34567A35209}">
+      <dsp:nvSpPr>
+        <dsp:cNvPr id="0" name=""/>
+        <dsp:cNvSpPr/>
+      </dsp:nvSpPr>
+      <dsp:spPr>
+        <a:xfrm rot="5400000">
+          <a:off x="2627153" y="4073007"/>
+          <a:ext cx="1725438" cy="1501131"/>
+        </a:xfrm>
+        <a:prstGeom prst="hexagon">
+          <a:avLst>
+            <a:gd name="adj" fmla="val 25000"/>
+            <a:gd name="vf" fmla="val 115470"/>
+          </a:avLst>
+        </a:prstGeom>
+        <a:solidFill>
+          <a:schemeClr val="accent1">
+            <a:hueOff val="0"/>
+            <a:satOff val="0"/>
+            <a:lumOff val="0"/>
+            <a:alphaOff val="0"/>
+          </a:schemeClr>
+        </a:solidFill>
+        <a:ln w="15875" cap="flat" cmpd="sng" algn="ctr">
+          <a:solidFill>
+            <a:schemeClr val="lt1">
+              <a:hueOff val="0"/>
+              <a:satOff val="0"/>
+              <a:lumOff val="0"/>
+              <a:alphaOff val="0"/>
+            </a:schemeClr>
+          </a:solidFill>
+          <a:prstDash val="solid"/>
+        </a:ln>
+        <a:effectLst/>
+      </dsp:spPr>
+      <dsp:style>
+        <a:lnRef idx="2">
+          <a:scrgbClr r="0" g="0" b="0"/>
+        </a:lnRef>
+        <a:fillRef idx="1">
+          <a:scrgbClr r="0" g="0" b="0"/>
+        </a:fillRef>
+        <a:effectRef idx="0">
+          <a:scrgbClr r="0" g="0" b="0"/>
+        </a:effectRef>
+        <a:fontRef idx="minor">
+          <a:schemeClr val="lt1"/>
+        </a:fontRef>
+      </dsp:style>
+      <dsp:txBody>
+        <a:bodyPr spcFirstLastPara="0" vert="horz" wrap="square" lIns="41910" tIns="41910" rIns="41910" bIns="41910" numCol="1" spcCol="1270" anchor="ctr" anchorCtr="0">
+          <a:noAutofit/>
+        </a:bodyPr>
+        <a:lstStyle/>
+        <a:p>
+          <a:pPr marL="0" lvl="0" indent="0" algn="ctr" defTabSz="488950">
+            <a:lnSpc>
+              <a:spcPct val="90000"/>
+            </a:lnSpc>
+            <a:spcBef>
+              <a:spcPct val="0"/>
+            </a:spcBef>
+            <a:spcAft>
+              <a:spcPct val="35000"/>
+            </a:spcAft>
+            <a:buNone/>
+          </a:pPr>
+          <a:r>
+            <a:rPr lang="fr-FR" sz="1100" kern="1200"/>
+            <a:t>Centraliser commentaires et réclamations</a:t>
+          </a:r>
+          <a:endParaRPr lang="en-US" sz="1100" kern="1200"/>
+        </a:p>
+      </dsp:txBody>
+      <dsp:txXfrm rot="-5400000">
+        <a:off x="2973232" y="4229735"/>
+        <a:ext cx="1033279" cy="1187676"/>
+      </dsp:txXfrm>
+    </dsp:sp>
+    <dsp:sp modelId="{C87BBA4C-BF32-4499-83F6-60BCA36072CA}">
+      <dsp:nvSpPr>
+        <dsp:cNvPr id="0" name=""/>
+        <dsp:cNvSpPr/>
+      </dsp:nvSpPr>
+      <dsp:spPr>
+        <a:xfrm>
+          <a:off x="4285990" y="4305941"/>
+          <a:ext cx="1925589" cy="1035263"/>
+        </a:xfrm>
+        <a:prstGeom prst="rect">
+          <a:avLst/>
+        </a:prstGeom>
+        <a:noFill/>
+        <a:ln>
+          <a:noFill/>
+        </a:ln>
+        <a:effectLst/>
+      </dsp:spPr>
+      <dsp:style>
+        <a:lnRef idx="0">
+          <a:scrgbClr r="0" g="0" b="0"/>
+        </a:lnRef>
+        <a:fillRef idx="0">
+          <a:scrgbClr r="0" g="0" b="0"/>
+        </a:fillRef>
+        <a:effectRef idx="0">
+          <a:scrgbClr r="0" g="0" b="0"/>
+        </a:effectRef>
+        <a:fontRef idx="minor"/>
+      </dsp:style>
+    </dsp:sp>
+    <dsp:sp modelId="{3399DB17-8E72-4714-B973-127AEF83D307}">
+      <dsp:nvSpPr>
+        <dsp:cNvPr id="0" name=""/>
+        <dsp:cNvSpPr/>
+      </dsp:nvSpPr>
+      <dsp:spPr>
+        <a:xfrm rot="5400000">
+          <a:off x="1005930" y="4073007"/>
+          <a:ext cx="1725438" cy="1501131"/>
+        </a:xfrm>
+        <a:prstGeom prst="hexagon">
+          <a:avLst>
+            <a:gd name="adj" fmla="val 25000"/>
+            <a:gd name="vf" fmla="val 115470"/>
+          </a:avLst>
+        </a:prstGeom>
+        <a:solidFill>
+          <a:schemeClr val="accent1">
+            <a:hueOff val="0"/>
+            <a:satOff val="0"/>
+            <a:lumOff val="0"/>
+            <a:alphaOff val="0"/>
+          </a:schemeClr>
+        </a:solidFill>
+        <a:ln w="15875" cap="flat" cmpd="sng" algn="ctr">
+          <a:solidFill>
+            <a:schemeClr val="lt1">
+              <a:hueOff val="0"/>
+              <a:satOff val="0"/>
+              <a:lumOff val="0"/>
+              <a:alphaOff val="0"/>
+            </a:schemeClr>
+          </a:solidFill>
+          <a:prstDash val="solid"/>
+        </a:ln>
+        <a:effectLst/>
+      </dsp:spPr>
+      <dsp:style>
+        <a:lnRef idx="2">
+          <a:scrgbClr r="0" g="0" b="0"/>
+        </a:lnRef>
+        <a:fillRef idx="1">
+          <a:scrgbClr r="0" g="0" b="0"/>
+        </a:fillRef>
+        <a:effectRef idx="0">
+          <a:scrgbClr r="0" g="0" b="0"/>
+        </a:effectRef>
+        <a:fontRef idx="minor">
+          <a:schemeClr val="lt1"/>
+        </a:fontRef>
+      </dsp:style>
+      <dsp:txBody>
+        <a:bodyPr spcFirstLastPara="0" vert="horz" wrap="square" lIns="0" tIns="0" rIns="0" bIns="0" numCol="1" spcCol="1270" anchor="ctr" anchorCtr="0">
+          <a:noAutofit/>
+        </a:bodyPr>
+        <a:lstStyle/>
+        <a:p>
+          <a:pPr marL="0" lvl="0" indent="0" algn="ctr" defTabSz="1600200">
+            <a:lnSpc>
+              <a:spcPct val="90000"/>
+            </a:lnSpc>
+            <a:spcBef>
+              <a:spcPct val="0"/>
+            </a:spcBef>
+            <a:spcAft>
+              <a:spcPct val="35000"/>
+            </a:spcAft>
+            <a:buNone/>
+          </a:pPr>
+          <a:r>
+            <a:rPr lang="en-US" sz="3600" kern="1200"/>
+            <a:t>03</a:t>
+          </a:r>
+        </a:p>
+      </dsp:txBody>
+      <dsp:txXfrm rot="-5400000">
+        <a:off x="1352009" y="4229735"/>
+        <a:ext cx="1033279" cy="1187676"/>
+      </dsp:txXfrm>
+    </dsp:sp>
+  </dsp:spTree>
+</dsp:drawing>
+</file>
+
+<file path=ppt/diagrams/drawing3.xml><?xml version="1.0" encoding="utf-8"?>
+<dsp:drawing xmlns:dgm="http://schemas.openxmlformats.org/drawingml/2006/diagram" xmlns:dsp="http://schemas.microsoft.com/office/drawing/2008/diagram" xmlns:a="http://schemas.openxmlformats.org/drawingml/2006/main">
+  <dsp:spTree>
+    <dsp:nvGrpSpPr>
+      <dsp:cNvPr id="0" name=""/>
+      <dsp:cNvGrpSpPr/>
+    </dsp:nvGrpSpPr>
+    <dsp:grpSpPr/>
     <dsp:sp modelId="{395F444E-1FA8-441D-8122-1B5D5ADA43DF}">
       <dsp:nvSpPr>
         <dsp:cNvPr id="0" name=""/>
@@ -4279,7 +5921,7 @@
 </dsp:drawing>
 </file>
 
-<file path=ppt/diagrams/drawing3.xml><?xml version="1.0" encoding="utf-8"?>
+<file path=ppt/diagrams/drawing4.xml><?xml version="1.0" encoding="utf-8"?>
 <dsp:drawing xmlns:dgm="http://schemas.openxmlformats.org/drawingml/2006/diagram" xmlns:dsp="http://schemas.microsoft.com/office/drawing/2008/diagram" xmlns:a="http://schemas.openxmlformats.org/drawingml/2006/main">
   <dsp:spTree>
     <dsp:nvGrpSpPr>
@@ -4914,6 +6556,361 @@
 </file>
 
 <file path=ppt/diagrams/layout2.xml><?xml version="1.0" encoding="utf-8"?>
+<dgm:layoutDef xmlns:dgm="http://schemas.openxmlformats.org/drawingml/2006/diagram" xmlns:a="http://schemas.openxmlformats.org/drawingml/2006/main" uniqueId="urn:microsoft.com/office/officeart/2008/layout/AlternatingHexagons">
+  <dgm:title val=""/>
+  <dgm:desc val=""/>
+  <dgm:catLst>
+    <dgm:cat type="list" pri="1500"/>
+  </dgm:catLst>
+  <dgm:sampData>
+    <dgm:dataModel>
+      <dgm:ptLst>
+        <dgm:pt modelId="0" type="doc"/>
+        <dgm:pt modelId="10">
+          <dgm:prSet phldr="1"/>
+        </dgm:pt>
+        <dgm:pt modelId="11">
+          <dgm:prSet phldr="1"/>
+        </dgm:pt>
+        <dgm:pt modelId="20">
+          <dgm:prSet phldr="1"/>
+        </dgm:pt>
+        <dgm:pt modelId="21">
+          <dgm:prSet phldr="1"/>
+        </dgm:pt>
+        <dgm:pt modelId="30">
+          <dgm:prSet phldr="1"/>
+        </dgm:pt>
+        <dgm:pt modelId="31">
+          <dgm:prSet phldr="1"/>
+        </dgm:pt>
+      </dgm:ptLst>
+      <dgm:cxnLst>
+        <dgm:cxn modelId="40" srcId="0" destId="10" srcOrd="0" destOrd="0"/>
+        <dgm:cxn modelId="12" srcId="10" destId="11" srcOrd="0" destOrd="0"/>
+        <dgm:cxn modelId="50" srcId="0" destId="20" srcOrd="1" destOrd="0"/>
+        <dgm:cxn modelId="22" srcId="20" destId="21" srcOrd="0" destOrd="0"/>
+        <dgm:cxn modelId="60" srcId="0" destId="30" srcOrd="1" destOrd="0"/>
+        <dgm:cxn modelId="32" srcId="30" destId="31" srcOrd="0" destOrd="0"/>
+      </dgm:cxnLst>
+      <dgm:bg/>
+      <dgm:whole/>
+    </dgm:dataModel>
+  </dgm:sampData>
+  <dgm:styleData>
+    <dgm:dataModel>
+      <dgm:ptLst>
+        <dgm:pt modelId="0" type="doc"/>
+        <dgm:pt modelId="10">
+          <dgm:prSet phldr="1"/>
+        </dgm:pt>
+        <dgm:pt modelId="20">
+          <dgm:prSet phldr="1"/>
+        </dgm:pt>
+      </dgm:ptLst>
+      <dgm:cxnLst>
+        <dgm:cxn modelId="60" srcId="0" destId="10" srcOrd="0" destOrd="0"/>
+        <dgm:cxn modelId="70" srcId="0" destId="20" srcOrd="1" destOrd="0"/>
+      </dgm:cxnLst>
+      <dgm:bg/>
+      <dgm:whole/>
+    </dgm:dataModel>
+  </dgm:styleData>
+  <dgm:clrData>
+    <dgm:dataModel>
+      <dgm:ptLst>
+        <dgm:pt modelId="0" type="doc"/>
+        <dgm:pt modelId="10">
+          <dgm:prSet phldr="1"/>
+        </dgm:pt>
+        <dgm:pt modelId="20">
+          <dgm:prSet phldr="1"/>
+        </dgm:pt>
+        <dgm:pt modelId="30">
+          <dgm:prSet phldr="1"/>
+        </dgm:pt>
+        <dgm:pt modelId="40">
+          <dgm:prSet phldr="1"/>
+        </dgm:pt>
+      </dgm:ptLst>
+      <dgm:cxnLst>
+        <dgm:cxn modelId="60" srcId="0" destId="10" srcOrd="0" destOrd="0"/>
+        <dgm:cxn modelId="70" srcId="0" destId="20" srcOrd="1" destOrd="0"/>
+        <dgm:cxn modelId="80" srcId="0" destId="30" srcOrd="2" destOrd="0"/>
+        <dgm:cxn modelId="90" srcId="0" destId="40" srcOrd="3" destOrd="0"/>
+      </dgm:cxnLst>
+      <dgm:bg/>
+      <dgm:whole/>
+    </dgm:dataModel>
+  </dgm:clrData>
+  <dgm:layoutNode name="Name0">
+    <dgm:varLst>
+      <dgm:chMax/>
+      <dgm:chPref/>
+      <dgm:dir/>
+      <dgm:animLvl val="lvl"/>
+    </dgm:varLst>
+    <dgm:alg type="lin">
+      <dgm:param type="linDir" val="fromT"/>
+    </dgm:alg>
+    <dgm:shape xmlns:r="http://schemas.openxmlformats.org/officeDocument/2006/relationships" r:blip="">
+      <dgm:adjLst/>
+    </dgm:shape>
+    <dgm:constrLst>
+      <dgm:constr type="primFontSz" for="des" forName="Parent1" val="65"/>
+      <dgm:constr type="primFontSz" for="des" forName="Childtext1" refType="primFontSz" refFor="des" refForName="Parent1" op="lte"/>
+      <dgm:constr type="w" for="ch" forName="composite" refType="w"/>
+      <dgm:constr type="h" for="ch" forName="composite" refType="h"/>
+      <dgm:constr type="h" for="ch" forName="spaceBetweenRectangles" refType="w" refFor="ch" refForName="composite" fact="-0.042"/>
+      <dgm:constr type="sp" refType="h" refFor="ch" refForName="composite" op="equ" fact="0.1"/>
+    </dgm:constrLst>
+    <dgm:forEach name="nodesForEach" axis="ch" ptType="node">
+      <dgm:layoutNode name="composite">
+        <dgm:alg type="composite">
+          <dgm:param type="ar" val="3.6"/>
+        </dgm:alg>
+        <dgm:shape xmlns:r="http://schemas.openxmlformats.org/officeDocument/2006/relationships" r:blip="">
+          <dgm:adjLst/>
+        </dgm:shape>
+        <dgm:choose name="Name1">
+          <dgm:if name="Name2" func="var" arg="dir" op="equ" val="norm">
+            <dgm:choose name="Name3">
+              <dgm:if name="Name4" axis="self" ptType="node" func="posOdd" op="equ" val="1">
+                <dgm:constrLst>
+                  <dgm:constr type="l" for="ch" forName="Accent1" refType="w" fact="0.18"/>
+                  <dgm:constr type="t" for="ch" forName="Accent1" refType="h" fact="0"/>
+                  <dgm:constr type="h" for="ch" forName="Accent1" refType="h"/>
+                  <dgm:constr type="w" for="ch" forName="Accent1" refType="h" fact="0.87"/>
+                  <dgm:constr type="l" for="ch" forName="Accent1Text" refType="w" fact="0.18"/>
+                  <dgm:constr type="t" for="ch" forName="Accent1Text" refType="h" fact="0"/>
+                  <dgm:constr type="h" for="ch" forName="Accent1Text" refType="h"/>
+                  <dgm:constr type="w" for="ch" forName="Accent1Text" refType="h" fact="0.87"/>
+                  <dgm:constr type="l" for="ch" forName="Parent1" refType="w" fact="0.441"/>
+                  <dgm:constr type="t" for="ch" forName="Parent1" refType="h" fact="0"/>
+                  <dgm:constr type="h" for="ch" forName="Parent1" refType="h"/>
+                  <dgm:constr type="w" for="ch" forName="Parent1" refType="h" fact="0.87"/>
+                  <dgm:constr type="l" for="ch" forName="Childtext1" refType="w" fact="0.69"/>
+                  <dgm:constr type="t" for="ch" forName="Childtext1" refType="h" fact="0.2"/>
+                  <dgm:constr type="w" for="ch" forName="Childtext1" refType="w" fact="0.31"/>
+                  <dgm:constr type="h" for="ch" forName="Childtext1" refType="h" fact="0.6"/>
+                  <dgm:constr type="l" for="ch" forName="BalanceSpacing" refType="w" fact="0"/>
+                  <dgm:constr type="t" for="ch" forName="BalanceSpacing" refType="h" fact="0"/>
+                  <dgm:constr type="w" for="ch" forName="BalanceSpacing" refType="w"/>
+                  <dgm:constr type="h" for="ch" forName="BalanceSpacing" refType="h" fact="0.1"/>
+                  <dgm:constr type="l" for="ch" forName="BalanceSpacing1" refType="w" fact="0.69"/>
+                  <dgm:constr type="t" for="ch" forName="BalanceSpacing1" refType="h" fact="0.2"/>
+                  <dgm:constr type="w" for="ch" forName="BalanceSpacing1" refType="w" fact="0.31"/>
+                  <dgm:constr type="h" for="ch" forName="BalanceSpacing1" refType="h" fact="0.6"/>
+                </dgm:constrLst>
+              </dgm:if>
+              <dgm:else name="Name5">
+                <dgm:constrLst>
+                  <dgm:constr type="l" for="ch" forName="Accent1" refType="w" fact="0.571"/>
+                  <dgm:constr type="t" for="ch" forName="Accent1" refType="h" fact="0"/>
+                  <dgm:constr type="h" for="ch" forName="Accent1" refType="h"/>
+                  <dgm:constr type="w" for="ch" forName="Accent1" refType="h" fact="0.87"/>
+                  <dgm:constr type="l" for="ch" forName="Accent1Text" refType="w" fact="0.571"/>
+                  <dgm:constr type="t" for="ch" forName="Accent1Text" refType="h" fact="0"/>
+                  <dgm:constr type="h" for="ch" forName="Accent1Text" refType="h"/>
+                  <dgm:constr type="w" for="ch" forName="Accent1Text" refType="h" fact="0.87"/>
+                  <dgm:constr type="l" for="ch" forName="Parent1" refType="w" fact="0.31"/>
+                  <dgm:constr type="t" for="ch" forName="Parent1" refType="h" fact="0"/>
+                  <dgm:constr type="h" for="ch" forName="Parent1" refType="h"/>
+                  <dgm:constr type="w" for="ch" forName="Parent1" refType="h" fact="0.87"/>
+                  <dgm:constr type="l" for="ch" forName="Childtext1" refType="w" fact="0"/>
+                  <dgm:constr type="t" for="ch" forName="Childtext1" refType="h" fact="0.2"/>
+                  <dgm:constr type="w" for="ch" forName="Childtext1" refType="w" fact="0.3"/>
+                  <dgm:constr type="h" for="ch" forName="Childtext1" refType="h" fact="0.6"/>
+                  <dgm:constr type="l" for="ch" forName="BalanceSpacing" refType="w" fact="0.82"/>
+                  <dgm:constr type="t" for="ch" forName="BalanceSpacing" refType="h" fact="0"/>
+                  <dgm:constr type="w" for="ch" forName="BalanceSpacing" refType="w" fact="0.18"/>
+                  <dgm:constr type="h" for="ch" forName="BalanceSpacing" refType="h"/>
+                  <dgm:constr type="l" for="ch" forName="BalanceSpacing1" refType="w" fact="0"/>
+                  <dgm:constr type="t" for="ch" forName="BalanceSpacing1" refType="h" fact="0.2"/>
+                  <dgm:constr type="w" for="ch" forName="BalanceSpacing1" refType="w" fact="0.3"/>
+                  <dgm:constr type="h" for="ch" forName="BalanceSpacing1" refType="h" fact="0.6"/>
+                </dgm:constrLst>
+              </dgm:else>
+            </dgm:choose>
+          </dgm:if>
+          <dgm:else name="Name6">
+            <dgm:choose name="Name7">
+              <dgm:if name="Name8" axis="self" ptType="node" func="posOdd" op="equ" val="1">
+                <dgm:constrLst>
+                  <dgm:constr type="l" for="ch" forName="Accent1" refType="w" fact="0.571"/>
+                  <dgm:constr type="t" for="ch" forName="Accent1" refType="h" fact="0"/>
+                  <dgm:constr type="h" for="ch" forName="Accent1" refType="h"/>
+                  <dgm:constr type="w" for="ch" forName="Accent1" refType="h" fact="0.87"/>
+                  <dgm:constr type="l" for="ch" forName="Accent1Text" refType="w" fact="0.571"/>
+                  <dgm:constr type="t" for="ch" forName="Accent1Text" refType="h" fact="0"/>
+                  <dgm:constr type="h" for="ch" forName="Accent1Text" refType="h"/>
+                  <dgm:constr type="w" for="ch" forName="Accent1Text" refType="h" fact="0.87"/>
+                  <dgm:constr type="l" for="ch" forName="Parent1" refType="w" fact="0.31"/>
+                  <dgm:constr type="t" for="ch" forName="Parent1" refType="h" fact="0"/>
+                  <dgm:constr type="h" for="ch" forName="Parent1" refType="h"/>
+                  <dgm:constr type="w" for="ch" forName="Parent1" refType="h" fact="0.87"/>
+                  <dgm:constr type="l" for="ch" forName="Childtext1" refType="w" fact="0"/>
+                  <dgm:constr type="t" for="ch" forName="Childtext1" refType="h" fact="0.2"/>
+                  <dgm:constr type="w" for="ch" forName="Childtext1" refType="w" fact="0.3"/>
+                  <dgm:constr type="h" for="ch" forName="Childtext1" refType="h" fact="0.6"/>
+                  <dgm:constr type="l" for="ch" forName="BalanceSpacing" refType="w" fact="0.82"/>
+                  <dgm:constr type="t" for="ch" forName="BalanceSpacing" refType="h" fact="0"/>
+                  <dgm:constr type="w" for="ch" forName="BalanceSpacing" refType="w" fact="0.18"/>
+                  <dgm:constr type="h" for="ch" forName="BalanceSpacing" refType="h"/>
+                </dgm:constrLst>
+              </dgm:if>
+              <dgm:else name="Name9">
+                <dgm:constrLst>
+                  <dgm:constr type="l" for="ch" forName="Accent1" refType="w" fact="0.18"/>
+                  <dgm:constr type="t" for="ch" forName="Accent1" refType="h" fact="0"/>
+                  <dgm:constr type="h" for="ch" forName="Accent1" refType="h"/>
+                  <dgm:constr type="w" for="ch" forName="Accent1" refType="h" fact="0.87"/>
+                  <dgm:constr type="l" for="ch" forName="Accent1Text" refType="w" fact="0.18"/>
+                  <dgm:constr type="t" for="ch" forName="Accent1Text" refType="h" fact="0"/>
+                  <dgm:constr type="h" for="ch" forName="Accent1Text" refType="h"/>
+                  <dgm:constr type="w" for="ch" forName="Accent1Text" refType="h" fact="0.87"/>
+                  <dgm:constr type="l" for="ch" forName="Parent1" refType="w" fact="0.441"/>
+                  <dgm:constr type="t" for="ch" forName="Parent1" refType="h" fact="0"/>
+                  <dgm:constr type="h" for="ch" forName="Parent1" refType="h"/>
+                  <dgm:constr type="w" for="ch" forName="Parent1" refType="h" fact="0.87"/>
+                  <dgm:constr type="l" for="ch" forName="Childtext1" refType="w" fact="0.69"/>
+                  <dgm:constr type="t" for="ch" forName="Childtext1" refType="h" fact="0.2"/>
+                  <dgm:constr type="w" for="ch" forName="Childtext1" refType="w" fact="0.31"/>
+                  <dgm:constr type="h" for="ch" forName="Childtext1" refType="h" fact="0.6"/>
+                  <dgm:constr type="l" for="ch" forName="BalanceSpacing" refType="w" fact="0"/>
+                  <dgm:constr type="t" for="ch" forName="BalanceSpacing" refType="h" fact="0"/>
+                  <dgm:constr type="w" for="ch" forName="BalanceSpacing" refType="w" fact="0.18"/>
+                  <dgm:constr type="h" for="ch" forName="BalanceSpacing" refType="h"/>
+                </dgm:constrLst>
+              </dgm:else>
+            </dgm:choose>
+          </dgm:else>
+        </dgm:choose>
+        <dgm:layoutNode name="Parent1" styleLbl="node1">
+          <dgm:varLst>
+            <dgm:chMax val="1"/>
+            <dgm:chPref val="1"/>
+            <dgm:bulletEnabled val="1"/>
+          </dgm:varLst>
+          <dgm:alg type="tx"/>
+          <dgm:shape xmlns:r="http://schemas.openxmlformats.org/officeDocument/2006/relationships" rot="90" type="hexagon" r:blip="">
+            <dgm:adjLst>
+              <dgm:adj idx="1" val="0.25"/>
+              <dgm:adj idx="2" val="1.1547"/>
+            </dgm:adjLst>
+          </dgm:shape>
+          <dgm:presOf axis="self" ptType="node"/>
+          <dgm:constrLst>
+            <dgm:constr type="lMarg" refType="primFontSz" fact="0.3"/>
+            <dgm:constr type="rMarg" refType="primFontSz" fact="0.3"/>
+            <dgm:constr type="tMarg" refType="primFontSz" fact="0.3"/>
+            <dgm:constr type="bMarg" refType="primFontSz" fact="0.3"/>
+          </dgm:constrLst>
+          <dgm:ruleLst>
+            <dgm:rule type="primFontSz" val="5" fact="NaN" max="NaN"/>
+          </dgm:ruleLst>
+        </dgm:layoutNode>
+        <dgm:layoutNode name="Childtext1" styleLbl="revTx">
+          <dgm:varLst>
+            <dgm:chMax val="0"/>
+            <dgm:chPref val="0"/>
+            <dgm:bulletEnabled val="1"/>
+          </dgm:varLst>
+          <dgm:choose name="Name10">
+            <dgm:if name="Name11" func="var" arg="dir" op="equ" val="norm">
+              <dgm:choose name="Name12">
+                <dgm:if name="Name13" axis="self" ptType="node" func="posOdd" op="equ" val="1">
+                  <dgm:alg type="tx">
+                    <dgm:param type="parTxLTRAlign" val="l"/>
+                  </dgm:alg>
+                </dgm:if>
+                <dgm:else name="Name14">
+                  <dgm:alg type="tx">
+                    <dgm:param type="parTxLTRAlign" val="r"/>
+                  </dgm:alg>
+                </dgm:else>
+              </dgm:choose>
+            </dgm:if>
+            <dgm:else name="Name15">
+              <dgm:choose name="Name16">
+                <dgm:if name="Name17" axis="self" ptType="node" func="posOdd" op="equ" val="1">
+                  <dgm:alg type="tx">
+                    <dgm:param type="parTxLTRAlign" val="r"/>
+                  </dgm:alg>
+                </dgm:if>
+                <dgm:else name="Name18">
+                  <dgm:alg type="tx">
+                    <dgm:param type="parTxLTRAlign" val="l"/>
+                  </dgm:alg>
+                </dgm:else>
+              </dgm:choose>
+            </dgm:else>
+          </dgm:choose>
+          <dgm:shape xmlns:r="http://schemas.openxmlformats.org/officeDocument/2006/relationships" type="rect" r:blip="">
+            <dgm:adjLst/>
+          </dgm:shape>
+          <dgm:presOf axis="des" ptType="node"/>
+          <dgm:constrLst>
+            <dgm:constr type="lMarg" refType="primFontSz" fact="0.3"/>
+            <dgm:constr type="rMarg" refType="primFontSz" fact="0.3"/>
+            <dgm:constr type="tMarg" refType="primFontSz" fact="0.3"/>
+            <dgm:constr type="bMarg" refType="primFontSz" fact="0.3"/>
+          </dgm:constrLst>
+          <dgm:ruleLst>
+            <dgm:rule type="primFontSz" val="5" fact="NaN" max="NaN"/>
+          </dgm:ruleLst>
+        </dgm:layoutNode>
+        <dgm:layoutNode name="BalanceSpacing">
+          <dgm:alg type="sp"/>
+          <dgm:shape xmlns:r="http://schemas.openxmlformats.org/officeDocument/2006/relationships" r:blip="">
+            <dgm:adjLst/>
+          </dgm:shape>
+        </dgm:layoutNode>
+        <dgm:layoutNode name="BalanceSpacing1">
+          <dgm:alg type="sp"/>
+          <dgm:shape xmlns:r="http://schemas.openxmlformats.org/officeDocument/2006/relationships" r:blip="">
+            <dgm:adjLst/>
+          </dgm:shape>
+        </dgm:layoutNode>
+        <dgm:forEach name="Name19" axis="followSib" ptType="sibTrans" hideLastTrans="0" cnt="1">
+          <dgm:layoutNode name="Accent1Text" styleLbl="node1">
+            <dgm:alg type="tx"/>
+            <dgm:shape xmlns:r="http://schemas.openxmlformats.org/officeDocument/2006/relationships" rot="90" type="hexagon" r:blip="">
+              <dgm:adjLst>
+                <dgm:adj idx="1" val="0.25"/>
+                <dgm:adj idx="2" val="1.1547"/>
+              </dgm:adjLst>
+            </dgm:shape>
+            <dgm:presOf axis="self" ptType="sibTrans"/>
+            <dgm:constrLst>
+              <dgm:constr type="lMarg"/>
+              <dgm:constr type="rMarg"/>
+              <dgm:constr type="tMarg"/>
+              <dgm:constr type="bMarg"/>
+            </dgm:constrLst>
+            <dgm:ruleLst>
+              <dgm:rule type="primFontSz" val="5" fact="NaN" max="NaN"/>
+            </dgm:ruleLst>
+          </dgm:layoutNode>
+        </dgm:forEach>
+      </dgm:layoutNode>
+      <dgm:forEach name="Name20" axis="followSib" ptType="sibTrans" cnt="1">
+        <dgm:layoutNode name="spaceBetweenRectangles">
+          <dgm:alg type="sp"/>
+          <dgm:shape xmlns:r="http://schemas.openxmlformats.org/officeDocument/2006/relationships" r:blip="">
+            <dgm:adjLst/>
+          </dgm:shape>
+          <dgm:presOf/>
+          <dgm:constrLst/>
+          <dgm:ruleLst/>
+        </dgm:layoutNode>
+      </dgm:forEach>
+    </dgm:forEach>
+  </dgm:layoutNode>
+</dgm:layoutDef>
+</file>
+
+<file path=ppt/diagrams/layout3.xml><?xml version="1.0" encoding="utf-8"?>
 <dgm:layoutDef xmlns:dgm="http://schemas.openxmlformats.org/drawingml/2006/diagram" xmlns:a="http://schemas.openxmlformats.org/drawingml/2006/main" uniqueId="urn:microsoft.com/office/officeart/2005/8/layout/hierarchy3">
   <dgm:title val=""/>
   <dgm:desc val=""/>
@@ -5205,7 +7202,7 @@
 </dgm:layoutDef>
 </file>
 
-<file path=ppt/diagrams/layout3.xml><?xml version="1.0" encoding="utf-8"?>
+<file path=ppt/diagrams/layout4.xml><?xml version="1.0" encoding="utf-8"?>
 <dgm:layoutDef xmlns:dgm="http://schemas.openxmlformats.org/drawingml/2006/diagram" xmlns:a="http://schemas.openxmlformats.org/drawingml/2006/main" uniqueId="urn:microsoft.com/office/officeart/2005/8/layout/matrix3">
   <dgm:title val=""/>
   <dgm:desc val=""/>
@@ -6459,6 +8456,1040 @@
 </file>
 
 <file path=ppt/diagrams/quickStyle2.xml><?xml version="1.0" encoding="utf-8"?>
+<dgm:styleDef xmlns:dgm="http://schemas.openxmlformats.org/drawingml/2006/diagram" xmlns:a="http://schemas.openxmlformats.org/drawingml/2006/main" uniqueId="urn:microsoft.com/office/officeart/2005/8/quickstyle/simple1">
+  <dgm:title val=""/>
+  <dgm:desc val=""/>
+  <dgm:catLst>
+    <dgm:cat type="simple" pri="10100"/>
+  </dgm:catLst>
+  <dgm:scene3d>
+    <a:camera prst="orthographicFront"/>
+    <a:lightRig rig="threePt" dir="t"/>
+  </dgm:scene3d>
+  <dgm:styleLbl name="node0">
+    <dgm:scene3d>
+      <a:camera prst="orthographicFront"/>
+      <a:lightRig rig="threePt" dir="t"/>
+    </dgm:scene3d>
+    <dgm:sp3d/>
+    <dgm:txPr/>
+    <dgm:style>
+      <a:lnRef idx="2">
+        <a:scrgbClr r="0" g="0" b="0"/>
+      </a:lnRef>
+      <a:fillRef idx="1">
+        <a:scrgbClr r="0" g="0" b="0"/>
+      </a:fillRef>
+      <a:effectRef idx="0">
+        <a:scrgbClr r="0" g="0" b="0"/>
+      </a:effectRef>
+      <a:fontRef idx="minor">
+        <a:schemeClr val="lt1"/>
+      </a:fontRef>
+    </dgm:style>
+  </dgm:styleLbl>
+  <dgm:styleLbl name="lnNode1">
+    <dgm:scene3d>
+      <a:camera prst="orthographicFront"/>
+      <a:lightRig rig="threePt" dir="t"/>
+    </dgm:scene3d>
+    <dgm:sp3d/>
+    <dgm:txPr/>
+    <dgm:style>
+      <a:lnRef idx="2">
+        <a:scrgbClr r="0" g="0" b="0"/>
+      </a:lnRef>
+      <a:fillRef idx="1">
+        <a:scrgbClr r="0" g="0" b="0"/>
+      </a:fillRef>
+      <a:effectRef idx="0">
+        <a:scrgbClr r="0" g="0" b="0"/>
+      </a:effectRef>
+      <a:fontRef idx="minor">
+        <a:schemeClr val="lt1"/>
+      </a:fontRef>
+    </dgm:style>
+  </dgm:styleLbl>
+  <dgm:styleLbl name="vennNode1">
+    <dgm:scene3d>
+      <a:camera prst="orthographicFront"/>
+      <a:lightRig rig="threePt" dir="t"/>
+    </dgm:scene3d>
+    <dgm:sp3d/>
+    <dgm:txPr/>
+    <dgm:style>
+      <a:lnRef idx="2">
+        <a:scrgbClr r="0" g="0" b="0"/>
+      </a:lnRef>
+      <a:fillRef idx="1">
+        <a:scrgbClr r="0" g="0" b="0"/>
+      </a:fillRef>
+      <a:effectRef idx="0">
+        <a:scrgbClr r="0" g="0" b="0"/>
+      </a:effectRef>
+      <a:fontRef idx="minor">
+        <a:schemeClr val="tx1"/>
+      </a:fontRef>
+    </dgm:style>
+  </dgm:styleLbl>
+  <dgm:styleLbl name="alignNode1">
+    <dgm:scene3d>
+      <a:camera prst="orthographicFront"/>
+      <a:lightRig rig="threePt" dir="t"/>
+    </dgm:scene3d>
+    <dgm:sp3d/>
+    <dgm:txPr/>
+    <dgm:style>
+      <a:lnRef idx="2">
+        <a:scrgbClr r="0" g="0" b="0"/>
+      </a:lnRef>
+      <a:fillRef idx="1">
+        <a:scrgbClr r="0" g="0" b="0"/>
+      </a:fillRef>
+      <a:effectRef idx="0">
+        <a:scrgbClr r="0" g="0" b="0"/>
+      </a:effectRef>
+      <a:fontRef idx="minor">
+        <a:schemeClr val="lt1"/>
+      </a:fontRef>
+    </dgm:style>
+  </dgm:styleLbl>
+  <dgm:styleLbl name="node1">
+    <dgm:scene3d>
+      <a:camera prst="orthographicFront"/>
+      <a:lightRig rig="threePt" dir="t"/>
+    </dgm:scene3d>
+    <dgm:sp3d/>
+    <dgm:txPr/>
+    <dgm:style>
+      <a:lnRef idx="2">
+        <a:scrgbClr r="0" g="0" b="0"/>
+      </a:lnRef>
+      <a:fillRef idx="1">
+        <a:scrgbClr r="0" g="0" b="0"/>
+      </a:fillRef>
+      <a:effectRef idx="0">
+        <a:scrgbClr r="0" g="0" b="0"/>
+      </a:effectRef>
+      <a:fontRef idx="minor">
+        <a:schemeClr val="lt1"/>
+      </a:fontRef>
+    </dgm:style>
+  </dgm:styleLbl>
+  <dgm:styleLbl name="node2">
+    <dgm:scene3d>
+      <a:camera prst="orthographicFront"/>
+      <a:lightRig rig="threePt" dir="t"/>
+    </dgm:scene3d>
+    <dgm:sp3d/>
+    <dgm:txPr/>
+    <dgm:style>
+      <a:lnRef idx="2">
+        <a:scrgbClr r="0" g="0" b="0"/>
+      </a:lnRef>
+      <a:fillRef idx="1">
+        <a:scrgbClr r="0" g="0" b="0"/>
+      </a:fillRef>
+      <a:effectRef idx="0">
+        <a:scrgbClr r="0" g="0" b="0"/>
+      </a:effectRef>
+      <a:fontRef idx="minor">
+        <a:schemeClr val="lt1"/>
+      </a:fontRef>
+    </dgm:style>
+  </dgm:styleLbl>
+  <dgm:styleLbl name="node3">
+    <dgm:scene3d>
+      <a:camera prst="orthographicFront"/>
+      <a:lightRig rig="threePt" dir="t"/>
+    </dgm:scene3d>
+    <dgm:sp3d/>
+    <dgm:txPr/>
+    <dgm:style>
+      <a:lnRef idx="2">
+        <a:scrgbClr r="0" g="0" b="0"/>
+      </a:lnRef>
+      <a:fillRef idx="1">
+        <a:scrgbClr r="0" g="0" b="0"/>
+      </a:fillRef>
+      <a:effectRef idx="0">
+        <a:scrgbClr r="0" g="0" b="0"/>
+      </a:effectRef>
+      <a:fontRef idx="minor">
+        <a:schemeClr val="lt1"/>
+      </a:fontRef>
+    </dgm:style>
+  </dgm:styleLbl>
+  <dgm:styleLbl name="node4">
+    <dgm:scene3d>
+      <a:camera prst="orthographicFront"/>
+      <a:lightRig rig="threePt" dir="t"/>
+    </dgm:scene3d>
+    <dgm:sp3d/>
+    <dgm:txPr/>
+    <dgm:style>
+      <a:lnRef idx="2">
+        <a:scrgbClr r="0" g="0" b="0"/>
+      </a:lnRef>
+      <a:fillRef idx="1">
+        <a:scrgbClr r="0" g="0" b="0"/>
+      </a:fillRef>
+      <a:effectRef idx="0">
+        <a:scrgbClr r="0" g="0" b="0"/>
+      </a:effectRef>
+      <a:fontRef idx="minor">
+        <a:schemeClr val="lt1"/>
+      </a:fontRef>
+    </dgm:style>
+  </dgm:styleLbl>
+  <dgm:styleLbl name="fgImgPlace1">
+    <dgm:scene3d>
+      <a:camera prst="orthographicFront"/>
+      <a:lightRig rig="threePt" dir="t"/>
+    </dgm:scene3d>
+    <dgm:sp3d/>
+    <dgm:txPr/>
+    <dgm:style>
+      <a:lnRef idx="2">
+        <a:scrgbClr r="0" g="0" b="0"/>
+      </a:lnRef>
+      <a:fillRef idx="1">
+        <a:scrgbClr r="0" g="0" b="0"/>
+      </a:fillRef>
+      <a:effectRef idx="0">
+        <a:scrgbClr r="0" g="0" b="0"/>
+      </a:effectRef>
+      <a:fontRef idx="minor"/>
+    </dgm:style>
+  </dgm:styleLbl>
+  <dgm:styleLbl name="alignImgPlace1">
+    <dgm:scene3d>
+      <a:camera prst="orthographicFront"/>
+      <a:lightRig rig="threePt" dir="t"/>
+    </dgm:scene3d>
+    <dgm:sp3d/>
+    <dgm:txPr/>
+    <dgm:style>
+      <a:lnRef idx="2">
+        <a:scrgbClr r="0" g="0" b="0"/>
+      </a:lnRef>
+      <a:fillRef idx="1">
+        <a:scrgbClr r="0" g="0" b="0"/>
+      </a:fillRef>
+      <a:effectRef idx="0">
+        <a:scrgbClr r="0" g="0" b="0"/>
+      </a:effectRef>
+      <a:fontRef idx="minor"/>
+    </dgm:style>
+  </dgm:styleLbl>
+  <dgm:styleLbl name="bgImgPlace1">
+    <dgm:scene3d>
+      <a:camera prst="orthographicFront"/>
+      <a:lightRig rig="threePt" dir="t"/>
+    </dgm:scene3d>
+    <dgm:sp3d/>
+    <dgm:txPr/>
+    <dgm:style>
+      <a:lnRef idx="2">
+        <a:scrgbClr r="0" g="0" b="0"/>
+      </a:lnRef>
+      <a:fillRef idx="1">
+        <a:scrgbClr r="0" g="0" b="0"/>
+      </a:fillRef>
+      <a:effectRef idx="0">
+        <a:scrgbClr r="0" g="0" b="0"/>
+      </a:effectRef>
+      <a:fontRef idx="minor"/>
+    </dgm:style>
+  </dgm:styleLbl>
+  <dgm:styleLbl name="sibTrans2D1">
+    <dgm:scene3d>
+      <a:camera prst="orthographicFront"/>
+      <a:lightRig rig="threePt" dir="t"/>
+    </dgm:scene3d>
+    <dgm:sp3d/>
+    <dgm:txPr/>
+    <dgm:style>
+      <a:lnRef idx="0">
+        <a:scrgbClr r="0" g="0" b="0"/>
+      </a:lnRef>
+      <a:fillRef idx="1">
+        <a:scrgbClr r="0" g="0" b="0"/>
+      </a:fillRef>
+      <a:effectRef idx="0">
+        <a:scrgbClr r="0" g="0" b="0"/>
+      </a:effectRef>
+      <a:fontRef idx="minor">
+        <a:schemeClr val="lt1"/>
+      </a:fontRef>
+    </dgm:style>
+  </dgm:styleLbl>
+  <dgm:styleLbl name="fgSibTrans2D1">
+    <dgm:scene3d>
+      <a:camera prst="orthographicFront"/>
+      <a:lightRig rig="threePt" dir="t"/>
+    </dgm:scene3d>
+    <dgm:sp3d/>
+    <dgm:txPr/>
+    <dgm:style>
+      <a:lnRef idx="0">
+        <a:scrgbClr r="0" g="0" b="0"/>
+      </a:lnRef>
+      <a:fillRef idx="1">
+        <a:scrgbClr r="0" g="0" b="0"/>
+      </a:fillRef>
+      <a:effectRef idx="0">
+        <a:scrgbClr r="0" g="0" b="0"/>
+      </a:effectRef>
+      <a:fontRef idx="minor">
+        <a:schemeClr val="lt1"/>
+      </a:fontRef>
+    </dgm:style>
+  </dgm:styleLbl>
+  <dgm:styleLbl name="bgSibTrans2D1">
+    <dgm:scene3d>
+      <a:camera prst="orthographicFront"/>
+      <a:lightRig rig="threePt" dir="t"/>
+    </dgm:scene3d>
+    <dgm:sp3d/>
+    <dgm:txPr/>
+    <dgm:style>
+      <a:lnRef idx="0">
+        <a:scrgbClr r="0" g="0" b="0"/>
+      </a:lnRef>
+      <a:fillRef idx="1">
+        <a:scrgbClr r="0" g="0" b="0"/>
+      </a:fillRef>
+      <a:effectRef idx="0">
+        <a:scrgbClr r="0" g="0" b="0"/>
+      </a:effectRef>
+      <a:fontRef idx="minor">
+        <a:schemeClr val="lt1"/>
+      </a:fontRef>
+    </dgm:style>
+  </dgm:styleLbl>
+  <dgm:styleLbl name="sibTrans1D1">
+    <dgm:scene3d>
+      <a:camera prst="orthographicFront"/>
+      <a:lightRig rig="threePt" dir="t"/>
+    </dgm:scene3d>
+    <dgm:sp3d/>
+    <dgm:txPr/>
+    <dgm:style>
+      <a:lnRef idx="1">
+        <a:scrgbClr r="0" g="0" b="0"/>
+      </a:lnRef>
+      <a:fillRef idx="0">
+        <a:scrgbClr r="0" g="0" b="0"/>
+      </a:fillRef>
+      <a:effectRef idx="0">
+        <a:scrgbClr r="0" g="0" b="0"/>
+      </a:effectRef>
+      <a:fontRef idx="minor"/>
+    </dgm:style>
+  </dgm:styleLbl>
+  <dgm:styleLbl name="callout">
+    <dgm:scene3d>
+      <a:camera prst="orthographicFront"/>
+      <a:lightRig rig="threePt" dir="t"/>
+    </dgm:scene3d>
+    <dgm:sp3d/>
+    <dgm:txPr/>
+    <dgm:style>
+      <a:lnRef idx="2">
+        <a:scrgbClr r="0" g="0" b="0"/>
+      </a:lnRef>
+      <a:fillRef idx="1">
+        <a:scrgbClr r="0" g="0" b="0"/>
+      </a:fillRef>
+      <a:effectRef idx="0">
+        <a:scrgbClr r="0" g="0" b="0"/>
+      </a:effectRef>
+      <a:fontRef idx="minor"/>
+    </dgm:style>
+  </dgm:styleLbl>
+  <dgm:styleLbl name="asst0">
+    <dgm:scene3d>
+      <a:camera prst="orthographicFront"/>
+      <a:lightRig rig="threePt" dir="t"/>
+    </dgm:scene3d>
+    <dgm:sp3d/>
+    <dgm:txPr/>
+    <dgm:style>
+      <a:lnRef idx="2">
+        <a:scrgbClr r="0" g="0" b="0"/>
+      </a:lnRef>
+      <a:fillRef idx="1">
+        <a:scrgbClr r="0" g="0" b="0"/>
+      </a:fillRef>
+      <a:effectRef idx="0">
+        <a:scrgbClr r="0" g="0" b="0"/>
+      </a:effectRef>
+      <a:fontRef idx="minor">
+        <a:schemeClr val="lt1"/>
+      </a:fontRef>
+    </dgm:style>
+  </dgm:styleLbl>
+  <dgm:styleLbl name="asst1">
+    <dgm:scene3d>
+      <a:camera prst="orthographicFront"/>
+      <a:lightRig rig="threePt" dir="t"/>
+    </dgm:scene3d>
+    <dgm:sp3d/>
+    <dgm:txPr/>
+    <dgm:style>
+      <a:lnRef idx="2">
+        <a:scrgbClr r="0" g="0" b="0"/>
+      </a:lnRef>
+      <a:fillRef idx="1">
+        <a:scrgbClr r="0" g="0" b="0"/>
+      </a:fillRef>
+      <a:effectRef idx="0">
+        <a:scrgbClr r="0" g="0" b="0"/>
+      </a:effectRef>
+      <a:fontRef idx="minor">
+        <a:schemeClr val="lt1"/>
+      </a:fontRef>
+    </dgm:style>
+  </dgm:styleLbl>
+  <dgm:styleLbl name="asst2">
+    <dgm:scene3d>
+      <a:camera prst="orthographicFront"/>
+      <a:lightRig rig="threePt" dir="t"/>
+    </dgm:scene3d>
+    <dgm:sp3d/>
+    <dgm:txPr/>
+    <dgm:style>
+      <a:lnRef idx="2">
+        <a:scrgbClr r="0" g="0" b="0"/>
+      </a:lnRef>
+      <a:fillRef idx="1">
+        <a:scrgbClr r="0" g="0" b="0"/>
+      </a:fillRef>
+      <a:effectRef idx="0">
+        <a:scrgbClr r="0" g="0" b="0"/>
+      </a:effectRef>
+      <a:fontRef idx="minor">
+        <a:schemeClr val="lt1"/>
+      </a:fontRef>
+    </dgm:style>
+  </dgm:styleLbl>
+  <dgm:styleLbl name="asst3">
+    <dgm:scene3d>
+      <a:camera prst="orthographicFront"/>
+      <a:lightRig rig="threePt" dir="t"/>
+    </dgm:scene3d>
+    <dgm:sp3d/>
+    <dgm:txPr/>
+    <dgm:style>
+      <a:lnRef idx="2">
+        <a:scrgbClr r="0" g="0" b="0"/>
+      </a:lnRef>
+      <a:fillRef idx="1">
+        <a:scrgbClr r="0" g="0" b="0"/>
+      </a:fillRef>
+      <a:effectRef idx="0">
+        <a:scrgbClr r="0" g="0" b="0"/>
+      </a:effectRef>
+      <a:fontRef idx="minor">
+        <a:schemeClr val="lt1"/>
+      </a:fontRef>
+    </dgm:style>
+  </dgm:styleLbl>
+  <dgm:styleLbl name="asst4">
+    <dgm:scene3d>
+      <a:camera prst="orthographicFront"/>
+      <a:lightRig rig="threePt" dir="t"/>
+    </dgm:scene3d>
+    <dgm:sp3d/>
+    <dgm:txPr/>
+    <dgm:style>
+      <a:lnRef idx="2">
+        <a:scrgbClr r="0" g="0" b="0"/>
+      </a:lnRef>
+      <a:fillRef idx="1">
+        <a:scrgbClr r="0" g="0" b="0"/>
+      </a:fillRef>
+      <a:effectRef idx="0">
+        <a:scrgbClr r="0" g="0" b="0"/>
+      </a:effectRef>
+      <a:fontRef idx="minor">
+        <a:schemeClr val="lt1"/>
+      </a:fontRef>
+    </dgm:style>
+  </dgm:styleLbl>
+  <dgm:styleLbl name="parChTrans2D1">
+    <dgm:scene3d>
+      <a:camera prst="orthographicFront"/>
+      <a:lightRig rig="threePt" dir="t"/>
+    </dgm:scene3d>
+    <dgm:sp3d/>
+    <dgm:txPr/>
+    <dgm:style>
+      <a:lnRef idx="2">
+        <a:scrgbClr r="0" g="0" b="0"/>
+      </a:lnRef>
+      <a:fillRef idx="1">
+        <a:scrgbClr r="0" g="0" b="0"/>
+      </a:fillRef>
+      <a:effectRef idx="0">
+        <a:scrgbClr r="0" g="0" b="0"/>
+      </a:effectRef>
+      <a:fontRef idx="minor">
+        <a:schemeClr val="lt1"/>
+      </a:fontRef>
+    </dgm:style>
+  </dgm:styleLbl>
+  <dgm:styleLbl name="parChTrans2D2">
+    <dgm:scene3d>
+      <a:camera prst="orthographicFront"/>
+      <a:lightRig rig="threePt" dir="t"/>
+    </dgm:scene3d>
+    <dgm:sp3d/>
+    <dgm:txPr/>
+    <dgm:style>
+      <a:lnRef idx="2">
+        <a:scrgbClr r="0" g="0" b="0"/>
+      </a:lnRef>
+      <a:fillRef idx="1">
+        <a:scrgbClr r="0" g="0" b="0"/>
+      </a:fillRef>
+      <a:effectRef idx="0">
+        <a:scrgbClr r="0" g="0" b="0"/>
+      </a:effectRef>
+      <a:fontRef idx="minor">
+        <a:schemeClr val="lt1"/>
+      </a:fontRef>
+    </dgm:style>
+  </dgm:styleLbl>
+  <dgm:styleLbl name="parChTrans2D3">
+    <dgm:scene3d>
+      <a:camera prst="orthographicFront"/>
+      <a:lightRig rig="threePt" dir="t"/>
+    </dgm:scene3d>
+    <dgm:sp3d/>
+    <dgm:txPr/>
+    <dgm:style>
+      <a:lnRef idx="2">
+        <a:scrgbClr r="0" g="0" b="0"/>
+      </a:lnRef>
+      <a:fillRef idx="1">
+        <a:scrgbClr r="0" g="0" b="0"/>
+      </a:fillRef>
+      <a:effectRef idx="0">
+        <a:scrgbClr r="0" g="0" b="0"/>
+      </a:effectRef>
+      <a:fontRef idx="minor">
+        <a:schemeClr val="lt1"/>
+      </a:fontRef>
+    </dgm:style>
+  </dgm:styleLbl>
+  <dgm:styleLbl name="parChTrans2D4">
+    <dgm:scene3d>
+      <a:camera prst="orthographicFront"/>
+      <a:lightRig rig="threePt" dir="t"/>
+    </dgm:scene3d>
+    <dgm:sp3d/>
+    <dgm:txPr/>
+    <dgm:style>
+      <a:lnRef idx="2">
+        <a:scrgbClr r="0" g="0" b="0"/>
+      </a:lnRef>
+      <a:fillRef idx="1">
+        <a:scrgbClr r="0" g="0" b="0"/>
+      </a:fillRef>
+      <a:effectRef idx="0">
+        <a:scrgbClr r="0" g="0" b="0"/>
+      </a:effectRef>
+      <a:fontRef idx="minor">
+        <a:schemeClr val="lt1"/>
+      </a:fontRef>
+    </dgm:style>
+  </dgm:styleLbl>
+  <dgm:styleLbl name="parChTrans1D1">
+    <dgm:scene3d>
+      <a:camera prst="orthographicFront"/>
+      <a:lightRig rig="threePt" dir="t"/>
+    </dgm:scene3d>
+    <dgm:sp3d/>
+    <dgm:txPr/>
+    <dgm:style>
+      <a:lnRef idx="2">
+        <a:scrgbClr r="0" g="0" b="0"/>
+      </a:lnRef>
+      <a:fillRef idx="0">
+        <a:scrgbClr r="0" g="0" b="0"/>
+      </a:fillRef>
+      <a:effectRef idx="0">
+        <a:scrgbClr r="0" g="0" b="0"/>
+      </a:effectRef>
+      <a:fontRef idx="minor"/>
+    </dgm:style>
+  </dgm:styleLbl>
+  <dgm:styleLbl name="parChTrans1D2">
+    <dgm:scene3d>
+      <a:camera prst="orthographicFront"/>
+      <a:lightRig rig="threePt" dir="t"/>
+    </dgm:scene3d>
+    <dgm:sp3d/>
+    <dgm:txPr/>
+    <dgm:style>
+      <a:lnRef idx="2">
+        <a:scrgbClr r="0" g="0" b="0"/>
+      </a:lnRef>
+      <a:fillRef idx="0">
+        <a:scrgbClr r="0" g="0" b="0"/>
+      </a:fillRef>
+      <a:effectRef idx="0">
+        <a:scrgbClr r="0" g="0" b="0"/>
+      </a:effectRef>
+      <a:fontRef idx="minor"/>
+    </dgm:style>
+  </dgm:styleLbl>
+  <dgm:styleLbl name="parChTrans1D3">
+    <dgm:scene3d>
+      <a:camera prst="orthographicFront"/>
+      <a:lightRig rig="threePt" dir="t"/>
+    </dgm:scene3d>
+    <dgm:sp3d/>
+    <dgm:txPr/>
+    <dgm:style>
+      <a:lnRef idx="2">
+        <a:scrgbClr r="0" g="0" b="0"/>
+      </a:lnRef>
+      <a:fillRef idx="0">
+        <a:scrgbClr r="0" g="0" b="0"/>
+      </a:fillRef>
+      <a:effectRef idx="0">
+        <a:scrgbClr r="0" g="0" b="0"/>
+      </a:effectRef>
+      <a:fontRef idx="minor"/>
+    </dgm:style>
+  </dgm:styleLbl>
+  <dgm:styleLbl name="parChTrans1D4">
+    <dgm:scene3d>
+      <a:camera prst="orthographicFront"/>
+      <a:lightRig rig="threePt" dir="t"/>
+    </dgm:scene3d>
+    <dgm:sp3d/>
+    <dgm:txPr/>
+    <dgm:style>
+      <a:lnRef idx="2">
+        <a:scrgbClr r="0" g="0" b="0"/>
+      </a:lnRef>
+      <a:fillRef idx="0">
+        <a:scrgbClr r="0" g="0" b="0"/>
+      </a:fillRef>
+      <a:effectRef idx="0">
+        <a:scrgbClr r="0" g="0" b="0"/>
+      </a:effectRef>
+      <a:fontRef idx="minor"/>
+    </dgm:style>
+  </dgm:styleLbl>
+  <dgm:styleLbl name="fgAcc1">
+    <dgm:scene3d>
+      <a:camera prst="orthographicFront"/>
+      <a:lightRig rig="threePt" dir="t"/>
+    </dgm:scene3d>
+    <dgm:sp3d/>
+    <dgm:txPr/>
+    <dgm:style>
+      <a:lnRef idx="2">
+        <a:scrgbClr r="0" g="0" b="0"/>
+      </a:lnRef>
+      <a:fillRef idx="1">
+        <a:scrgbClr r="0" g="0" b="0"/>
+      </a:fillRef>
+      <a:effectRef idx="0">
+        <a:scrgbClr r="0" g="0" b="0"/>
+      </a:effectRef>
+      <a:fontRef idx="minor"/>
+    </dgm:style>
+  </dgm:styleLbl>
+  <dgm:styleLbl name="conFgAcc1">
+    <dgm:scene3d>
+      <a:camera prst="orthographicFront"/>
+      <a:lightRig rig="threePt" dir="t"/>
+    </dgm:scene3d>
+    <dgm:sp3d/>
+    <dgm:txPr/>
+    <dgm:style>
+      <a:lnRef idx="2">
+        <a:scrgbClr r="0" g="0" b="0"/>
+      </a:lnRef>
+      <a:fillRef idx="1">
+        <a:scrgbClr r="0" g="0" b="0"/>
+      </a:fillRef>
+      <a:effectRef idx="0">
+        <a:scrgbClr r="0" g="0" b="0"/>
+      </a:effectRef>
+      <a:fontRef idx="minor"/>
+    </dgm:style>
+  </dgm:styleLbl>
+  <dgm:styleLbl name="alignAcc1">
+    <dgm:scene3d>
+      <a:camera prst="orthographicFront"/>
+      <a:lightRig rig="threePt" dir="t"/>
+    </dgm:scene3d>
+    <dgm:sp3d/>
+    <dgm:txPr/>
+    <dgm:style>
+      <a:lnRef idx="2">
+        <a:scrgbClr r="0" g="0" b="0"/>
+      </a:lnRef>
+      <a:fillRef idx="1">
+        <a:scrgbClr r="0" g="0" b="0"/>
+      </a:fillRef>
+      <a:effectRef idx="0">
+        <a:scrgbClr r="0" g="0" b="0"/>
+      </a:effectRef>
+      <a:fontRef idx="minor"/>
+    </dgm:style>
+  </dgm:styleLbl>
+  <dgm:styleLbl name="trAlignAcc1">
+    <dgm:scene3d>
+      <a:camera prst="orthographicFront"/>
+      <a:lightRig rig="threePt" dir="t"/>
+    </dgm:scene3d>
+    <dgm:sp3d/>
+    <dgm:txPr/>
+    <dgm:style>
+      <a:lnRef idx="1">
+        <a:scrgbClr r="0" g="0" b="0"/>
+      </a:lnRef>
+      <a:fillRef idx="1">
+        <a:scrgbClr r="0" g="0" b="0"/>
+      </a:fillRef>
+      <a:effectRef idx="0">
+        <a:scrgbClr r="0" g="0" b="0"/>
+      </a:effectRef>
+      <a:fontRef idx="minor"/>
+    </dgm:style>
+  </dgm:styleLbl>
+  <dgm:styleLbl name="bgAcc1">
+    <dgm:scene3d>
+      <a:camera prst="orthographicFront"/>
+      <a:lightRig rig="threePt" dir="t"/>
+    </dgm:scene3d>
+    <dgm:sp3d/>
+    <dgm:txPr/>
+    <dgm:style>
+      <a:lnRef idx="2">
+        <a:scrgbClr r="0" g="0" b="0"/>
+      </a:lnRef>
+      <a:fillRef idx="1">
+        <a:scrgbClr r="0" g="0" b="0"/>
+      </a:fillRef>
+      <a:effectRef idx="0">
+        <a:scrgbClr r="0" g="0" b="0"/>
+      </a:effectRef>
+      <a:fontRef idx="minor"/>
+    </dgm:style>
+  </dgm:styleLbl>
+  <dgm:styleLbl name="solidFgAcc1">
+    <dgm:scene3d>
+      <a:camera prst="orthographicFront"/>
+      <a:lightRig rig="threePt" dir="t"/>
+    </dgm:scene3d>
+    <dgm:sp3d/>
+    <dgm:txPr/>
+    <dgm:style>
+      <a:lnRef idx="2">
+        <a:scrgbClr r="0" g="0" b="0"/>
+      </a:lnRef>
+      <a:fillRef idx="1">
+        <a:scrgbClr r="0" g="0" b="0"/>
+      </a:fillRef>
+      <a:effectRef idx="0">
+        <a:scrgbClr r="0" g="0" b="0"/>
+      </a:effectRef>
+      <a:fontRef idx="minor"/>
+    </dgm:style>
+  </dgm:styleLbl>
+  <dgm:styleLbl name="solidAlignAcc1">
+    <dgm:scene3d>
+      <a:camera prst="orthographicFront"/>
+      <a:lightRig rig="threePt" dir="t"/>
+    </dgm:scene3d>
+    <dgm:sp3d/>
+    <dgm:txPr/>
+    <dgm:style>
+      <a:lnRef idx="2">
+        <a:scrgbClr r="0" g="0" b="0"/>
+      </a:lnRef>
+      <a:fillRef idx="1">
+        <a:scrgbClr r="0" g="0" b="0"/>
+      </a:fillRef>
+      <a:effectRef idx="0">
+        <a:scrgbClr r="0" g="0" b="0"/>
+      </a:effectRef>
+      <a:fontRef idx="minor"/>
+    </dgm:style>
+  </dgm:styleLbl>
+  <dgm:styleLbl name="solidBgAcc1">
+    <dgm:scene3d>
+      <a:camera prst="orthographicFront"/>
+      <a:lightRig rig="threePt" dir="t"/>
+    </dgm:scene3d>
+    <dgm:sp3d/>
+    <dgm:txPr/>
+    <dgm:style>
+      <a:lnRef idx="2">
+        <a:scrgbClr r="0" g="0" b="0"/>
+      </a:lnRef>
+      <a:fillRef idx="1">
+        <a:scrgbClr r="0" g="0" b="0"/>
+      </a:fillRef>
+      <a:effectRef idx="0">
+        <a:scrgbClr r="0" g="0" b="0"/>
+      </a:effectRef>
+      <a:fontRef idx="minor"/>
+    </dgm:style>
+  </dgm:styleLbl>
+  <dgm:styleLbl name="fgAccFollowNode1">
+    <dgm:scene3d>
+      <a:camera prst="orthographicFront"/>
+      <a:lightRig rig="threePt" dir="t"/>
+    </dgm:scene3d>
+    <dgm:sp3d/>
+    <dgm:txPr/>
+    <dgm:style>
+      <a:lnRef idx="2">
+        <a:scrgbClr r="0" g="0" b="0"/>
+      </a:lnRef>
+      <a:fillRef idx="1">
+        <a:scrgbClr r="0" g="0" b="0"/>
+      </a:fillRef>
+      <a:effectRef idx="0">
+        <a:scrgbClr r="0" g="0" b="0"/>
+      </a:effectRef>
+      <a:fontRef idx="minor"/>
+    </dgm:style>
+  </dgm:styleLbl>
+  <dgm:styleLbl name="alignAccFollowNode1">
+    <dgm:scene3d>
+      <a:camera prst="orthographicFront"/>
+      <a:lightRig rig="threePt" dir="t"/>
+    </dgm:scene3d>
+    <dgm:sp3d/>
+    <dgm:txPr/>
+    <dgm:style>
+      <a:lnRef idx="2">
+        <a:scrgbClr r="0" g="0" b="0"/>
+      </a:lnRef>
+      <a:fillRef idx="1">
+        <a:scrgbClr r="0" g="0" b="0"/>
+      </a:fillRef>
+      <a:effectRef idx="0">
+        <a:scrgbClr r="0" g="0" b="0"/>
+      </a:effectRef>
+      <a:fontRef idx="minor"/>
+    </dgm:style>
+  </dgm:styleLbl>
+  <dgm:styleLbl name="bgAccFollowNode1">
+    <dgm:scene3d>
+      <a:camera prst="orthographicFront"/>
+      <a:lightRig rig="threePt" dir="t"/>
+    </dgm:scene3d>
+    <dgm:sp3d/>
+    <dgm:txPr/>
+    <dgm:style>
+      <a:lnRef idx="2">
+        <a:scrgbClr r="0" g="0" b="0"/>
+      </a:lnRef>
+      <a:fillRef idx="1">
+        <a:scrgbClr r="0" g="0" b="0"/>
+      </a:fillRef>
+      <a:effectRef idx="0">
+        <a:scrgbClr r="0" g="0" b="0"/>
+      </a:effectRef>
+      <a:fontRef idx="minor"/>
+    </dgm:style>
+  </dgm:styleLbl>
+  <dgm:styleLbl name="fgAcc0">
+    <dgm:scene3d>
+      <a:camera prst="orthographicFront"/>
+      <a:lightRig rig="threePt" dir="t"/>
+    </dgm:scene3d>
+    <dgm:sp3d/>
+    <dgm:txPr/>
+    <dgm:style>
+      <a:lnRef idx="2">
+        <a:scrgbClr r="0" g="0" b="0"/>
+      </a:lnRef>
+      <a:fillRef idx="1">
+        <a:scrgbClr r="0" g="0" b="0"/>
+      </a:fillRef>
+      <a:effectRef idx="0">
+        <a:scrgbClr r="0" g="0" b="0"/>
+      </a:effectRef>
+      <a:fontRef idx="minor"/>
+    </dgm:style>
+  </dgm:styleLbl>
+  <dgm:styleLbl name="fgAcc2">
+    <dgm:scene3d>
+      <a:camera prst="orthographicFront"/>
+      <a:lightRig rig="threePt" dir="t"/>
+    </dgm:scene3d>
+    <dgm:sp3d/>
+    <dgm:txPr/>
+    <dgm:style>
+      <a:lnRef idx="2">
+        <a:scrgbClr r="0" g="0" b="0"/>
+      </a:lnRef>
+      <a:fillRef idx="1">
+        <a:scrgbClr r="0" g="0" b="0"/>
+      </a:fillRef>
+      <a:effectRef idx="0">
+        <a:scrgbClr r="0" g="0" b="0"/>
+      </a:effectRef>
+      <a:fontRef idx="minor"/>
+    </dgm:style>
+  </dgm:styleLbl>
+  <dgm:styleLbl name="fgAcc3">
+    <dgm:scene3d>
+      <a:camera prst="orthographicFront"/>
+      <a:lightRig rig="threePt" dir="t"/>
+    </dgm:scene3d>
+    <dgm:sp3d/>
+    <dgm:txPr/>
+    <dgm:style>
+      <a:lnRef idx="2">
+        <a:scrgbClr r="0" g="0" b="0"/>
+      </a:lnRef>
+      <a:fillRef idx="1">
+        <a:scrgbClr r="0" g="0" b="0"/>
+      </a:fillRef>
+      <a:effectRef idx="0">
+        <a:scrgbClr r="0" g="0" b="0"/>
+      </a:effectRef>
+      <a:fontRef idx="minor"/>
+    </dgm:style>
+  </dgm:styleLbl>
+  <dgm:styleLbl name="fgAcc4">
+    <dgm:scene3d>
+      <a:camera prst="orthographicFront"/>
+      <a:lightRig rig="threePt" dir="t"/>
+    </dgm:scene3d>
+    <dgm:sp3d/>
+    <dgm:txPr/>
+    <dgm:style>
+      <a:lnRef idx="2">
+        <a:scrgbClr r="0" g="0" b="0"/>
+      </a:lnRef>
+      <a:fillRef idx="1">
+        <a:scrgbClr r="0" g="0" b="0"/>
+      </a:fillRef>
+      <a:effectRef idx="0">
+        <a:scrgbClr r="0" g="0" b="0"/>
+      </a:effectRef>
+      <a:fontRef idx="minor"/>
+    </dgm:style>
+  </dgm:styleLbl>
+  <dgm:styleLbl name="bgShp">
+    <dgm:scene3d>
+      <a:camera prst="orthographicFront"/>
+      <a:lightRig rig="threePt" dir="t"/>
+    </dgm:scene3d>
+    <dgm:sp3d/>
+    <dgm:txPr/>
+    <dgm:style>
+      <a:lnRef idx="0">
+        <a:scrgbClr r="0" g="0" b="0"/>
+      </a:lnRef>
+      <a:fillRef idx="1">
+        <a:scrgbClr r="0" g="0" b="0"/>
+      </a:fillRef>
+      <a:effectRef idx="0">
+        <a:scrgbClr r="0" g="0" b="0"/>
+      </a:effectRef>
+      <a:fontRef idx="minor"/>
+    </dgm:style>
+  </dgm:styleLbl>
+  <dgm:styleLbl name="dkBgShp">
+    <dgm:scene3d>
+      <a:camera prst="orthographicFront"/>
+      <a:lightRig rig="threePt" dir="t"/>
+    </dgm:scene3d>
+    <dgm:sp3d/>
+    <dgm:txPr/>
+    <dgm:style>
+      <a:lnRef idx="0">
+        <a:scrgbClr r="0" g="0" b="0"/>
+      </a:lnRef>
+      <a:fillRef idx="1">
+        <a:scrgbClr r="0" g="0" b="0"/>
+      </a:fillRef>
+      <a:effectRef idx="0">
+        <a:scrgbClr r="0" g="0" b="0"/>
+      </a:effectRef>
+      <a:fontRef idx="minor"/>
+    </dgm:style>
+  </dgm:styleLbl>
+  <dgm:styleLbl name="trBgShp">
+    <dgm:scene3d>
+      <a:camera prst="orthographicFront"/>
+      <a:lightRig rig="threePt" dir="t"/>
+    </dgm:scene3d>
+    <dgm:sp3d/>
+    <dgm:txPr/>
+    <dgm:style>
+      <a:lnRef idx="0">
+        <a:scrgbClr r="0" g="0" b="0"/>
+      </a:lnRef>
+      <a:fillRef idx="1">
+        <a:scrgbClr r="0" g="0" b="0"/>
+      </a:fillRef>
+      <a:effectRef idx="0">
+        <a:scrgbClr r="0" g="0" b="0"/>
+      </a:effectRef>
+      <a:fontRef idx="minor"/>
+    </dgm:style>
+  </dgm:styleLbl>
+  <dgm:styleLbl name="fgShp">
+    <dgm:scene3d>
+      <a:camera prst="orthographicFront"/>
+      <a:lightRig rig="threePt" dir="t"/>
+    </dgm:scene3d>
+    <dgm:sp3d/>
+    <dgm:txPr/>
+    <dgm:style>
+      <a:lnRef idx="2">
+        <a:scrgbClr r="0" g="0" b="0"/>
+      </a:lnRef>
+      <a:fillRef idx="1">
+        <a:scrgbClr r="0" g="0" b="0"/>
+      </a:fillRef>
+      <a:effectRef idx="0">
+        <a:scrgbClr r="0" g="0" b="0"/>
+      </a:effectRef>
+      <a:fontRef idx="minor"/>
+    </dgm:style>
+  </dgm:styleLbl>
+  <dgm:styleLbl name="revTx">
+    <dgm:scene3d>
+      <a:camera prst="orthographicFront"/>
+      <a:lightRig rig="threePt" dir="t"/>
+    </dgm:scene3d>
+    <dgm:sp3d/>
+    <dgm:txPr/>
+    <dgm:style>
+      <a:lnRef idx="0">
+        <a:scrgbClr r="0" g="0" b="0"/>
+      </a:lnRef>
+      <a:fillRef idx="0">
+        <a:scrgbClr r="0" g="0" b="0"/>
+      </a:fillRef>
+      <a:effectRef idx="0">
+        <a:scrgbClr r="0" g="0" b="0"/>
+      </a:effectRef>
+      <a:fontRef idx="minor"/>
+    </dgm:style>
+  </dgm:styleLbl>
+</dgm:styleDef>
+</file>
+
+<file path=ppt/diagrams/quickStyle3.xml><?xml version="1.0" encoding="utf-8"?>
 <dgm:styleDef xmlns:dgm="http://schemas.openxmlformats.org/drawingml/2006/diagram" xmlns:a="http://schemas.openxmlformats.org/drawingml/2006/main" uniqueId="urn:microsoft.com/office/officeart/2005/8/quickstyle/simple2">
   <dgm:title val=""/>
   <dgm:desc val=""/>
@@ -7492,7 +10523,7 @@
 </dgm:styleDef>
 </file>
 
-<file path=ppt/diagrams/quickStyle3.xml><?xml version="1.0" encoding="utf-8"?>
+<file path=ppt/diagrams/quickStyle4.xml><?xml version="1.0" encoding="utf-8"?>
 <dgm:styleDef xmlns:dgm="http://schemas.openxmlformats.org/drawingml/2006/diagram" xmlns:a="http://schemas.openxmlformats.org/drawingml/2006/main" uniqueId="urn:microsoft.com/office/officeart/2005/8/quickstyle/simple1">
   <dgm:title val=""/>
   <dgm:desc val=""/>
@@ -13858,6 +16889,17 @@
 <file path=ppt/slides/slide3.xml><?xml version="1.0" encoding="utf-8"?>
 <p:sld xmlns:a="http://schemas.openxmlformats.org/drawingml/2006/main" xmlns:r="http://schemas.openxmlformats.org/officeDocument/2006/relationships" xmlns:p="http://schemas.openxmlformats.org/presentationml/2006/main">
   <p:cSld>
+    <p:bg>
+      <p:bgPr>
+        <a:blipFill rotWithShape="1">
+          <a:blip r:embed="rId2">
+            <a:extLst/>
+          </a:blip>
+          <a:stretch/>
+        </a:blipFill>
+        <a:effectLst/>
+      </p:bgPr>
+    </p:bg>
     <p:spTree>
       <p:nvGrpSpPr>
         <p:cNvPr id="1" name=""/>
@@ -13874,6 +16916,309 @@
       </p:grpSpPr>
       <p:sp>
         <p:nvSpPr>
+          <p:cNvPr id="23" name="Rectangle 22">
+            <a:extLst>
+              <a:ext uri="{FF2B5EF4-FFF2-40B4-BE49-F238E27FC236}">
+                <a16:creationId xmlns:a16="http://schemas.microsoft.com/office/drawing/2014/main" id="{936FA072-D541-4EE8-9DC6-513AAB2B95D4}"/>
+              </a:ext>
+              <a:ext uri="{C183D7F6-B498-43B3-948B-1728B52AA6E4}">
+                <adec:decorative xmlns:adec="http://schemas.microsoft.com/office/drawing/2017/decorative" val="1"/>
+              </a:ext>
+            </a:extLst>
+          </p:cNvPr>
+          <p:cNvSpPr>
+            <a:spLocks noGrp="1" noRot="1" noChangeAspect="1" noMove="1" noResize="1" noEditPoints="1" noAdjustHandles="1" noChangeArrowheads="1" noChangeShapeType="1" noTextEdit="1"/>
+          </p:cNvSpPr>
+          <p:nvPr>
+            <p:extLst>
+              <p:ext uri="{386F3935-93C4-4BCD-93E2-E3B085C9AB24}">
+                <p16:designElem xmlns:p16="http://schemas.microsoft.com/office/powerpoint/2015/main" val="1"/>
+              </p:ext>
+            </p:extLst>
+          </p:nvPr>
+        </p:nvSpPr>
+        <p:spPr>
+          <a:xfrm>
+            <a:off x="1007533" y="-1"/>
+            <a:ext cx="11184467" cy="6858000"/>
+          </a:xfrm>
+          <a:prstGeom prst="rect">
+            <a:avLst/>
+          </a:prstGeom>
+          <a:solidFill>
+            <a:schemeClr val="bg2"/>
+          </a:solidFill>
+          <a:ln>
+            <a:noFill/>
+          </a:ln>
+        </p:spPr>
+        <p:style>
+          <a:lnRef idx="2">
+            <a:schemeClr val="accent1">
+              <a:shade val="50000"/>
+            </a:schemeClr>
+          </a:lnRef>
+          <a:fillRef idx="1">
+            <a:schemeClr val="accent1"/>
+          </a:fillRef>
+          <a:effectRef idx="0">
+            <a:schemeClr val="accent1"/>
+          </a:effectRef>
+          <a:fontRef idx="minor">
+            <a:schemeClr val="lt1"/>
+          </a:fontRef>
+        </p:style>
+        <p:txBody>
+          <a:bodyPr rtlCol="0" anchor="ctr"/>
+          <a:lstStyle/>
+          <a:p>
+            <a:pPr algn="ctr"/>
+            <a:endParaRPr lang="en-US"/>
+          </a:p>
+        </p:txBody>
+      </p:sp>
+      <p:pic>
+        <p:nvPicPr>
+          <p:cNvPr id="25" name="Picture 24">
+            <a:extLst>
+              <a:ext uri="{FF2B5EF4-FFF2-40B4-BE49-F238E27FC236}">
+                <a16:creationId xmlns:a16="http://schemas.microsoft.com/office/drawing/2014/main" id="{2BD4AA0B-889E-42F1-8C61-06B590988062}"/>
+              </a:ext>
+              <a:ext uri="{C183D7F6-B498-43B3-948B-1728B52AA6E4}">
+                <adec:decorative xmlns:adec="http://schemas.microsoft.com/office/drawing/2017/decorative" val="1"/>
+              </a:ext>
+            </a:extLst>
+          </p:cNvPr>
+          <p:cNvPicPr>
+            <a:picLocks noGrp="1" noRot="1" noChangeAspect="1" noMove="1" noResize="1" noEditPoints="1" noAdjustHandles="1" noChangeArrowheads="1" noChangeShapeType="1" noCrop="1"/>
+          </p:cNvPicPr>
+          <p:nvPr>
+            <p:extLst>
+              <p:ext uri="{386F3935-93C4-4BCD-93E2-E3B085C9AB24}">
+                <p16:designElem xmlns:p16="http://schemas.microsoft.com/office/powerpoint/2015/main" val="1"/>
+              </p:ext>
+            </p:extLst>
+          </p:nvPr>
+        </p:nvPicPr>
+        <p:blipFill>
+          <a:blip r:embed="rId3">
+            <a:duotone>
+              <a:schemeClr val="accent1">
+                <a:shade val="45000"/>
+                <a:satMod val="135000"/>
+              </a:schemeClr>
+              <a:prstClr val="white"/>
+            </a:duotone>
+            <a:extLst>
+              <a:ext uri="{28A0092B-C50C-407E-A947-70E740481C1C}">
+                <a14:useLocalDpi xmlns:a14="http://schemas.microsoft.com/office/drawing/2010/main" val="0"/>
+              </a:ext>
+            </a:extLst>
+          </a:blip>
+          <a:stretch>
+            <a:fillRect/>
+          </a:stretch>
+        </p:blipFill>
+        <p:spPr>
+          <a:xfrm>
+            <a:off x="0" y="0"/>
+            <a:ext cx="12189867" cy="6858000"/>
+          </a:xfrm>
+          <a:prstGeom prst="rect">
+            <a:avLst/>
+          </a:prstGeom>
+        </p:spPr>
+      </p:pic>
+      <p:sp>
+        <p:nvSpPr>
+          <p:cNvPr id="27" name="Rectangle 26">
+            <a:extLst>
+              <a:ext uri="{FF2B5EF4-FFF2-40B4-BE49-F238E27FC236}">
+                <a16:creationId xmlns:a16="http://schemas.microsoft.com/office/drawing/2014/main" id="{3BA6DFAF-5481-41C3-BB7F-CE46BC3AC3EA}"/>
+              </a:ext>
+              <a:ext uri="{C183D7F6-B498-43B3-948B-1728B52AA6E4}">
+                <adec:decorative xmlns:adec="http://schemas.microsoft.com/office/drawing/2017/decorative" val="1"/>
+              </a:ext>
+            </a:extLst>
+          </p:cNvPr>
+          <p:cNvSpPr>
+            <a:spLocks noGrp="1" noRot="1" noChangeAspect="1" noMove="1" noResize="1" noEditPoints="1" noAdjustHandles="1" noChangeArrowheads="1" noChangeShapeType="1" noTextEdit="1"/>
+          </p:cNvSpPr>
+          <p:nvPr>
+            <p:extLst>
+              <p:ext uri="{386F3935-93C4-4BCD-93E2-E3B085C9AB24}">
+                <p16:designElem xmlns:p16="http://schemas.microsoft.com/office/powerpoint/2015/main" val="1"/>
+              </p:ext>
+            </p:extLst>
+          </p:nvPr>
+        </p:nvSpPr>
+        <p:spPr>
+          <a:xfrm>
+            <a:off x="0" y="0"/>
+            <a:ext cx="964174" cy="6858000"/>
+          </a:xfrm>
+          <a:prstGeom prst="rect">
+            <a:avLst/>
+          </a:prstGeom>
+          <a:solidFill>
+            <a:schemeClr val="bg2"/>
+          </a:solidFill>
+          <a:ln>
+            <a:noFill/>
+          </a:ln>
+        </p:spPr>
+        <p:style>
+          <a:lnRef idx="2">
+            <a:schemeClr val="accent1">
+              <a:shade val="50000"/>
+            </a:schemeClr>
+          </a:lnRef>
+          <a:fillRef idx="1">
+            <a:schemeClr val="accent1"/>
+          </a:fillRef>
+          <a:effectRef idx="0">
+            <a:schemeClr val="accent1"/>
+          </a:effectRef>
+          <a:fontRef idx="minor">
+            <a:schemeClr val="lt1"/>
+          </a:fontRef>
+        </p:style>
+        <p:txBody>
+          <a:bodyPr rtlCol="0" anchor="ctr"/>
+          <a:lstStyle/>
+          <a:p>
+            <a:pPr algn="ctr"/>
+            <a:endParaRPr lang="en-US"/>
+          </a:p>
+        </p:txBody>
+      </p:sp>
+      <p:sp>
+        <p:nvSpPr>
+          <p:cNvPr id="29" name="Rectangle 28">
+            <a:extLst>
+              <a:ext uri="{FF2B5EF4-FFF2-40B4-BE49-F238E27FC236}">
+                <a16:creationId xmlns:a16="http://schemas.microsoft.com/office/drawing/2014/main" id="{1CA9134B-18C1-42D4-BB52-51F579E8F961}"/>
+              </a:ext>
+              <a:ext uri="{C183D7F6-B498-43B3-948B-1728B52AA6E4}">
+                <adec:decorative xmlns:adec="http://schemas.microsoft.com/office/drawing/2017/decorative" val="1"/>
+              </a:ext>
+            </a:extLst>
+          </p:cNvPr>
+          <p:cNvSpPr>
+            <a:spLocks noGrp="1" noRot="1" noChangeAspect="1" noMove="1" noResize="1" noEditPoints="1" noAdjustHandles="1" noChangeArrowheads="1" noChangeShapeType="1" noTextEdit="1"/>
+          </p:cNvSpPr>
+          <p:nvPr>
+            <p:extLst>
+              <p:ext uri="{386F3935-93C4-4BCD-93E2-E3B085C9AB24}">
+                <p16:designElem xmlns:p16="http://schemas.microsoft.com/office/powerpoint/2015/main" val="1"/>
+              </p:ext>
+            </p:extLst>
+          </p:nvPr>
+        </p:nvSpPr>
+        <p:spPr>
+          <a:xfrm>
+            <a:off x="962042" y="0"/>
+            <a:ext cx="45719" cy="6858000"/>
+          </a:xfrm>
+          <a:prstGeom prst="rect">
+            <a:avLst/>
+          </a:prstGeom>
+          <a:solidFill>
+            <a:schemeClr val="accent6"/>
+          </a:solidFill>
+          <a:ln>
+            <a:noFill/>
+          </a:ln>
+        </p:spPr>
+        <p:style>
+          <a:lnRef idx="2">
+            <a:schemeClr val="accent1">
+              <a:shade val="50000"/>
+            </a:schemeClr>
+          </a:lnRef>
+          <a:fillRef idx="1">
+            <a:schemeClr val="accent1"/>
+          </a:fillRef>
+          <a:effectRef idx="0">
+            <a:schemeClr val="accent1"/>
+          </a:effectRef>
+          <a:fontRef idx="minor">
+            <a:schemeClr val="lt1"/>
+          </a:fontRef>
+        </p:style>
+        <p:txBody>
+          <a:bodyPr rtlCol="0" anchor="ctr"/>
+          <a:lstStyle/>
+          <a:p>
+            <a:pPr algn="ctr"/>
+            <a:endParaRPr lang="en-US"/>
+          </a:p>
+        </p:txBody>
+      </p:sp>
+      <p:sp>
+        <p:nvSpPr>
+          <p:cNvPr id="31" name="TextBox 30">
+            <a:extLst>
+              <a:ext uri="{FF2B5EF4-FFF2-40B4-BE49-F238E27FC236}">
+                <a16:creationId xmlns:a16="http://schemas.microsoft.com/office/drawing/2014/main" id="{591B82A5-5AA5-46EE-920C-06F0896E4F42}"/>
+              </a:ext>
+              <a:ext uri="{C183D7F6-B498-43B3-948B-1728B52AA6E4}">
+                <adec:decorative xmlns:adec="http://schemas.microsoft.com/office/drawing/2017/decorative" val="1"/>
+              </a:ext>
+            </a:extLst>
+          </p:cNvPr>
+          <p:cNvSpPr txBox="1">
+            <a:spLocks noGrp="1" noRot="1" noChangeAspect="1" noMove="1" noResize="1" noEditPoints="1" noAdjustHandles="1" noChangeArrowheads="1" noChangeShapeType="1" noTextEdit="1"/>
+          </p:cNvSpPr>
+          <p:nvPr>
+            <p:extLst>
+              <p:ext uri="{386F3935-93C4-4BCD-93E2-E3B085C9AB24}">
+                <p16:designElem xmlns:p16="http://schemas.microsoft.com/office/powerpoint/2015/main" val="1"/>
+              </p:ext>
+            </p:extLst>
+          </p:nvPr>
+        </p:nvSpPr>
+        <p:spPr>
+          <a:xfrm>
+            <a:off x="1391168" y="2657755"/>
+            <a:ext cx="415636" cy="369332"/>
+          </a:xfrm>
+          <a:prstGeom prst="rect">
+            <a:avLst/>
+          </a:prstGeom>
+          <a:noFill/>
+        </p:spPr>
+        <p:txBody>
+          <a:bodyPr wrap="square" rtlCol="0">
+            <a:spAutoFit/>
+          </a:bodyPr>
+          <a:lstStyle/>
+          <a:p>
+            <a:pPr algn="r">
+              <a:spcAft>
+                <a:spcPts val="600"/>
+              </a:spcAft>
+            </a:pPr>
+            <a:r>
+              <a:rPr lang="en-US" sz="1800" dirty="0">
+                <a:solidFill>
+                  <a:schemeClr val="accent6"/>
+                </a:solidFill>
+                <a:latin typeface="Wingdings 3" panose="05040102010807070707" pitchFamily="18" charset="2"/>
+              </a:rPr>
+              <a:t>z</a:t>
+            </a:r>
+            <a:endParaRPr lang="en-US" sz="1000" dirty="0">
+              <a:solidFill>
+                <a:schemeClr val="accent6"/>
+              </a:solidFill>
+              <a:latin typeface="MS Shell Dlg 2" panose="020B0604030504040204" pitchFamily="34" charset="0"/>
+            </a:endParaRPr>
+          </a:p>
+        </p:txBody>
+      </p:sp>
+      <p:sp>
+        <p:nvSpPr>
           <p:cNvPr id="2" name="Titre 1">
             <a:extLst>
               <a:ext uri="{FF2B5EF4-FFF2-40B4-BE49-F238E27FC236}">
@@ -13888,64 +17233,58 @@
             <p:ph type="title"/>
           </p:nvPr>
         </p:nvSpPr>
-        <p:spPr/>
+        <p:spPr>
+          <a:xfrm>
+            <a:off x="1808936" y="2811270"/>
+            <a:ext cx="3473753" cy="1770045"/>
+          </a:xfrm>
+        </p:spPr>
         <p:txBody>
-          <a:bodyPr/>
+          <a:bodyPr>
+            <a:normAutofit/>
+          </a:bodyPr>
           <a:lstStyle/>
           <a:p>
+            <a:pPr algn="l"/>
             <a:r>
               <a:rPr lang="fr-FR" dirty="0"/>
               <a:t>Problématique</a:t>
             </a:r>
-            <a:endParaRPr lang="en-US" dirty="0"/>
+            <a:endParaRPr lang="en-US"/>
           </a:p>
         </p:txBody>
       </p:sp>
-      <p:sp>
-        <p:nvSpPr>
-          <p:cNvPr id="3" name="Espace réservé du contenu 2">
+      <p:graphicFrame>
+        <p:nvGraphicFramePr>
+          <p:cNvPr id="5" name="Espace réservé du contenu 2">
             <a:extLst>
               <a:ext uri="{FF2B5EF4-FFF2-40B4-BE49-F238E27FC236}">
-                <a16:creationId xmlns:a16="http://schemas.microsoft.com/office/drawing/2014/main" id="{319F8CD1-E303-4B78-A262-5101798FBF45}"/>
+                <a16:creationId xmlns:a16="http://schemas.microsoft.com/office/drawing/2014/main" id="{F530A829-1A4A-442F-B37C-3B6129639EA3}"/>
               </a:ext>
             </a:extLst>
           </p:cNvPr>
-          <p:cNvSpPr>
-            <a:spLocks noGrp="1"/>
-          </p:cNvSpPr>
+          <p:cNvGraphicFramePr>
+            <a:graphicFrameLocks noGrp="1"/>
+          </p:cNvGraphicFramePr>
           <p:nvPr>
             <p:ph idx="1"/>
+            <p:extLst>
+              <p:ext uri="{D42A27DB-BD31-4B8C-83A1-F6EECF244321}">
+                <p14:modId xmlns:p14="http://schemas.microsoft.com/office/powerpoint/2010/main" val="101666317"/>
+              </p:ext>
+            </p:extLst>
           </p:nvPr>
-        </p:nvSpPr>
-        <p:spPr/>
-        <p:txBody>
-          <a:bodyPr/>
-          <a:lstStyle/>
-          <a:p>
-            <a:r>
-              <a:rPr lang="fr-FR" dirty="0"/>
-              <a:t>Difficulté a gérer les réclamations</a:t>
-            </a:r>
-          </a:p>
-          <a:p>
-            <a:r>
-              <a:rPr lang="fr-FR" dirty="0"/>
-              <a:t>Pas d’endroit concret ou les visualiser facilement</a:t>
-            </a:r>
-          </a:p>
-          <a:p>
-            <a:r>
-              <a:rPr lang="fr-FR" dirty="0"/>
-              <a:t>Centraliser commentaires et </a:t>
-            </a:r>
-            <a:r>
-              <a:rPr lang="fr-FR" dirty="0" err="1"/>
-              <a:t>reclamations</a:t>
-            </a:r>
-            <a:endParaRPr lang="en-US" dirty="0"/>
-          </a:p>
-        </p:txBody>
-      </p:sp>
+        </p:nvGraphicFramePr>
+        <p:xfrm>
+          <a:off x="5778937" y="69978"/>
+          <a:ext cx="6211580" cy="6718041"/>
+        </p:xfrm>
+        <a:graphic>
+          <a:graphicData uri="http://schemas.openxmlformats.org/drawingml/2006/diagram">
+            <dgm:relIds xmlns:dgm="http://schemas.openxmlformats.org/drawingml/2006/diagram" xmlns:r="http://schemas.openxmlformats.org/officeDocument/2006/relationships" r:dm="rId4" r:lo="rId5" r:qs="rId6" r:cs="rId7"/>
+          </a:graphicData>
+        </a:graphic>
+      </p:graphicFrame>
     </p:spTree>
     <p:extLst>
       <p:ext uri="{BB962C8B-B14F-4D97-AF65-F5344CB8AC3E}">
